--- a/plot.pptx
+++ b/plot.pptx
@@ -6,10 +6,13 @@
   </p:sldMasterIdLst>
   <p:sldIdLst>
     <p:sldId id="256" r:id="rId2"/>
-    <p:sldId id="257" r:id="rId3"/>
-    <p:sldId id="258" r:id="rId4"/>
-    <p:sldId id="259" r:id="rId5"/>
-    <p:sldId id="261" r:id="rId6"/>
+    <p:sldId id="262" r:id="rId3"/>
+    <p:sldId id="261" r:id="rId4"/>
+    <p:sldId id="258" r:id="rId5"/>
+    <p:sldId id="259" r:id="rId6"/>
+    <p:sldId id="263" r:id="rId7"/>
+    <p:sldId id="265" r:id="rId8"/>
+    <p:sldId id="264" r:id="rId9"/>
   </p:sldIdLst>
   <p:sldSz cx="12192000" cy="6858000"/>
   <p:notesSz cx="6858000" cy="9144000"/>
@@ -117,6 +120,753 @@
 </file>
 
 <file path=ppt/diagrams/colors1.xml><?xml version="1.0" encoding="utf-8"?>
+<dgm:colorsDef xmlns:dgm="http://schemas.openxmlformats.org/drawingml/2006/diagram" xmlns:a="http://schemas.openxmlformats.org/drawingml/2006/main" uniqueId="urn:microsoft.com/office/officeart/2005/8/colors/accent1_2">
+  <dgm:title val=""/>
+  <dgm:desc val=""/>
+  <dgm:catLst>
+    <dgm:cat type="accent1" pri="11200"/>
+  </dgm:catLst>
+  <dgm:styleLbl name="node0">
+    <dgm:fillClrLst meth="repeat">
+      <a:schemeClr val="accent1"/>
+    </dgm:fillClrLst>
+    <dgm:linClrLst meth="repeat">
+      <a:schemeClr val="lt1"/>
+    </dgm:linClrLst>
+    <dgm:effectClrLst/>
+    <dgm:txLinClrLst/>
+    <dgm:txFillClrLst/>
+    <dgm:txEffectClrLst/>
+  </dgm:styleLbl>
+  <dgm:styleLbl name="alignNode1">
+    <dgm:fillClrLst meth="repeat">
+      <a:schemeClr val="accent1"/>
+    </dgm:fillClrLst>
+    <dgm:linClrLst meth="repeat">
+      <a:schemeClr val="accent1"/>
+    </dgm:linClrLst>
+    <dgm:effectClrLst/>
+    <dgm:txLinClrLst/>
+    <dgm:txFillClrLst/>
+    <dgm:txEffectClrLst/>
+  </dgm:styleLbl>
+  <dgm:styleLbl name="node1">
+    <dgm:fillClrLst meth="repeat">
+      <a:schemeClr val="accent1"/>
+    </dgm:fillClrLst>
+    <dgm:linClrLst meth="repeat">
+      <a:schemeClr val="lt1"/>
+    </dgm:linClrLst>
+    <dgm:effectClrLst/>
+    <dgm:txLinClrLst/>
+    <dgm:txFillClrLst/>
+    <dgm:txEffectClrLst/>
+  </dgm:styleLbl>
+  <dgm:styleLbl name="lnNode1">
+    <dgm:fillClrLst meth="repeat">
+      <a:schemeClr val="accent1"/>
+    </dgm:fillClrLst>
+    <dgm:linClrLst meth="repeat">
+      <a:schemeClr val="lt1"/>
+    </dgm:linClrLst>
+    <dgm:effectClrLst/>
+    <dgm:txLinClrLst/>
+    <dgm:txFillClrLst/>
+    <dgm:txEffectClrLst/>
+  </dgm:styleLbl>
+  <dgm:styleLbl name="vennNode1">
+    <dgm:fillClrLst meth="repeat">
+      <a:schemeClr val="accent1">
+        <a:alpha val="50000"/>
+      </a:schemeClr>
+    </dgm:fillClrLst>
+    <dgm:linClrLst meth="repeat">
+      <a:schemeClr val="lt1"/>
+    </dgm:linClrLst>
+    <dgm:effectClrLst/>
+    <dgm:txLinClrLst/>
+    <dgm:txFillClrLst/>
+    <dgm:txEffectClrLst/>
+  </dgm:styleLbl>
+  <dgm:styleLbl name="node2">
+    <dgm:fillClrLst meth="repeat">
+      <a:schemeClr val="accent1"/>
+    </dgm:fillClrLst>
+    <dgm:linClrLst meth="repeat">
+      <a:schemeClr val="lt1"/>
+    </dgm:linClrLst>
+    <dgm:effectClrLst/>
+    <dgm:txLinClrLst/>
+    <dgm:txFillClrLst/>
+    <dgm:txEffectClrLst/>
+  </dgm:styleLbl>
+  <dgm:styleLbl name="node3">
+    <dgm:fillClrLst meth="repeat">
+      <a:schemeClr val="accent1"/>
+    </dgm:fillClrLst>
+    <dgm:linClrLst meth="repeat">
+      <a:schemeClr val="lt1"/>
+    </dgm:linClrLst>
+    <dgm:effectClrLst/>
+    <dgm:txLinClrLst/>
+    <dgm:txFillClrLst/>
+    <dgm:txEffectClrLst/>
+  </dgm:styleLbl>
+  <dgm:styleLbl name="node4">
+    <dgm:fillClrLst meth="repeat">
+      <a:schemeClr val="accent1"/>
+    </dgm:fillClrLst>
+    <dgm:linClrLst meth="repeat">
+      <a:schemeClr val="lt1"/>
+    </dgm:linClrLst>
+    <dgm:effectClrLst/>
+    <dgm:txLinClrLst/>
+    <dgm:txFillClrLst/>
+    <dgm:txEffectClrLst/>
+  </dgm:styleLbl>
+  <dgm:styleLbl name="fgImgPlace1">
+    <dgm:fillClrLst meth="repeat">
+      <a:schemeClr val="accent1">
+        <a:tint val="50000"/>
+      </a:schemeClr>
+    </dgm:fillClrLst>
+    <dgm:linClrLst meth="repeat">
+      <a:schemeClr val="lt1"/>
+    </dgm:linClrLst>
+    <dgm:effectClrLst/>
+    <dgm:txLinClrLst/>
+    <dgm:txFillClrLst meth="repeat">
+      <a:schemeClr val="lt1"/>
+    </dgm:txFillClrLst>
+    <dgm:txEffectClrLst/>
+  </dgm:styleLbl>
+  <dgm:styleLbl name="alignImgPlace1">
+    <dgm:fillClrLst meth="repeat">
+      <a:schemeClr val="accent1">
+        <a:tint val="50000"/>
+      </a:schemeClr>
+    </dgm:fillClrLst>
+    <dgm:linClrLst meth="repeat">
+      <a:schemeClr val="lt1"/>
+    </dgm:linClrLst>
+    <dgm:effectClrLst/>
+    <dgm:txLinClrLst/>
+    <dgm:txFillClrLst meth="repeat">
+      <a:schemeClr val="lt1"/>
+    </dgm:txFillClrLst>
+    <dgm:txEffectClrLst/>
+  </dgm:styleLbl>
+  <dgm:styleLbl name="bgImgPlace1">
+    <dgm:fillClrLst meth="repeat">
+      <a:schemeClr val="accent1">
+        <a:tint val="50000"/>
+      </a:schemeClr>
+    </dgm:fillClrLst>
+    <dgm:linClrLst meth="repeat">
+      <a:schemeClr val="lt1"/>
+    </dgm:linClrLst>
+    <dgm:effectClrLst/>
+    <dgm:txLinClrLst/>
+    <dgm:txFillClrLst meth="repeat">
+      <a:schemeClr val="lt1"/>
+    </dgm:txFillClrLst>
+    <dgm:txEffectClrLst/>
+  </dgm:styleLbl>
+  <dgm:styleLbl name="sibTrans2D1">
+    <dgm:fillClrLst meth="repeat">
+      <a:schemeClr val="accent1">
+        <a:tint val="60000"/>
+      </a:schemeClr>
+    </dgm:fillClrLst>
+    <dgm:linClrLst meth="repeat">
+      <a:schemeClr val="accent1">
+        <a:tint val="60000"/>
+      </a:schemeClr>
+    </dgm:linClrLst>
+    <dgm:effectClrLst/>
+    <dgm:txLinClrLst/>
+    <dgm:txFillClrLst/>
+    <dgm:txEffectClrLst/>
+  </dgm:styleLbl>
+  <dgm:styleLbl name="fgSibTrans2D1">
+    <dgm:fillClrLst meth="repeat">
+      <a:schemeClr val="accent1">
+        <a:tint val="60000"/>
+      </a:schemeClr>
+    </dgm:fillClrLst>
+    <dgm:linClrLst meth="repeat">
+      <a:schemeClr val="accent1">
+        <a:tint val="60000"/>
+      </a:schemeClr>
+    </dgm:linClrLst>
+    <dgm:effectClrLst/>
+    <dgm:txLinClrLst/>
+    <dgm:txFillClrLst/>
+    <dgm:txEffectClrLst/>
+  </dgm:styleLbl>
+  <dgm:styleLbl name="bgSibTrans2D1">
+    <dgm:fillClrLst meth="repeat">
+      <a:schemeClr val="accent1">
+        <a:tint val="60000"/>
+      </a:schemeClr>
+    </dgm:fillClrLst>
+    <dgm:linClrLst meth="repeat">
+      <a:schemeClr val="accent1">
+        <a:tint val="60000"/>
+      </a:schemeClr>
+    </dgm:linClrLst>
+    <dgm:effectClrLst/>
+    <dgm:txLinClrLst/>
+    <dgm:txFillClrLst/>
+    <dgm:txEffectClrLst/>
+  </dgm:styleLbl>
+  <dgm:styleLbl name="sibTrans1D1">
+    <dgm:fillClrLst meth="repeat">
+      <a:schemeClr val="accent1"/>
+    </dgm:fillClrLst>
+    <dgm:linClrLst meth="repeat">
+      <a:schemeClr val="accent1"/>
+    </dgm:linClrLst>
+    <dgm:effectClrLst/>
+    <dgm:txLinClrLst/>
+    <dgm:txFillClrLst meth="repeat">
+      <a:schemeClr val="tx1"/>
+    </dgm:txFillClrLst>
+    <dgm:txEffectClrLst/>
+  </dgm:styleLbl>
+  <dgm:styleLbl name="callout">
+    <dgm:fillClrLst meth="repeat">
+      <a:schemeClr val="accent1"/>
+    </dgm:fillClrLst>
+    <dgm:linClrLst meth="repeat">
+      <a:schemeClr val="accent1">
+        <a:tint val="50000"/>
+      </a:schemeClr>
+    </dgm:linClrLst>
+    <dgm:effectClrLst/>
+    <dgm:txLinClrLst/>
+    <dgm:txFillClrLst meth="repeat">
+      <a:schemeClr val="tx1"/>
+    </dgm:txFillClrLst>
+    <dgm:txEffectClrLst/>
+  </dgm:styleLbl>
+  <dgm:styleLbl name="asst0">
+    <dgm:fillClrLst meth="repeat">
+      <a:schemeClr val="accent1"/>
+    </dgm:fillClrLst>
+    <dgm:linClrLst meth="repeat">
+      <a:schemeClr val="lt1"/>
+    </dgm:linClrLst>
+    <dgm:effectClrLst/>
+    <dgm:txLinClrLst/>
+    <dgm:txFillClrLst/>
+    <dgm:txEffectClrLst/>
+  </dgm:styleLbl>
+  <dgm:styleLbl name="asst1">
+    <dgm:fillClrLst meth="repeat">
+      <a:schemeClr val="accent1"/>
+    </dgm:fillClrLst>
+    <dgm:linClrLst meth="repeat">
+      <a:schemeClr val="lt1"/>
+    </dgm:linClrLst>
+    <dgm:effectClrLst/>
+    <dgm:txLinClrLst/>
+    <dgm:txFillClrLst/>
+    <dgm:txEffectClrLst/>
+  </dgm:styleLbl>
+  <dgm:styleLbl name="asst2">
+    <dgm:fillClrLst meth="repeat">
+      <a:schemeClr val="accent1"/>
+    </dgm:fillClrLst>
+    <dgm:linClrLst meth="repeat">
+      <a:schemeClr val="lt1"/>
+    </dgm:linClrLst>
+    <dgm:effectClrLst/>
+    <dgm:txLinClrLst/>
+    <dgm:txFillClrLst/>
+    <dgm:txEffectClrLst/>
+  </dgm:styleLbl>
+  <dgm:styleLbl name="asst3">
+    <dgm:fillClrLst meth="repeat">
+      <a:schemeClr val="accent1"/>
+    </dgm:fillClrLst>
+    <dgm:linClrLst meth="repeat">
+      <a:schemeClr val="lt1"/>
+    </dgm:linClrLst>
+    <dgm:effectClrLst/>
+    <dgm:txLinClrLst/>
+    <dgm:txFillClrLst/>
+    <dgm:txEffectClrLst/>
+  </dgm:styleLbl>
+  <dgm:styleLbl name="asst4">
+    <dgm:fillClrLst meth="repeat">
+      <a:schemeClr val="accent1"/>
+    </dgm:fillClrLst>
+    <dgm:linClrLst meth="repeat">
+      <a:schemeClr val="lt1"/>
+    </dgm:linClrLst>
+    <dgm:effectClrLst/>
+    <dgm:txLinClrLst/>
+    <dgm:txFillClrLst/>
+    <dgm:txEffectClrLst/>
+  </dgm:styleLbl>
+  <dgm:styleLbl name="parChTrans2D1">
+    <dgm:fillClrLst meth="repeat">
+      <a:schemeClr val="accent1">
+        <a:tint val="60000"/>
+      </a:schemeClr>
+    </dgm:fillClrLst>
+    <dgm:linClrLst meth="repeat">
+      <a:schemeClr val="accent1">
+        <a:tint val="60000"/>
+      </a:schemeClr>
+    </dgm:linClrLst>
+    <dgm:effectClrLst/>
+    <dgm:txLinClrLst/>
+    <dgm:txFillClrLst meth="repeat">
+      <a:schemeClr val="lt1"/>
+    </dgm:txFillClrLst>
+    <dgm:txEffectClrLst/>
+  </dgm:styleLbl>
+  <dgm:styleLbl name="parChTrans2D2">
+    <dgm:fillClrLst meth="repeat">
+      <a:schemeClr val="accent1"/>
+    </dgm:fillClrLst>
+    <dgm:linClrLst meth="repeat">
+      <a:schemeClr val="accent1"/>
+    </dgm:linClrLst>
+    <dgm:effectClrLst/>
+    <dgm:txLinClrLst/>
+    <dgm:txFillClrLst meth="repeat">
+      <a:schemeClr val="lt1"/>
+    </dgm:txFillClrLst>
+    <dgm:txEffectClrLst/>
+  </dgm:styleLbl>
+  <dgm:styleLbl name="parChTrans2D3">
+    <dgm:fillClrLst meth="repeat">
+      <a:schemeClr val="accent1"/>
+    </dgm:fillClrLst>
+    <dgm:linClrLst meth="repeat">
+      <a:schemeClr val="accent1"/>
+    </dgm:linClrLst>
+    <dgm:effectClrLst/>
+    <dgm:txLinClrLst/>
+    <dgm:txFillClrLst meth="repeat">
+      <a:schemeClr val="lt1"/>
+    </dgm:txFillClrLst>
+    <dgm:txEffectClrLst/>
+  </dgm:styleLbl>
+  <dgm:styleLbl name="parChTrans2D4">
+    <dgm:fillClrLst meth="repeat">
+      <a:schemeClr val="accent1"/>
+    </dgm:fillClrLst>
+    <dgm:linClrLst meth="repeat">
+      <a:schemeClr val="accent1"/>
+    </dgm:linClrLst>
+    <dgm:effectClrLst/>
+    <dgm:txLinClrLst/>
+    <dgm:txFillClrLst meth="repeat">
+      <a:schemeClr val="lt1"/>
+    </dgm:txFillClrLst>
+    <dgm:txEffectClrLst/>
+  </dgm:styleLbl>
+  <dgm:styleLbl name="parChTrans1D1">
+    <dgm:fillClrLst meth="repeat">
+      <a:schemeClr val="accent1"/>
+    </dgm:fillClrLst>
+    <dgm:linClrLst meth="repeat">
+      <a:schemeClr val="accent1">
+        <a:shade val="60000"/>
+      </a:schemeClr>
+    </dgm:linClrLst>
+    <dgm:effectClrLst/>
+    <dgm:txLinClrLst/>
+    <dgm:txFillClrLst meth="repeat">
+      <a:schemeClr val="tx1"/>
+    </dgm:txFillClrLst>
+    <dgm:txEffectClrLst/>
+  </dgm:styleLbl>
+  <dgm:styleLbl name="parChTrans1D2">
+    <dgm:fillClrLst meth="repeat">
+      <a:schemeClr val="accent1"/>
+    </dgm:fillClrLst>
+    <dgm:linClrLst meth="repeat">
+      <a:schemeClr val="accent1">
+        <a:shade val="60000"/>
+      </a:schemeClr>
+    </dgm:linClrLst>
+    <dgm:effectClrLst/>
+    <dgm:txLinClrLst/>
+    <dgm:txFillClrLst meth="repeat">
+      <a:schemeClr val="tx1"/>
+    </dgm:txFillClrLst>
+    <dgm:txEffectClrLst/>
+  </dgm:styleLbl>
+  <dgm:styleLbl name="parChTrans1D3">
+    <dgm:fillClrLst meth="repeat">
+      <a:schemeClr val="accent1"/>
+    </dgm:fillClrLst>
+    <dgm:linClrLst meth="repeat">
+      <a:schemeClr val="accent1">
+        <a:shade val="80000"/>
+      </a:schemeClr>
+    </dgm:linClrLst>
+    <dgm:effectClrLst/>
+    <dgm:txLinClrLst/>
+    <dgm:txFillClrLst meth="repeat">
+      <a:schemeClr val="tx1"/>
+    </dgm:txFillClrLst>
+    <dgm:txEffectClrLst/>
+  </dgm:styleLbl>
+  <dgm:styleLbl name="parChTrans1D4">
+    <dgm:fillClrLst meth="repeat">
+      <a:schemeClr val="accent1"/>
+    </dgm:fillClrLst>
+    <dgm:linClrLst meth="repeat">
+      <a:schemeClr val="accent1">
+        <a:shade val="80000"/>
+      </a:schemeClr>
+    </dgm:linClrLst>
+    <dgm:effectClrLst/>
+    <dgm:txLinClrLst/>
+    <dgm:txFillClrLst meth="repeat">
+      <a:schemeClr val="tx1"/>
+    </dgm:txFillClrLst>
+    <dgm:txEffectClrLst/>
+  </dgm:styleLbl>
+  <dgm:styleLbl name="fgAcc1">
+    <dgm:fillClrLst meth="repeat">
+      <a:schemeClr val="lt1">
+        <a:alpha val="90000"/>
+      </a:schemeClr>
+    </dgm:fillClrLst>
+    <dgm:linClrLst meth="repeat">
+      <a:schemeClr val="accent1"/>
+    </dgm:linClrLst>
+    <dgm:effectClrLst/>
+    <dgm:txLinClrLst/>
+    <dgm:txFillClrLst meth="repeat">
+      <a:schemeClr val="dk1"/>
+    </dgm:txFillClrLst>
+    <dgm:txEffectClrLst/>
+  </dgm:styleLbl>
+  <dgm:styleLbl name="conFgAcc1">
+    <dgm:fillClrLst meth="repeat">
+      <a:schemeClr val="lt1">
+        <a:alpha val="90000"/>
+      </a:schemeClr>
+    </dgm:fillClrLst>
+    <dgm:linClrLst meth="repeat">
+      <a:schemeClr val="accent1"/>
+    </dgm:linClrLst>
+    <dgm:effectClrLst/>
+    <dgm:txLinClrLst/>
+    <dgm:txFillClrLst meth="repeat">
+      <a:schemeClr val="dk1"/>
+    </dgm:txFillClrLst>
+    <dgm:txEffectClrLst/>
+  </dgm:styleLbl>
+  <dgm:styleLbl name="alignAcc1">
+    <dgm:fillClrLst meth="repeat">
+      <a:schemeClr val="lt1">
+        <a:alpha val="90000"/>
+      </a:schemeClr>
+    </dgm:fillClrLst>
+    <dgm:linClrLst meth="repeat">
+      <a:schemeClr val="accent1"/>
+    </dgm:linClrLst>
+    <dgm:effectClrLst/>
+    <dgm:txLinClrLst/>
+    <dgm:txFillClrLst meth="repeat">
+      <a:schemeClr val="dk1"/>
+    </dgm:txFillClrLst>
+    <dgm:txEffectClrLst/>
+  </dgm:styleLbl>
+  <dgm:styleLbl name="trAlignAcc1">
+    <dgm:fillClrLst meth="repeat">
+      <a:schemeClr val="lt1">
+        <a:alpha val="40000"/>
+      </a:schemeClr>
+    </dgm:fillClrLst>
+    <dgm:linClrLst meth="repeat">
+      <a:schemeClr val="accent1"/>
+    </dgm:linClrLst>
+    <dgm:effectClrLst/>
+    <dgm:txLinClrLst/>
+    <dgm:txFillClrLst meth="repeat">
+      <a:schemeClr val="dk1"/>
+    </dgm:txFillClrLst>
+    <dgm:txEffectClrLst/>
+  </dgm:styleLbl>
+  <dgm:styleLbl name="bgAcc1">
+    <dgm:fillClrLst meth="repeat">
+      <a:schemeClr val="lt1">
+        <a:alpha val="90000"/>
+      </a:schemeClr>
+    </dgm:fillClrLst>
+    <dgm:linClrLst meth="repeat">
+      <a:schemeClr val="accent1"/>
+    </dgm:linClrLst>
+    <dgm:effectClrLst/>
+    <dgm:txLinClrLst/>
+    <dgm:txFillClrLst meth="repeat">
+      <a:schemeClr val="dk1"/>
+    </dgm:txFillClrLst>
+    <dgm:txEffectClrLst/>
+  </dgm:styleLbl>
+  <dgm:styleLbl name="solidFgAcc1">
+    <dgm:fillClrLst meth="repeat">
+      <a:schemeClr val="lt1"/>
+    </dgm:fillClrLst>
+    <dgm:linClrLst meth="repeat">
+      <a:schemeClr val="accent1"/>
+    </dgm:linClrLst>
+    <dgm:effectClrLst/>
+    <dgm:txLinClrLst/>
+    <dgm:txFillClrLst meth="repeat">
+      <a:schemeClr val="dk1"/>
+    </dgm:txFillClrLst>
+    <dgm:txEffectClrLst/>
+  </dgm:styleLbl>
+  <dgm:styleLbl name="solidAlignAcc1">
+    <dgm:fillClrLst meth="repeat">
+      <a:schemeClr val="lt1"/>
+    </dgm:fillClrLst>
+    <dgm:linClrLst meth="repeat">
+      <a:schemeClr val="accent1"/>
+    </dgm:linClrLst>
+    <dgm:effectClrLst/>
+    <dgm:txLinClrLst/>
+    <dgm:txFillClrLst meth="repeat">
+      <a:schemeClr val="dk1"/>
+    </dgm:txFillClrLst>
+    <dgm:txEffectClrLst/>
+  </dgm:styleLbl>
+  <dgm:styleLbl name="solidBgAcc1">
+    <dgm:fillClrLst meth="repeat">
+      <a:schemeClr val="lt1"/>
+    </dgm:fillClrLst>
+    <dgm:linClrLst meth="repeat">
+      <a:schemeClr val="accent1"/>
+    </dgm:linClrLst>
+    <dgm:effectClrLst/>
+    <dgm:txLinClrLst/>
+    <dgm:txFillClrLst meth="repeat">
+      <a:schemeClr val="dk1"/>
+    </dgm:txFillClrLst>
+    <dgm:txEffectClrLst/>
+  </dgm:styleLbl>
+  <dgm:styleLbl name="fgAccFollowNode1">
+    <dgm:fillClrLst meth="repeat">
+      <a:schemeClr val="accent1">
+        <a:alpha val="90000"/>
+        <a:tint val="40000"/>
+      </a:schemeClr>
+    </dgm:fillClrLst>
+    <dgm:linClrLst meth="repeat">
+      <a:schemeClr val="accent1">
+        <a:alpha val="90000"/>
+        <a:tint val="40000"/>
+      </a:schemeClr>
+    </dgm:linClrLst>
+    <dgm:effectClrLst/>
+    <dgm:txLinClrLst/>
+    <dgm:txFillClrLst meth="repeat">
+      <a:schemeClr val="dk1"/>
+    </dgm:txFillClrLst>
+    <dgm:txEffectClrLst/>
+  </dgm:styleLbl>
+  <dgm:styleLbl name="alignAccFollowNode1">
+    <dgm:fillClrLst meth="repeat">
+      <a:schemeClr val="accent1">
+        <a:alpha val="90000"/>
+        <a:tint val="40000"/>
+      </a:schemeClr>
+    </dgm:fillClrLst>
+    <dgm:linClrLst meth="repeat">
+      <a:schemeClr val="accent1">
+        <a:alpha val="90000"/>
+        <a:tint val="40000"/>
+      </a:schemeClr>
+    </dgm:linClrLst>
+    <dgm:effectClrLst/>
+    <dgm:txLinClrLst/>
+    <dgm:txFillClrLst meth="repeat">
+      <a:schemeClr val="dk1"/>
+    </dgm:txFillClrLst>
+    <dgm:txEffectClrLst/>
+  </dgm:styleLbl>
+  <dgm:styleLbl name="bgAccFollowNode1">
+    <dgm:fillClrLst meth="repeat">
+      <a:schemeClr val="accent1">
+        <a:alpha val="90000"/>
+        <a:tint val="40000"/>
+      </a:schemeClr>
+    </dgm:fillClrLst>
+    <dgm:linClrLst meth="repeat">
+      <a:schemeClr val="accent1">
+        <a:alpha val="90000"/>
+        <a:tint val="40000"/>
+      </a:schemeClr>
+    </dgm:linClrLst>
+    <dgm:effectClrLst/>
+    <dgm:txLinClrLst/>
+    <dgm:txFillClrLst meth="repeat">
+      <a:schemeClr val="dk1"/>
+    </dgm:txFillClrLst>
+    <dgm:txEffectClrLst/>
+  </dgm:styleLbl>
+  <dgm:styleLbl name="fgAcc0">
+    <dgm:fillClrLst meth="repeat">
+      <a:schemeClr val="lt1">
+        <a:alpha val="90000"/>
+      </a:schemeClr>
+    </dgm:fillClrLst>
+    <dgm:linClrLst meth="repeat">
+      <a:schemeClr val="accent1"/>
+    </dgm:linClrLst>
+    <dgm:effectClrLst/>
+    <dgm:txLinClrLst/>
+    <dgm:txFillClrLst meth="repeat">
+      <a:schemeClr val="dk1"/>
+    </dgm:txFillClrLst>
+    <dgm:txEffectClrLst/>
+  </dgm:styleLbl>
+  <dgm:styleLbl name="fgAcc2">
+    <dgm:fillClrLst meth="repeat">
+      <a:schemeClr val="lt1">
+        <a:alpha val="90000"/>
+      </a:schemeClr>
+    </dgm:fillClrLst>
+    <dgm:linClrLst meth="repeat">
+      <a:schemeClr val="accent1"/>
+    </dgm:linClrLst>
+    <dgm:effectClrLst/>
+    <dgm:txLinClrLst/>
+    <dgm:txFillClrLst meth="repeat">
+      <a:schemeClr val="dk1"/>
+    </dgm:txFillClrLst>
+    <dgm:txEffectClrLst/>
+  </dgm:styleLbl>
+  <dgm:styleLbl name="fgAcc3">
+    <dgm:fillClrLst meth="repeat">
+      <a:schemeClr val="lt1">
+        <a:alpha val="90000"/>
+      </a:schemeClr>
+    </dgm:fillClrLst>
+    <dgm:linClrLst meth="repeat">
+      <a:schemeClr val="accent1"/>
+    </dgm:linClrLst>
+    <dgm:effectClrLst/>
+    <dgm:txLinClrLst/>
+    <dgm:txFillClrLst meth="repeat">
+      <a:schemeClr val="dk1"/>
+    </dgm:txFillClrLst>
+    <dgm:txEffectClrLst/>
+  </dgm:styleLbl>
+  <dgm:styleLbl name="fgAcc4">
+    <dgm:fillClrLst meth="repeat">
+      <a:schemeClr val="lt1">
+        <a:alpha val="90000"/>
+      </a:schemeClr>
+    </dgm:fillClrLst>
+    <dgm:linClrLst meth="repeat">
+      <a:schemeClr val="accent1"/>
+    </dgm:linClrLst>
+    <dgm:effectClrLst/>
+    <dgm:txLinClrLst/>
+    <dgm:txFillClrLst meth="repeat">
+      <a:schemeClr val="dk1"/>
+    </dgm:txFillClrLst>
+    <dgm:txEffectClrLst/>
+  </dgm:styleLbl>
+  <dgm:styleLbl name="bgShp">
+    <dgm:fillClrLst meth="repeat">
+      <a:schemeClr val="accent1">
+        <a:tint val="40000"/>
+      </a:schemeClr>
+    </dgm:fillClrLst>
+    <dgm:linClrLst meth="repeat">
+      <a:schemeClr val="accent1"/>
+    </dgm:linClrLst>
+    <dgm:effectClrLst/>
+    <dgm:txLinClrLst/>
+    <dgm:txFillClrLst meth="repeat">
+      <a:schemeClr val="dk1"/>
+    </dgm:txFillClrLst>
+    <dgm:txEffectClrLst/>
+  </dgm:styleLbl>
+  <dgm:styleLbl name="dkBgShp">
+    <dgm:fillClrLst meth="repeat">
+      <a:schemeClr val="accent1">
+        <a:shade val="80000"/>
+      </a:schemeClr>
+    </dgm:fillClrLst>
+    <dgm:linClrLst meth="repeat">
+      <a:schemeClr val="accent1"/>
+    </dgm:linClrLst>
+    <dgm:effectClrLst/>
+    <dgm:txLinClrLst/>
+    <dgm:txFillClrLst meth="repeat">
+      <a:schemeClr val="lt1"/>
+    </dgm:txFillClrLst>
+    <dgm:txEffectClrLst/>
+  </dgm:styleLbl>
+  <dgm:styleLbl name="trBgShp">
+    <dgm:fillClrLst meth="repeat">
+      <a:schemeClr val="accent1">
+        <a:tint val="50000"/>
+        <a:alpha val="40000"/>
+      </a:schemeClr>
+    </dgm:fillClrLst>
+    <dgm:linClrLst meth="repeat">
+      <a:schemeClr val="accent1"/>
+    </dgm:linClrLst>
+    <dgm:effectClrLst/>
+    <dgm:txLinClrLst/>
+    <dgm:txFillClrLst meth="repeat">
+      <a:schemeClr val="lt1"/>
+    </dgm:txFillClrLst>
+    <dgm:txEffectClrLst/>
+  </dgm:styleLbl>
+  <dgm:styleLbl name="fgShp">
+    <dgm:fillClrLst meth="repeat">
+      <a:schemeClr val="accent1">
+        <a:tint val="60000"/>
+      </a:schemeClr>
+    </dgm:fillClrLst>
+    <dgm:linClrLst meth="repeat">
+      <a:schemeClr val="lt1"/>
+    </dgm:linClrLst>
+    <dgm:effectClrLst/>
+    <dgm:txLinClrLst/>
+    <dgm:txFillClrLst meth="repeat">
+      <a:schemeClr val="dk1"/>
+    </dgm:txFillClrLst>
+    <dgm:txEffectClrLst/>
+  </dgm:styleLbl>
+  <dgm:styleLbl name="revTx">
+    <dgm:fillClrLst meth="repeat">
+      <a:schemeClr val="lt1">
+        <a:alpha val="0"/>
+      </a:schemeClr>
+    </dgm:fillClrLst>
+    <dgm:linClrLst meth="repeat">
+      <a:schemeClr val="dk1">
+        <a:alpha val="0"/>
+      </a:schemeClr>
+    </dgm:linClrLst>
+    <dgm:effectClrLst/>
+    <dgm:txLinClrLst/>
+    <dgm:txFillClrLst meth="repeat">
+      <a:schemeClr val="tx1"/>
+    </dgm:txFillClrLst>
+    <dgm:txEffectClrLst/>
+  </dgm:styleLbl>
+</dgm:colorsDef>
+</file>
+
+<file path=ppt/diagrams/colors2.xml><?xml version="1.0" encoding="utf-8"?>
 <dgm:colorsDef xmlns:dgm="http://schemas.openxmlformats.org/drawingml/2006/diagram" xmlns:a="http://schemas.openxmlformats.org/drawingml/2006/main" uniqueId="urn:microsoft.com/office/officeart/2005/8/colors/accent1_2">
   <dgm:title val=""/>
   <dgm:desc val=""/>
@@ -1062,6 +1812,13 @@
         </dgm:presLayoutVars>
       </dgm:prSet>
       <dgm:spPr/>
+      <dgm:t>
+        <a:bodyPr/>
+        <a:lstStyle/>
+        <a:p>
+          <a:endParaRPr lang="zh-TW" altLang="en-US"/>
+        </a:p>
+      </dgm:t>
     </dgm:pt>
     <dgm:pt modelId="{FEFB0DC3-D8EB-0A41-818B-B5D40595ABC5}" type="pres">
       <dgm:prSet presAssocID="{C007AFEF-77ED-A04C-94E7-4915B8069100}" presName="hierRoot1" presStyleCnt="0">
@@ -1076,16 +1833,30 @@
       <dgm:spPr/>
     </dgm:pt>
     <dgm:pt modelId="{18552BA1-C839-1B4B-B27A-36D4ED1EB37A}" type="pres">
-      <dgm:prSet presAssocID="{C007AFEF-77ED-A04C-94E7-4915B8069100}" presName="rootText1" presStyleLbl="node0" presStyleIdx="0" presStyleCnt="1" custScaleX="131088" custScaleY="128887">
+      <dgm:prSet presAssocID="{C007AFEF-77ED-A04C-94E7-4915B8069100}" presName="rootText1" presStyleLbl="node0" presStyleIdx="0" presStyleCnt="1" custScaleX="194803" custScaleY="84849">
         <dgm:presLayoutVars>
           <dgm:chPref val="3"/>
         </dgm:presLayoutVars>
       </dgm:prSet>
       <dgm:spPr/>
+      <dgm:t>
+        <a:bodyPr/>
+        <a:lstStyle/>
+        <a:p>
+          <a:endParaRPr lang="zh-TW" altLang="en-US"/>
+        </a:p>
+      </dgm:t>
     </dgm:pt>
     <dgm:pt modelId="{C46668A6-1330-E940-A049-C7006EF7116B}" type="pres">
       <dgm:prSet presAssocID="{C007AFEF-77ED-A04C-94E7-4915B8069100}" presName="rootConnector1" presStyleLbl="node1" presStyleIdx="0" presStyleCnt="0"/>
       <dgm:spPr/>
+      <dgm:t>
+        <a:bodyPr/>
+        <a:lstStyle/>
+        <a:p>
+          <a:endParaRPr lang="zh-TW" altLang="en-US"/>
+        </a:p>
+      </dgm:t>
     </dgm:pt>
     <dgm:pt modelId="{D4EB464C-F8DC-B642-A8EC-63551CE2D982}" type="pres">
       <dgm:prSet presAssocID="{C007AFEF-77ED-A04C-94E7-4915B8069100}" presName="hierChild2" presStyleCnt="0"/>
@@ -1094,6 +1865,13 @@
     <dgm:pt modelId="{07626CB8-4BE2-6B40-832D-3A7160E67C0F}" type="pres">
       <dgm:prSet presAssocID="{C7A42974-AD41-DC48-96C3-6B87FC95261D}" presName="Name37" presStyleLbl="parChTrans1D2" presStyleIdx="0" presStyleCnt="2"/>
       <dgm:spPr/>
+      <dgm:t>
+        <a:bodyPr/>
+        <a:lstStyle/>
+        <a:p>
+          <a:endParaRPr lang="zh-TW" altLang="en-US"/>
+        </a:p>
+      </dgm:t>
     </dgm:pt>
     <dgm:pt modelId="{301D4E74-421A-D143-B265-1783617CEFDD}" type="pres">
       <dgm:prSet presAssocID="{D8B8D4C2-01FA-0E4D-89FC-B66D880DFEAA}" presName="hierRoot2" presStyleCnt="0">
@@ -1114,10 +1892,24 @@
         </dgm:presLayoutVars>
       </dgm:prSet>
       <dgm:spPr/>
+      <dgm:t>
+        <a:bodyPr/>
+        <a:lstStyle/>
+        <a:p>
+          <a:endParaRPr lang="zh-TW" altLang="en-US"/>
+        </a:p>
+      </dgm:t>
     </dgm:pt>
     <dgm:pt modelId="{380FDD30-62FF-DD46-BED3-5EB1E39AE92F}" type="pres">
       <dgm:prSet presAssocID="{D8B8D4C2-01FA-0E4D-89FC-B66D880DFEAA}" presName="rootConnector" presStyleLbl="node2" presStyleIdx="0" presStyleCnt="2"/>
       <dgm:spPr/>
+      <dgm:t>
+        <a:bodyPr/>
+        <a:lstStyle/>
+        <a:p>
+          <a:endParaRPr lang="zh-TW" altLang="en-US"/>
+        </a:p>
+      </dgm:t>
     </dgm:pt>
     <dgm:pt modelId="{8C6879AA-2D75-3641-8F71-67B2C11C2C9B}" type="pres">
       <dgm:prSet presAssocID="{D8B8D4C2-01FA-0E4D-89FC-B66D880DFEAA}" presName="hierChild4" presStyleCnt="0"/>
@@ -1130,6 +1922,13 @@
     <dgm:pt modelId="{CC7D6563-F6E6-E048-990E-3A0AEBA7CC84}" type="pres">
       <dgm:prSet presAssocID="{75C9D8B4-593A-1447-A6AE-17FBD5B508D5}" presName="Name37" presStyleLbl="parChTrans1D2" presStyleIdx="1" presStyleCnt="2"/>
       <dgm:spPr/>
+      <dgm:t>
+        <a:bodyPr/>
+        <a:lstStyle/>
+        <a:p>
+          <a:endParaRPr lang="zh-TW" altLang="en-US"/>
+        </a:p>
+      </dgm:t>
     </dgm:pt>
     <dgm:pt modelId="{3FFC25F9-D36C-1044-AF49-D019D332DA2F}" type="pres">
       <dgm:prSet presAssocID="{615BBD52-6C66-BC44-A329-D09020EB523A}" presName="hierRoot2" presStyleCnt="0">
@@ -1161,6 +1960,13 @@
     <dgm:pt modelId="{1487DF68-3225-8349-AAB2-E61750E47429}" type="pres">
       <dgm:prSet presAssocID="{615BBD52-6C66-BC44-A329-D09020EB523A}" presName="rootConnector" presStyleLbl="node2" presStyleIdx="1" presStyleCnt="2"/>
       <dgm:spPr/>
+      <dgm:t>
+        <a:bodyPr/>
+        <a:lstStyle/>
+        <a:p>
+          <a:endParaRPr lang="zh-TW" altLang="en-US"/>
+        </a:p>
+      </dgm:t>
     </dgm:pt>
     <dgm:pt modelId="{653F476D-F04F-7248-9CD2-5623AF4BFACC}" type="pres">
       <dgm:prSet presAssocID="{615BBD52-6C66-BC44-A329-D09020EB523A}" presName="hierChild4" presStyleCnt="0"/>
@@ -1176,18 +1982,18 @@
     </dgm:pt>
   </dgm:ptLst>
   <dgm:cxnLst>
-    <dgm:cxn modelId="{ED2708C4-323F-E54F-91D1-AFDBCF5E5DD5}" type="presOf" srcId="{D8B8D4C2-01FA-0E4D-89FC-B66D880DFEAA}" destId="{380FDD30-62FF-DD46-BED3-5EB1E39AE92F}" srcOrd="1" destOrd="0" presId="urn:microsoft.com/office/officeart/2005/8/layout/orgChart1"/>
+    <dgm:cxn modelId="{07529EDF-65D3-7B41-B8A1-A4056D320C5E}" type="presOf" srcId="{C007AFEF-77ED-A04C-94E7-4915B8069100}" destId="{C46668A6-1330-E940-A049-C7006EF7116B}" srcOrd="1" destOrd="0" presId="urn:microsoft.com/office/officeart/2005/8/layout/orgChart1"/>
     <dgm:cxn modelId="{AEC313BE-D8F5-1F43-9374-025571294EEB}" type="presOf" srcId="{5288DCAC-719A-6544-9C70-DF42EDECE293}" destId="{841BBA08-8022-F042-81CF-FB3D631E49E4}" srcOrd="0" destOrd="0" presId="urn:microsoft.com/office/officeart/2005/8/layout/orgChart1"/>
     <dgm:cxn modelId="{36540FE3-24AE-F748-A928-B64E7FB8FD3C}" srcId="{5288DCAC-719A-6544-9C70-DF42EDECE293}" destId="{C007AFEF-77ED-A04C-94E7-4915B8069100}" srcOrd="0" destOrd="0" parTransId="{E58B56E1-3CF4-9E45-B1B2-23F7A13AD242}" sibTransId="{D46E2B1A-2462-7E4F-BEE7-F6139C238510}"/>
+    <dgm:cxn modelId="{717BE77C-1027-6244-94AB-FE1A1F25A6B5}" type="presOf" srcId="{75C9D8B4-593A-1447-A6AE-17FBD5B508D5}" destId="{CC7D6563-F6E6-E048-990E-3A0AEBA7CC84}" srcOrd="0" destOrd="0" presId="urn:microsoft.com/office/officeart/2005/8/layout/orgChart1"/>
+    <dgm:cxn modelId="{5990A162-D7B3-BE45-95CE-D79C7A967827}" type="presOf" srcId="{615BBD52-6C66-BC44-A329-D09020EB523A}" destId="{FADFDC9C-38B2-2D40-B1B5-1D08C0FA3836}" srcOrd="0" destOrd="0" presId="urn:microsoft.com/office/officeart/2005/8/layout/orgChart1"/>
+    <dgm:cxn modelId="{85370B77-FA8B-C546-ABAB-209545BD6E45}" type="presOf" srcId="{C7A42974-AD41-DC48-96C3-6B87FC95261D}" destId="{07626CB8-4BE2-6B40-832D-3A7160E67C0F}" srcOrd="0" destOrd="0" presId="urn:microsoft.com/office/officeart/2005/8/layout/orgChart1"/>
+    <dgm:cxn modelId="{F47EAC66-AACC-1A4A-99BE-1534417F5829}" srcId="{C007AFEF-77ED-A04C-94E7-4915B8069100}" destId="{615BBD52-6C66-BC44-A329-D09020EB523A}" srcOrd="1" destOrd="0" parTransId="{75C9D8B4-593A-1447-A6AE-17FBD5B508D5}" sibTransId="{01D81940-0E0B-7E47-BE94-88FDC477A186}"/>
+    <dgm:cxn modelId="{ED2708C4-323F-E54F-91D1-AFDBCF5E5DD5}" type="presOf" srcId="{D8B8D4C2-01FA-0E4D-89FC-B66D880DFEAA}" destId="{380FDD30-62FF-DD46-BED3-5EB1E39AE92F}" srcOrd="1" destOrd="0" presId="urn:microsoft.com/office/officeart/2005/8/layout/orgChart1"/>
     <dgm:cxn modelId="{DC396585-AECD-D345-909B-8D91514B2C86}" srcId="{C007AFEF-77ED-A04C-94E7-4915B8069100}" destId="{D8B8D4C2-01FA-0E4D-89FC-B66D880DFEAA}" srcOrd="0" destOrd="0" parTransId="{C7A42974-AD41-DC48-96C3-6B87FC95261D}" sibTransId="{E9E784CB-F854-B646-894D-4EFC654C9D59}"/>
-    <dgm:cxn modelId="{F47EAC66-AACC-1A4A-99BE-1534417F5829}" srcId="{C007AFEF-77ED-A04C-94E7-4915B8069100}" destId="{615BBD52-6C66-BC44-A329-D09020EB523A}" srcOrd="1" destOrd="0" parTransId="{75C9D8B4-593A-1447-A6AE-17FBD5B508D5}" sibTransId="{01D81940-0E0B-7E47-BE94-88FDC477A186}"/>
-    <dgm:cxn modelId="{07529EDF-65D3-7B41-B8A1-A4056D320C5E}" type="presOf" srcId="{C007AFEF-77ED-A04C-94E7-4915B8069100}" destId="{C46668A6-1330-E940-A049-C7006EF7116B}" srcOrd="1" destOrd="0" presId="urn:microsoft.com/office/officeart/2005/8/layout/orgChart1"/>
+    <dgm:cxn modelId="{446C96BE-0896-FC4E-8D34-5E1765D296D7}" type="presOf" srcId="{D8B8D4C2-01FA-0E4D-89FC-B66D880DFEAA}" destId="{9DB26432-18E4-EC4D-8AC2-DEBB48C0F6F5}" srcOrd="0" destOrd="0" presId="urn:microsoft.com/office/officeart/2005/8/layout/orgChart1"/>
+    <dgm:cxn modelId="{B5F11835-5D68-6847-8539-36DA1218D238}" type="presOf" srcId="{C007AFEF-77ED-A04C-94E7-4915B8069100}" destId="{18552BA1-C839-1B4B-B27A-36D4ED1EB37A}" srcOrd="0" destOrd="0" presId="urn:microsoft.com/office/officeart/2005/8/layout/orgChart1"/>
     <dgm:cxn modelId="{73D3BA3B-D757-A34E-868C-1792A76E5589}" type="presOf" srcId="{615BBD52-6C66-BC44-A329-D09020EB523A}" destId="{1487DF68-3225-8349-AAB2-E61750E47429}" srcOrd="1" destOrd="0" presId="urn:microsoft.com/office/officeart/2005/8/layout/orgChart1"/>
-    <dgm:cxn modelId="{717BE77C-1027-6244-94AB-FE1A1F25A6B5}" type="presOf" srcId="{75C9D8B4-593A-1447-A6AE-17FBD5B508D5}" destId="{CC7D6563-F6E6-E048-990E-3A0AEBA7CC84}" srcOrd="0" destOrd="0" presId="urn:microsoft.com/office/officeart/2005/8/layout/orgChart1"/>
-    <dgm:cxn modelId="{85370B77-FA8B-C546-ABAB-209545BD6E45}" type="presOf" srcId="{C7A42974-AD41-DC48-96C3-6B87FC95261D}" destId="{07626CB8-4BE2-6B40-832D-3A7160E67C0F}" srcOrd="0" destOrd="0" presId="urn:microsoft.com/office/officeart/2005/8/layout/orgChart1"/>
-    <dgm:cxn modelId="{B5F11835-5D68-6847-8539-36DA1218D238}" type="presOf" srcId="{C007AFEF-77ED-A04C-94E7-4915B8069100}" destId="{18552BA1-C839-1B4B-B27A-36D4ED1EB37A}" srcOrd="0" destOrd="0" presId="urn:microsoft.com/office/officeart/2005/8/layout/orgChart1"/>
-    <dgm:cxn modelId="{446C96BE-0896-FC4E-8D34-5E1765D296D7}" type="presOf" srcId="{D8B8D4C2-01FA-0E4D-89FC-B66D880DFEAA}" destId="{9DB26432-18E4-EC4D-8AC2-DEBB48C0F6F5}" srcOrd="0" destOrd="0" presId="urn:microsoft.com/office/officeart/2005/8/layout/orgChart1"/>
-    <dgm:cxn modelId="{5990A162-D7B3-BE45-95CE-D79C7A967827}" type="presOf" srcId="{615BBD52-6C66-BC44-A329-D09020EB523A}" destId="{FADFDC9C-38B2-2D40-B1B5-1D08C0FA3836}" srcOrd="0" destOrd="0" presId="urn:microsoft.com/office/officeart/2005/8/layout/orgChart1"/>
     <dgm:cxn modelId="{5F14C486-A086-6C4B-A172-610F93838F99}" type="presParOf" srcId="{841BBA08-8022-F042-81CF-FB3D631E49E4}" destId="{FEFB0DC3-D8EB-0A41-818B-B5D40595ABC5}" srcOrd="0" destOrd="0" presId="urn:microsoft.com/office/officeart/2005/8/layout/orgChart1"/>
     <dgm:cxn modelId="{1A9B16C8-95EF-F54F-9E0D-0ADF793AF05C}" type="presParOf" srcId="{FEFB0DC3-D8EB-0A41-818B-B5D40595ABC5}" destId="{7A7CAE45-3F08-8C47-AC07-A9FBFD3EEB92}" srcOrd="0" destOrd="0" presId="urn:microsoft.com/office/officeart/2005/8/layout/orgChart1"/>
     <dgm:cxn modelId="{7B45EDED-C86A-B04D-802F-2B463F592601}" type="presParOf" srcId="{7A7CAE45-3F08-8C47-AC07-A9FBFD3EEB92}" destId="{18552BA1-C839-1B4B-B27A-36D4ED1EB37A}" srcOrd="0" destOrd="0" presId="urn:microsoft.com/office/officeart/2005/8/layout/orgChart1"/>
@@ -1219,6 +2025,342 @@
 </dgm:dataModel>
 </file>
 
+<file path=ppt/diagrams/data2.xml><?xml version="1.0" encoding="utf-8"?>
+<dgm:dataModel xmlns:dgm="http://schemas.openxmlformats.org/drawingml/2006/diagram" xmlns:a="http://schemas.openxmlformats.org/drawingml/2006/main">
+  <dgm:ptLst>
+    <dgm:pt modelId="{4CF4F898-4FD4-8241-BCA7-3ED8E2E97F95}" type="doc">
+      <dgm:prSet loTypeId="urn:microsoft.com/office/officeart/2005/8/layout/cycle6" loCatId="" qsTypeId="urn:microsoft.com/office/officeart/2005/8/quickstyle/simple4" qsCatId="simple" csTypeId="urn:microsoft.com/office/officeart/2005/8/colors/accent1_2" csCatId="accent1" phldr="1"/>
+      <dgm:spPr/>
+      <dgm:t>
+        <a:bodyPr/>
+        <a:lstStyle/>
+        <a:p>
+          <a:endParaRPr lang="zh-TW" altLang="en-US"/>
+        </a:p>
+      </dgm:t>
+    </dgm:pt>
+    <dgm:pt modelId="{04A337C9-6F7B-B442-B1D4-98FD1A9497AE}">
+      <dgm:prSet phldrT="[文字]"/>
+      <dgm:spPr/>
+      <dgm:t>
+        <a:bodyPr/>
+        <a:lstStyle/>
+        <a:p>
+          <a:r>
+            <a:rPr lang="zh-TW" dirty="0" smtClean="0"/>
+            <a:t>分析</a:t>
+          </a:r>
+          <a:endParaRPr lang="zh-TW" altLang="en-US" dirty="0"/>
+        </a:p>
+      </dgm:t>
+    </dgm:pt>
+    <dgm:pt modelId="{A473A132-E527-2246-B213-973D844B8031}" type="parTrans" cxnId="{124C1FC5-DF23-FF41-BC1E-DFF6D90D07F3}">
+      <dgm:prSet/>
+      <dgm:spPr/>
+      <dgm:t>
+        <a:bodyPr/>
+        <a:lstStyle/>
+        <a:p>
+          <a:endParaRPr lang="zh-TW" altLang="en-US"/>
+        </a:p>
+      </dgm:t>
+    </dgm:pt>
+    <dgm:pt modelId="{4F24B6F5-D091-7947-89D2-B782732005FE}" type="sibTrans" cxnId="{124C1FC5-DF23-FF41-BC1E-DFF6D90D07F3}">
+      <dgm:prSet/>
+      <dgm:spPr/>
+      <dgm:t>
+        <a:bodyPr/>
+        <a:lstStyle/>
+        <a:p>
+          <a:endParaRPr lang="zh-TW" altLang="en-US"/>
+        </a:p>
+      </dgm:t>
+    </dgm:pt>
+    <dgm:pt modelId="{8FAD5BBD-55B0-694E-89A7-E0071851C7B6}">
+      <dgm:prSet phldrT="[文字]"/>
+      <dgm:spPr/>
+      <dgm:t>
+        <a:bodyPr/>
+        <a:lstStyle/>
+        <a:p>
+          <a:r>
+            <a:rPr lang="zh-TW" dirty="0" smtClean="0"/>
+            <a:t>設計與發展</a:t>
+          </a:r>
+          <a:endParaRPr lang="zh-TW" altLang="en-US" dirty="0"/>
+        </a:p>
+      </dgm:t>
+    </dgm:pt>
+    <dgm:pt modelId="{1E231481-F3FD-2842-872A-5139C554E849}" type="parTrans" cxnId="{F21AABA8-BB76-B847-B4B7-5408CB4CDACC}">
+      <dgm:prSet/>
+      <dgm:spPr/>
+      <dgm:t>
+        <a:bodyPr/>
+        <a:lstStyle/>
+        <a:p>
+          <a:endParaRPr lang="zh-TW" altLang="en-US"/>
+        </a:p>
+      </dgm:t>
+    </dgm:pt>
+    <dgm:pt modelId="{CD39B290-0081-6749-89CC-6CC908B00E1C}" type="sibTrans" cxnId="{F21AABA8-BB76-B847-B4B7-5408CB4CDACC}">
+      <dgm:prSet/>
+      <dgm:spPr/>
+      <dgm:t>
+        <a:bodyPr/>
+        <a:lstStyle/>
+        <a:p>
+          <a:endParaRPr lang="zh-TW" altLang="en-US"/>
+        </a:p>
+      </dgm:t>
+    </dgm:pt>
+    <dgm:pt modelId="{984712C7-F28B-6541-A899-F7EEAA0793C9}">
+      <dgm:prSet phldrT="[文字]"/>
+      <dgm:spPr/>
+      <dgm:t>
+        <a:bodyPr/>
+        <a:lstStyle/>
+        <a:p>
+          <a:r>
+            <a:rPr lang="zh-TW" dirty="0" smtClean="0"/>
+            <a:t>執行</a:t>
+          </a:r>
+          <a:endParaRPr lang="zh-TW" altLang="en-US" dirty="0"/>
+        </a:p>
+      </dgm:t>
+    </dgm:pt>
+    <dgm:pt modelId="{0630E230-22D1-5246-B035-D3CFA1F233B9}" type="parTrans" cxnId="{0BD6EF0C-7536-8249-9345-F5D53F13DA33}">
+      <dgm:prSet/>
+      <dgm:spPr/>
+      <dgm:t>
+        <a:bodyPr/>
+        <a:lstStyle/>
+        <a:p>
+          <a:endParaRPr lang="zh-TW" altLang="en-US"/>
+        </a:p>
+      </dgm:t>
+    </dgm:pt>
+    <dgm:pt modelId="{04F8B181-C6B2-0D47-9D4B-18789D1AF39F}" type="sibTrans" cxnId="{0BD6EF0C-7536-8249-9345-F5D53F13DA33}">
+      <dgm:prSet/>
+      <dgm:spPr/>
+      <dgm:t>
+        <a:bodyPr/>
+        <a:lstStyle/>
+        <a:p>
+          <a:endParaRPr lang="zh-TW" altLang="en-US"/>
+        </a:p>
+      </dgm:t>
+    </dgm:pt>
+    <dgm:pt modelId="{56E5B76E-1E3D-CA49-ABF7-00482E982162}">
+      <dgm:prSet phldrT="[文字]"/>
+      <dgm:spPr/>
+      <dgm:t>
+        <a:bodyPr/>
+        <a:lstStyle/>
+        <a:p>
+          <a:r>
+            <a:rPr lang="zh-TW" dirty="0" smtClean="0"/>
+            <a:t>評估</a:t>
+          </a:r>
+          <a:endParaRPr lang="zh-TW" altLang="en-US" dirty="0"/>
+        </a:p>
+      </dgm:t>
+    </dgm:pt>
+    <dgm:pt modelId="{4FD91364-FC8C-9A4D-BF9C-C583091D6E90}" type="parTrans" cxnId="{F0A484A2-B7C5-7B44-B2A3-00B6B1DB789F}">
+      <dgm:prSet/>
+      <dgm:spPr/>
+      <dgm:t>
+        <a:bodyPr/>
+        <a:lstStyle/>
+        <a:p>
+          <a:endParaRPr lang="zh-TW" altLang="en-US"/>
+        </a:p>
+      </dgm:t>
+    </dgm:pt>
+    <dgm:pt modelId="{3EA8EB4D-7890-8A42-A63F-B6B3D5486AC8}" type="sibTrans" cxnId="{F0A484A2-B7C5-7B44-B2A3-00B6B1DB789F}">
+      <dgm:prSet/>
+      <dgm:spPr/>
+      <dgm:t>
+        <a:bodyPr/>
+        <a:lstStyle/>
+        <a:p>
+          <a:endParaRPr lang="zh-TW" altLang="en-US"/>
+        </a:p>
+      </dgm:t>
+    </dgm:pt>
+    <dgm:pt modelId="{274AF0C2-7365-6B41-AC73-965E6916EE38}" type="pres">
+      <dgm:prSet presAssocID="{4CF4F898-4FD4-8241-BCA7-3ED8E2E97F95}" presName="cycle" presStyleCnt="0">
+        <dgm:presLayoutVars>
+          <dgm:dir/>
+          <dgm:resizeHandles val="exact"/>
+        </dgm:presLayoutVars>
+      </dgm:prSet>
+      <dgm:spPr/>
+      <dgm:t>
+        <a:bodyPr/>
+        <a:lstStyle/>
+        <a:p>
+          <a:endParaRPr lang="zh-TW" altLang="en-US"/>
+        </a:p>
+      </dgm:t>
+    </dgm:pt>
+    <dgm:pt modelId="{ED4188C6-CB9D-D847-A26B-732588917948}" type="pres">
+      <dgm:prSet presAssocID="{04A337C9-6F7B-B442-B1D4-98FD1A9497AE}" presName="node" presStyleLbl="node1" presStyleIdx="0" presStyleCnt="4" custScaleX="134909" custScaleY="97909">
+        <dgm:presLayoutVars>
+          <dgm:bulletEnabled val="1"/>
+        </dgm:presLayoutVars>
+      </dgm:prSet>
+      <dgm:spPr/>
+      <dgm:t>
+        <a:bodyPr/>
+        <a:lstStyle/>
+        <a:p>
+          <a:endParaRPr lang="zh-TW" altLang="en-US"/>
+        </a:p>
+      </dgm:t>
+    </dgm:pt>
+    <dgm:pt modelId="{34B702E6-1D15-9F49-8348-7DEE675E4462}" type="pres">
+      <dgm:prSet presAssocID="{04A337C9-6F7B-B442-B1D4-98FD1A9497AE}" presName="spNode" presStyleCnt="0"/>
+      <dgm:spPr/>
+    </dgm:pt>
+    <dgm:pt modelId="{27415981-3C98-BA46-981D-AFAE9E6D5BCC}" type="pres">
+      <dgm:prSet presAssocID="{4F24B6F5-D091-7947-89D2-B782732005FE}" presName="sibTrans" presStyleLbl="sibTrans1D1" presStyleIdx="0" presStyleCnt="4"/>
+      <dgm:spPr/>
+      <dgm:t>
+        <a:bodyPr/>
+        <a:lstStyle/>
+        <a:p>
+          <a:endParaRPr lang="zh-TW" altLang="en-US"/>
+        </a:p>
+      </dgm:t>
+    </dgm:pt>
+    <dgm:pt modelId="{6BEB6DD6-03A0-D947-BCFC-1F2EDA5DCBC5}" type="pres">
+      <dgm:prSet presAssocID="{8FAD5BBD-55B0-694E-89A7-E0071851C7B6}" presName="node" presStyleLbl="node1" presStyleIdx="1" presStyleCnt="4" custScaleX="119805" custScaleY="82583">
+        <dgm:presLayoutVars>
+          <dgm:bulletEnabled val="1"/>
+        </dgm:presLayoutVars>
+      </dgm:prSet>
+      <dgm:spPr/>
+      <dgm:t>
+        <a:bodyPr/>
+        <a:lstStyle/>
+        <a:p>
+          <a:endParaRPr lang="zh-TW" altLang="en-US"/>
+        </a:p>
+      </dgm:t>
+    </dgm:pt>
+    <dgm:pt modelId="{98550CE6-4AD3-E34F-A31D-30FF84A55233}" type="pres">
+      <dgm:prSet presAssocID="{8FAD5BBD-55B0-694E-89A7-E0071851C7B6}" presName="spNode" presStyleCnt="0"/>
+      <dgm:spPr/>
+    </dgm:pt>
+    <dgm:pt modelId="{96EB60A1-0BCF-DB4C-A9E6-DFF61B37CEB5}" type="pres">
+      <dgm:prSet presAssocID="{CD39B290-0081-6749-89CC-6CC908B00E1C}" presName="sibTrans" presStyleLbl="sibTrans1D1" presStyleIdx="1" presStyleCnt="4"/>
+      <dgm:spPr/>
+      <dgm:t>
+        <a:bodyPr/>
+        <a:lstStyle/>
+        <a:p>
+          <a:endParaRPr lang="zh-TW" altLang="en-US"/>
+        </a:p>
+      </dgm:t>
+    </dgm:pt>
+    <dgm:pt modelId="{343B0280-3D0F-4748-A1B0-EEB031659290}" type="pres">
+      <dgm:prSet presAssocID="{984712C7-F28B-6541-A899-F7EEAA0793C9}" presName="node" presStyleLbl="node1" presStyleIdx="2" presStyleCnt="4" custScaleX="135863" custScaleY="87032">
+        <dgm:presLayoutVars>
+          <dgm:bulletEnabled val="1"/>
+        </dgm:presLayoutVars>
+      </dgm:prSet>
+      <dgm:spPr/>
+      <dgm:t>
+        <a:bodyPr/>
+        <a:lstStyle/>
+        <a:p>
+          <a:endParaRPr lang="zh-TW" altLang="en-US"/>
+        </a:p>
+      </dgm:t>
+    </dgm:pt>
+    <dgm:pt modelId="{447C35EF-4D48-1844-870A-B23FBCF4A409}" type="pres">
+      <dgm:prSet presAssocID="{984712C7-F28B-6541-A899-F7EEAA0793C9}" presName="spNode" presStyleCnt="0"/>
+      <dgm:spPr/>
+    </dgm:pt>
+    <dgm:pt modelId="{797648D0-6BDB-A24F-A24E-B9E46E7047F3}" type="pres">
+      <dgm:prSet presAssocID="{04F8B181-C6B2-0D47-9D4B-18789D1AF39F}" presName="sibTrans" presStyleLbl="sibTrans1D1" presStyleIdx="2" presStyleCnt="4"/>
+      <dgm:spPr/>
+      <dgm:t>
+        <a:bodyPr/>
+        <a:lstStyle/>
+        <a:p>
+          <a:endParaRPr lang="zh-TW" altLang="en-US"/>
+        </a:p>
+      </dgm:t>
+    </dgm:pt>
+    <dgm:pt modelId="{7E7B5ED7-D342-914F-A892-873EFA9337E7}" type="pres">
+      <dgm:prSet presAssocID="{56E5B76E-1E3D-CA49-ABF7-00482E982162}" presName="node" presStyleLbl="node1" presStyleIdx="3" presStyleCnt="4" custScaleX="137518" custScaleY="90457">
+        <dgm:presLayoutVars>
+          <dgm:bulletEnabled val="1"/>
+        </dgm:presLayoutVars>
+      </dgm:prSet>
+      <dgm:spPr/>
+      <dgm:t>
+        <a:bodyPr/>
+        <a:lstStyle/>
+        <a:p>
+          <a:endParaRPr lang="zh-TW" altLang="en-US"/>
+        </a:p>
+      </dgm:t>
+    </dgm:pt>
+    <dgm:pt modelId="{92DE42E7-B149-E942-B4CA-608FA372905C}" type="pres">
+      <dgm:prSet presAssocID="{56E5B76E-1E3D-CA49-ABF7-00482E982162}" presName="spNode" presStyleCnt="0"/>
+      <dgm:spPr/>
+    </dgm:pt>
+    <dgm:pt modelId="{94A2C048-DEE3-064F-AB88-8B359F3AFD49}" type="pres">
+      <dgm:prSet presAssocID="{3EA8EB4D-7890-8A42-A63F-B6B3D5486AC8}" presName="sibTrans" presStyleLbl="sibTrans1D1" presStyleIdx="3" presStyleCnt="4"/>
+      <dgm:spPr/>
+      <dgm:t>
+        <a:bodyPr/>
+        <a:lstStyle/>
+        <a:p>
+          <a:endParaRPr lang="zh-TW" altLang="en-US"/>
+        </a:p>
+      </dgm:t>
+    </dgm:pt>
+  </dgm:ptLst>
+  <dgm:cxnLst>
+    <dgm:cxn modelId="{0BD6EF0C-7536-8249-9345-F5D53F13DA33}" srcId="{4CF4F898-4FD4-8241-BCA7-3ED8E2E97F95}" destId="{984712C7-F28B-6541-A899-F7EEAA0793C9}" srcOrd="2" destOrd="0" parTransId="{0630E230-22D1-5246-B035-D3CFA1F233B9}" sibTransId="{04F8B181-C6B2-0D47-9D4B-18789D1AF39F}"/>
+    <dgm:cxn modelId="{0930AEC0-DBC1-B341-85C9-DE33885B00EF}" type="presOf" srcId="{CD39B290-0081-6749-89CC-6CC908B00E1C}" destId="{96EB60A1-0BCF-DB4C-A9E6-DFF61B37CEB5}" srcOrd="0" destOrd="0" presId="urn:microsoft.com/office/officeart/2005/8/layout/cycle6"/>
+    <dgm:cxn modelId="{F0A484A2-B7C5-7B44-B2A3-00B6B1DB789F}" srcId="{4CF4F898-4FD4-8241-BCA7-3ED8E2E97F95}" destId="{56E5B76E-1E3D-CA49-ABF7-00482E982162}" srcOrd="3" destOrd="0" parTransId="{4FD91364-FC8C-9A4D-BF9C-C583091D6E90}" sibTransId="{3EA8EB4D-7890-8A42-A63F-B6B3D5486AC8}"/>
+    <dgm:cxn modelId="{2AC9B21E-7257-894E-905A-43AD920216FC}" type="presOf" srcId="{4CF4F898-4FD4-8241-BCA7-3ED8E2E97F95}" destId="{274AF0C2-7365-6B41-AC73-965E6916EE38}" srcOrd="0" destOrd="0" presId="urn:microsoft.com/office/officeart/2005/8/layout/cycle6"/>
+    <dgm:cxn modelId="{F21AABA8-BB76-B847-B4B7-5408CB4CDACC}" srcId="{4CF4F898-4FD4-8241-BCA7-3ED8E2E97F95}" destId="{8FAD5BBD-55B0-694E-89A7-E0071851C7B6}" srcOrd="1" destOrd="0" parTransId="{1E231481-F3FD-2842-872A-5139C554E849}" sibTransId="{CD39B290-0081-6749-89CC-6CC908B00E1C}"/>
+    <dgm:cxn modelId="{68316881-808A-A943-B800-F7F206406E25}" type="presOf" srcId="{984712C7-F28B-6541-A899-F7EEAA0793C9}" destId="{343B0280-3D0F-4748-A1B0-EEB031659290}" srcOrd="0" destOrd="0" presId="urn:microsoft.com/office/officeart/2005/8/layout/cycle6"/>
+    <dgm:cxn modelId="{05BEFD3E-8441-BE41-99C0-52539A8B01F8}" type="presOf" srcId="{56E5B76E-1E3D-CA49-ABF7-00482E982162}" destId="{7E7B5ED7-D342-914F-A892-873EFA9337E7}" srcOrd="0" destOrd="0" presId="urn:microsoft.com/office/officeart/2005/8/layout/cycle6"/>
+    <dgm:cxn modelId="{C03933BA-BCCE-C84E-A41B-1CC7190A044D}" type="presOf" srcId="{8FAD5BBD-55B0-694E-89A7-E0071851C7B6}" destId="{6BEB6DD6-03A0-D947-BCFC-1F2EDA5DCBC5}" srcOrd="0" destOrd="0" presId="urn:microsoft.com/office/officeart/2005/8/layout/cycle6"/>
+    <dgm:cxn modelId="{3D9C5D75-9E91-6442-9C60-4B06F71CC6E6}" type="presOf" srcId="{04A337C9-6F7B-B442-B1D4-98FD1A9497AE}" destId="{ED4188C6-CB9D-D847-A26B-732588917948}" srcOrd="0" destOrd="0" presId="urn:microsoft.com/office/officeart/2005/8/layout/cycle6"/>
+    <dgm:cxn modelId="{20C786BA-2B29-EE44-AE16-CF7025D437B0}" type="presOf" srcId="{3EA8EB4D-7890-8A42-A63F-B6B3D5486AC8}" destId="{94A2C048-DEE3-064F-AB88-8B359F3AFD49}" srcOrd="0" destOrd="0" presId="urn:microsoft.com/office/officeart/2005/8/layout/cycle6"/>
+    <dgm:cxn modelId="{DF326DEF-C170-2A41-A555-BBAE5500B98A}" type="presOf" srcId="{04F8B181-C6B2-0D47-9D4B-18789D1AF39F}" destId="{797648D0-6BDB-A24F-A24E-B9E46E7047F3}" srcOrd="0" destOrd="0" presId="urn:microsoft.com/office/officeart/2005/8/layout/cycle6"/>
+    <dgm:cxn modelId="{124C1FC5-DF23-FF41-BC1E-DFF6D90D07F3}" srcId="{4CF4F898-4FD4-8241-BCA7-3ED8E2E97F95}" destId="{04A337C9-6F7B-B442-B1D4-98FD1A9497AE}" srcOrd="0" destOrd="0" parTransId="{A473A132-E527-2246-B213-973D844B8031}" sibTransId="{4F24B6F5-D091-7947-89D2-B782732005FE}"/>
+    <dgm:cxn modelId="{0FCEF37C-4B80-3F45-AF15-B828597CD886}" type="presOf" srcId="{4F24B6F5-D091-7947-89D2-B782732005FE}" destId="{27415981-3C98-BA46-981D-AFAE9E6D5BCC}" srcOrd="0" destOrd="0" presId="urn:microsoft.com/office/officeart/2005/8/layout/cycle6"/>
+    <dgm:cxn modelId="{F227277B-8B61-0F44-97C7-9FC340372855}" type="presParOf" srcId="{274AF0C2-7365-6B41-AC73-965E6916EE38}" destId="{ED4188C6-CB9D-D847-A26B-732588917948}" srcOrd="0" destOrd="0" presId="urn:microsoft.com/office/officeart/2005/8/layout/cycle6"/>
+    <dgm:cxn modelId="{CCAF6207-DE1D-FF4F-9173-BB3DFF4610C0}" type="presParOf" srcId="{274AF0C2-7365-6B41-AC73-965E6916EE38}" destId="{34B702E6-1D15-9F49-8348-7DEE675E4462}" srcOrd="1" destOrd="0" presId="urn:microsoft.com/office/officeart/2005/8/layout/cycle6"/>
+    <dgm:cxn modelId="{0DA68566-19FA-4C45-A648-B15F5A4A5878}" type="presParOf" srcId="{274AF0C2-7365-6B41-AC73-965E6916EE38}" destId="{27415981-3C98-BA46-981D-AFAE9E6D5BCC}" srcOrd="2" destOrd="0" presId="urn:microsoft.com/office/officeart/2005/8/layout/cycle6"/>
+    <dgm:cxn modelId="{F85233CB-051A-9D4B-A1A8-C263B53E3B18}" type="presParOf" srcId="{274AF0C2-7365-6B41-AC73-965E6916EE38}" destId="{6BEB6DD6-03A0-D947-BCFC-1F2EDA5DCBC5}" srcOrd="3" destOrd="0" presId="urn:microsoft.com/office/officeart/2005/8/layout/cycle6"/>
+    <dgm:cxn modelId="{6FF621CF-FB87-A640-88B4-8A5CD49CA1AD}" type="presParOf" srcId="{274AF0C2-7365-6B41-AC73-965E6916EE38}" destId="{98550CE6-4AD3-E34F-A31D-30FF84A55233}" srcOrd="4" destOrd="0" presId="urn:microsoft.com/office/officeart/2005/8/layout/cycle6"/>
+    <dgm:cxn modelId="{57BB8B52-09C5-E64D-92F6-B55E3FE07508}" type="presParOf" srcId="{274AF0C2-7365-6B41-AC73-965E6916EE38}" destId="{96EB60A1-0BCF-DB4C-A9E6-DFF61B37CEB5}" srcOrd="5" destOrd="0" presId="urn:microsoft.com/office/officeart/2005/8/layout/cycle6"/>
+    <dgm:cxn modelId="{F9168D92-DFFF-E04D-AB54-98FE9ABF1DFF}" type="presParOf" srcId="{274AF0C2-7365-6B41-AC73-965E6916EE38}" destId="{343B0280-3D0F-4748-A1B0-EEB031659290}" srcOrd="6" destOrd="0" presId="urn:microsoft.com/office/officeart/2005/8/layout/cycle6"/>
+    <dgm:cxn modelId="{D244A73C-452C-3544-A8D2-BAAFFCCA1FD3}" type="presParOf" srcId="{274AF0C2-7365-6B41-AC73-965E6916EE38}" destId="{447C35EF-4D48-1844-870A-B23FBCF4A409}" srcOrd="7" destOrd="0" presId="urn:microsoft.com/office/officeart/2005/8/layout/cycle6"/>
+    <dgm:cxn modelId="{72425393-1AC6-0F4E-80A0-D66D62BA32B6}" type="presParOf" srcId="{274AF0C2-7365-6B41-AC73-965E6916EE38}" destId="{797648D0-6BDB-A24F-A24E-B9E46E7047F3}" srcOrd="8" destOrd="0" presId="urn:microsoft.com/office/officeart/2005/8/layout/cycle6"/>
+    <dgm:cxn modelId="{E0B88513-5677-0A4C-AF22-F88D25B127EA}" type="presParOf" srcId="{274AF0C2-7365-6B41-AC73-965E6916EE38}" destId="{7E7B5ED7-D342-914F-A892-873EFA9337E7}" srcOrd="9" destOrd="0" presId="urn:microsoft.com/office/officeart/2005/8/layout/cycle6"/>
+    <dgm:cxn modelId="{A610873B-CDF3-1247-92B4-CC544AFD0018}" type="presParOf" srcId="{274AF0C2-7365-6B41-AC73-965E6916EE38}" destId="{92DE42E7-B149-E942-B4CA-608FA372905C}" srcOrd="10" destOrd="0" presId="urn:microsoft.com/office/officeart/2005/8/layout/cycle6"/>
+    <dgm:cxn modelId="{1339FC89-0E87-A449-99B9-69421CDA1712}" type="presParOf" srcId="{274AF0C2-7365-6B41-AC73-965E6916EE38}" destId="{94A2C048-DEE3-064F-AB88-8B359F3AFD49}" srcOrd="11" destOrd="0" presId="urn:microsoft.com/office/officeart/2005/8/layout/cycle6"/>
+  </dgm:cxnLst>
+  <dgm:bg/>
+  <dgm:whole/>
+  <dgm:extLst>
+    <a:ext uri="http://schemas.microsoft.com/office/drawing/2008/diagram">
+      <dsp:dataModelExt xmlns:dsp="http://schemas.microsoft.com/office/drawing/2008/diagram" relId="rId7" minVer="http://schemas.openxmlformats.org/drawingml/2006/diagram"/>
+    </a:ext>
+  </dgm:extLst>
+</dgm:dataModel>
+</file>
+
 <file path=ppt/diagrams/drawing1.xml><?xml version="1.0" encoding="utf-8"?>
 <dsp:drawing xmlns:dgm="http://schemas.openxmlformats.org/drawingml/2006/diagram" xmlns:dsp="http://schemas.microsoft.com/office/drawing/2008/diagram" xmlns:a="http://schemas.openxmlformats.org/drawingml/2006/main">
   <dsp:spTree>
@@ -1234,8 +2376,8 @@
       </dsp:nvSpPr>
       <dsp:spPr>
         <a:xfrm>
-          <a:off x="3953447" y="2323468"/>
-          <a:ext cx="1940595" cy="757052"/>
+          <a:off x="3953447" y="1911003"/>
+          <a:ext cx="2184793" cy="852317"/>
         </a:xfrm>
         <a:custGeom>
           <a:avLst/>
@@ -1249,13 +2391,13 @@
                 <a:pt x="0" y="0"/>
               </a:moveTo>
               <a:lnTo>
-                <a:pt x="0" y="378526"/>
+                <a:pt x="0" y="426158"/>
               </a:lnTo>
               <a:lnTo>
-                <a:pt x="1940595" y="378526"/>
+                <a:pt x="2184793" y="426158"/>
               </a:lnTo>
               <a:lnTo>
-                <a:pt x="1940595" y="757052"/>
+                <a:pt x="2184793" y="852317"/>
               </a:lnTo>
             </a:path>
           </a:pathLst>
@@ -1295,8 +2437,8 @@
       </dsp:nvSpPr>
       <dsp:spPr>
         <a:xfrm>
-          <a:off x="2114477" y="2323468"/>
-          <a:ext cx="1838970" cy="757052"/>
+          <a:off x="1883067" y="1911003"/>
+          <a:ext cx="2070380" cy="852317"/>
         </a:xfrm>
         <a:custGeom>
           <a:avLst/>
@@ -1307,16 +2449,16 @@
           <a:pathLst>
             <a:path>
               <a:moveTo>
-                <a:pt x="1838970" y="0"/>
+                <a:pt x="2070380" y="0"/>
               </a:moveTo>
               <a:lnTo>
-                <a:pt x="1838970" y="378526"/>
+                <a:pt x="2070380" y="426158"/>
               </a:lnTo>
               <a:lnTo>
-                <a:pt x="0" y="378526"/>
+                <a:pt x="0" y="426158"/>
               </a:lnTo>
               <a:lnTo>
-                <a:pt x="0" y="757052"/>
+                <a:pt x="0" y="852317"/>
               </a:lnTo>
             </a:path>
           </a:pathLst>
@@ -1356,8 +2498,8 @@
       </dsp:nvSpPr>
       <dsp:spPr>
         <a:xfrm>
-          <a:off x="1590578" y="272"/>
-          <a:ext cx="4725737" cy="2323195"/>
+          <a:off x="257" y="189139"/>
+          <a:ext cx="7906379" cy="1721863"/>
         </a:xfrm>
         <a:prstGeom prst="rect">
           <a:avLst/>
@@ -1406,12 +2548,12 @@
         </a:fontRef>
       </dsp:style>
       <dsp:txBody>
-        <a:bodyPr spcFirstLastPara="0" vert="horz" wrap="square" lIns="26670" tIns="26670" rIns="26670" bIns="26670" numCol="1" spcCol="1270" anchor="ctr" anchorCtr="0">
+        <a:bodyPr spcFirstLastPara="0" vert="horz" wrap="square" lIns="29845" tIns="29845" rIns="29845" bIns="29845" numCol="1" spcCol="1270" anchor="ctr" anchorCtr="0">
           <a:noAutofit/>
         </a:bodyPr>
         <a:lstStyle/>
         <a:p>
-          <a:pPr lvl="0" algn="ctr" defTabSz="1866900">
+          <a:pPr lvl="0" algn="ctr" defTabSz="2089150">
             <a:lnSpc>
               <a:spcPct val="90000"/>
             </a:lnSpc>
@@ -1423,15 +2565,15 @@
             </a:spcAft>
           </a:pPr>
           <a:r>
-            <a:rPr lang="en-US" altLang="zh-TW" sz="4200" kern="1200" dirty="0" smtClean="0"/>
+            <a:rPr lang="en-US" altLang="zh-TW" sz="4700" kern="1200" dirty="0" smtClean="0"/>
             <a:t>HTML/JS/CSS</a:t>
           </a:r>
-          <a:endParaRPr lang="zh-TW" altLang="en-US" sz="4200" kern="1200" dirty="0"/>
+          <a:endParaRPr lang="zh-TW" altLang="en-US" sz="4700" kern="1200" dirty="0"/>
         </a:p>
       </dsp:txBody>
       <dsp:txXfrm>
-        <a:off x="1590578" y="272"/>
-        <a:ext cx="4725737" cy="2323195"/>
+        <a:off x="257" y="189139"/>
+        <a:ext cx="7906379" cy="1721863"/>
       </dsp:txXfrm>
     </dsp:sp>
     <dsp:sp modelId="{9DB26432-18E4-EC4D-8AC2-DEBB48C0F6F5}">
@@ -1441,8 +2583,8 @@
       </dsp:nvSpPr>
       <dsp:spPr>
         <a:xfrm>
-          <a:off x="552407" y="3080520"/>
-          <a:ext cx="3124138" cy="918502"/>
+          <a:off x="124432" y="2763320"/>
+          <a:ext cx="3517270" cy="1034084"/>
         </a:xfrm>
         <a:prstGeom prst="rect">
           <a:avLst/>
@@ -1491,12 +2633,12 @@
         </a:fontRef>
       </dsp:style>
       <dsp:txBody>
-        <a:bodyPr spcFirstLastPara="0" vert="horz" wrap="square" lIns="26670" tIns="26670" rIns="26670" bIns="26670" numCol="1" spcCol="1270" anchor="ctr" anchorCtr="0">
+        <a:bodyPr spcFirstLastPara="0" vert="horz" wrap="square" lIns="29845" tIns="29845" rIns="29845" bIns="29845" numCol="1" spcCol="1270" anchor="ctr" anchorCtr="0">
           <a:noAutofit/>
         </a:bodyPr>
         <a:lstStyle/>
         <a:p>
-          <a:pPr lvl="0" algn="ctr" defTabSz="1866900">
+          <a:pPr lvl="0" algn="ctr" defTabSz="2089150">
             <a:lnSpc>
               <a:spcPct val="90000"/>
             </a:lnSpc>
@@ -1508,15 +2650,15 @@
             </a:spcAft>
           </a:pPr>
           <a:r>
-            <a:rPr lang="en-US" altLang="zh-TW" sz="4200" kern="1200" dirty="0" err="1" smtClean="0"/>
+            <a:rPr lang="en-US" altLang="zh-TW" sz="4700" kern="1200" dirty="0" err="1" smtClean="0"/>
             <a:t>QRcode</a:t>
           </a:r>
-          <a:endParaRPr lang="zh-TW" altLang="en-US" sz="4200" kern="1200" dirty="0"/>
+          <a:endParaRPr lang="zh-TW" altLang="en-US" sz="4700" kern="1200" dirty="0"/>
         </a:p>
       </dsp:txBody>
       <dsp:txXfrm>
-        <a:off x="552407" y="3080520"/>
-        <a:ext cx="3124138" cy="918502"/>
+        <a:off x="124432" y="2763320"/>
+        <a:ext cx="3517270" cy="1034084"/>
       </dsp:txXfrm>
     </dsp:sp>
     <dsp:sp modelId="{FADFDC9C-38B2-2D40-B1B5-1D08C0FA3836}">
@@ -1526,8 +2668,8 @@
       </dsp:nvSpPr>
       <dsp:spPr>
         <a:xfrm>
-          <a:off x="4433598" y="3080520"/>
-          <a:ext cx="2920888" cy="1019839"/>
+          <a:off x="4494019" y="2763320"/>
+          <a:ext cx="3288443" cy="1148172"/>
         </a:xfrm>
         <a:prstGeom prst="rect">
           <a:avLst/>
@@ -1576,12 +2718,12 @@
         </a:fontRef>
       </dsp:style>
       <dsp:txBody>
-        <a:bodyPr spcFirstLastPara="0" vert="horz" wrap="square" lIns="26670" tIns="26670" rIns="26670" bIns="26670" numCol="1" spcCol="1270" anchor="ctr" anchorCtr="0">
+        <a:bodyPr spcFirstLastPara="0" vert="horz" wrap="square" lIns="29845" tIns="29845" rIns="29845" bIns="29845" numCol="1" spcCol="1270" anchor="ctr" anchorCtr="0">
           <a:noAutofit/>
         </a:bodyPr>
         <a:lstStyle/>
         <a:p>
-          <a:pPr lvl="0" algn="ctr" defTabSz="1866900">
+          <a:pPr lvl="0" algn="ctr" defTabSz="2089150">
             <a:lnSpc>
               <a:spcPct val="90000"/>
             </a:lnSpc>
@@ -1593,24 +2735,620 @@
             </a:spcAft>
           </a:pPr>
           <a:r>
-            <a:rPr lang="en-US" altLang="zh-TW" sz="4200" kern="1200" dirty="0" smtClean="0"/>
+            <a:rPr lang="en-US" altLang="zh-TW" sz="4700" kern="1200" dirty="0" smtClean="0"/>
             <a:t>AR(</a:t>
           </a:r>
           <a:r>
-            <a:rPr lang="en-US" altLang="zh-TW" sz="4200" kern="1200" dirty="0" err="1" smtClean="0"/>
+            <a:rPr lang="en-US" altLang="zh-TW" sz="4700" kern="1200" dirty="0" err="1" smtClean="0"/>
             <a:t>Arusma</a:t>
           </a:r>
           <a:r>
-            <a:rPr lang="en-US" altLang="zh-TW" sz="4200" kern="1200" dirty="0" smtClean="0"/>
+            <a:rPr lang="en-US" altLang="zh-TW" sz="4700" kern="1200" dirty="0" smtClean="0"/>
             <a:t>)</a:t>
           </a:r>
-          <a:endParaRPr lang="zh-TW" altLang="en-US" sz="4200" kern="1200" dirty="0"/>
+          <a:endParaRPr lang="zh-TW" altLang="en-US" sz="4700" kern="1200" dirty="0"/>
         </a:p>
       </dsp:txBody>
       <dsp:txXfrm>
-        <a:off x="4433598" y="3080520"/>
-        <a:ext cx="2920888" cy="1019839"/>
+        <a:off x="4494019" y="2763320"/>
+        <a:ext cx="3288443" cy="1148172"/>
       </dsp:txXfrm>
+    </dsp:sp>
+  </dsp:spTree>
+</dsp:drawing>
+</file>
+
+<file path=ppt/diagrams/drawing2.xml><?xml version="1.0" encoding="utf-8"?>
+<dsp:drawing xmlns:dgm="http://schemas.openxmlformats.org/drawingml/2006/diagram" xmlns:dsp="http://schemas.microsoft.com/office/drawing/2008/diagram" xmlns:a="http://schemas.openxmlformats.org/drawingml/2006/main">
+  <dsp:spTree>
+    <dsp:nvGrpSpPr>
+      <dsp:cNvPr id="0" name=""/>
+      <dsp:cNvGrpSpPr/>
+    </dsp:nvGrpSpPr>
+    <dsp:grpSpPr/>
+    <dsp:sp modelId="{ED4188C6-CB9D-D847-A26B-732588917948}">
+      <dsp:nvSpPr>
+        <dsp:cNvPr id="0" name=""/>
+        <dsp:cNvSpPr/>
+      </dsp:nvSpPr>
+      <dsp:spPr>
+        <a:xfrm>
+          <a:off x="2952888" y="48611"/>
+          <a:ext cx="2611368" cy="1231865"/>
+        </a:xfrm>
+        <a:prstGeom prst="roundRect">
+          <a:avLst/>
+        </a:prstGeom>
+        <a:gradFill rotWithShape="0">
+          <a:gsLst>
+            <a:gs pos="0">
+              <a:schemeClr val="accent1">
+                <a:hueOff val="0"/>
+                <a:satOff val="0"/>
+                <a:lumOff val="0"/>
+                <a:alphaOff val="0"/>
+                <a:tint val="98000"/>
+                <a:hueMod val="94000"/>
+                <a:satMod val="130000"/>
+                <a:lumMod val="128000"/>
+              </a:schemeClr>
+            </a:gs>
+            <a:gs pos="100000">
+              <a:schemeClr val="accent1">
+                <a:hueOff val="0"/>
+                <a:satOff val="0"/>
+                <a:lumOff val="0"/>
+                <a:alphaOff val="0"/>
+                <a:shade val="94000"/>
+                <a:lumMod val="88000"/>
+              </a:schemeClr>
+            </a:gs>
+          </a:gsLst>
+          <a:lin ang="5400000" scaled="0"/>
+        </a:gradFill>
+        <a:ln>
+          <a:noFill/>
+        </a:ln>
+        <a:effectLst>
+          <a:innerShdw blurRad="25400" dist="12700" dir="13500000">
+            <a:srgbClr val="000000">
+              <a:alpha val="45000"/>
+            </a:srgbClr>
+          </a:innerShdw>
+        </a:effectLst>
+      </dsp:spPr>
+      <dsp:style>
+        <a:lnRef idx="0">
+          <a:scrgbClr r="0" g="0" b="0"/>
+        </a:lnRef>
+        <a:fillRef idx="3">
+          <a:scrgbClr r="0" g="0" b="0"/>
+        </a:fillRef>
+        <a:effectRef idx="2">
+          <a:scrgbClr r="0" g="0" b="0"/>
+        </a:effectRef>
+        <a:fontRef idx="minor">
+          <a:schemeClr val="lt1"/>
+        </a:fontRef>
+      </dsp:style>
+      <dsp:txBody>
+        <a:bodyPr spcFirstLastPara="0" vert="horz" wrap="square" lIns="118110" tIns="118110" rIns="118110" bIns="118110" numCol="1" spcCol="1270" anchor="ctr" anchorCtr="0">
+          <a:noAutofit/>
+        </a:bodyPr>
+        <a:lstStyle/>
+        <a:p>
+          <a:pPr lvl="0" algn="ctr" defTabSz="1377950">
+            <a:lnSpc>
+              <a:spcPct val="90000"/>
+            </a:lnSpc>
+            <a:spcBef>
+              <a:spcPct val="0"/>
+            </a:spcBef>
+            <a:spcAft>
+              <a:spcPct val="35000"/>
+            </a:spcAft>
+          </a:pPr>
+          <a:r>
+            <a:rPr lang="zh-TW" sz="3100" kern="1200" dirty="0" smtClean="0"/>
+            <a:t>分析</a:t>
+          </a:r>
+          <a:endParaRPr lang="zh-TW" altLang="en-US" sz="3100" kern="1200" dirty="0"/>
+        </a:p>
+      </dsp:txBody>
+      <dsp:txXfrm>
+        <a:off x="3013023" y="108746"/>
+        <a:ext cx="2491098" cy="1111595"/>
+      </dsp:txXfrm>
+    </dsp:sp>
+    <dsp:sp modelId="{27415981-3C98-BA46-981D-AFAE9E6D5BCC}">
+      <dsp:nvSpPr>
+        <dsp:cNvPr id="0" name=""/>
+        <dsp:cNvSpPr/>
+      </dsp:nvSpPr>
+      <dsp:spPr>
+        <a:xfrm>
+          <a:off x="2181987" y="664543"/>
+          <a:ext cx="4153169" cy="4153169"/>
+        </a:xfrm>
+        <a:custGeom>
+          <a:avLst/>
+          <a:gdLst/>
+          <a:ahLst/>
+          <a:cxnLst/>
+          <a:rect l="0" t="0" r="0" b="0"/>
+          <a:pathLst>
+            <a:path>
+              <a:moveTo>
+                <a:pt x="3392370" y="470063"/>
+              </a:moveTo>
+              <a:arcTo wR="2076584" hR="2076584" stAng="18559106" swAng="2150045"/>
+            </a:path>
+          </a:pathLst>
+        </a:custGeom>
+        <a:noFill/>
+        <a:ln w="9525" cap="rnd" cmpd="sng" algn="ctr">
+          <a:solidFill>
+            <a:schemeClr val="accent1">
+              <a:hueOff val="0"/>
+              <a:satOff val="0"/>
+              <a:lumOff val="0"/>
+              <a:alphaOff val="0"/>
+            </a:schemeClr>
+          </a:solidFill>
+          <a:prstDash val="solid"/>
+        </a:ln>
+        <a:effectLst/>
+      </dsp:spPr>
+      <dsp:style>
+        <a:lnRef idx="1">
+          <a:scrgbClr r="0" g="0" b="0"/>
+        </a:lnRef>
+        <a:fillRef idx="0">
+          <a:scrgbClr r="0" g="0" b="0"/>
+        </a:fillRef>
+        <a:effectRef idx="0">
+          <a:scrgbClr r="0" g="0" b="0"/>
+        </a:effectRef>
+        <a:fontRef idx="minor"/>
+      </dsp:style>
+    </dsp:sp>
+    <dsp:sp modelId="{6BEB6DD6-03A0-D947-BCFC-1F2EDA5DCBC5}">
+      <dsp:nvSpPr>
+        <dsp:cNvPr id="0" name=""/>
+        <dsp:cNvSpPr/>
+      </dsp:nvSpPr>
+      <dsp:spPr>
+        <a:xfrm>
+          <a:off x="5175653" y="2221609"/>
+          <a:ext cx="2319007" cy="1039037"/>
+        </a:xfrm>
+        <a:prstGeom prst="roundRect">
+          <a:avLst/>
+        </a:prstGeom>
+        <a:gradFill rotWithShape="0">
+          <a:gsLst>
+            <a:gs pos="0">
+              <a:schemeClr val="accent1">
+                <a:hueOff val="0"/>
+                <a:satOff val="0"/>
+                <a:lumOff val="0"/>
+                <a:alphaOff val="0"/>
+                <a:tint val="98000"/>
+                <a:hueMod val="94000"/>
+                <a:satMod val="130000"/>
+                <a:lumMod val="128000"/>
+              </a:schemeClr>
+            </a:gs>
+            <a:gs pos="100000">
+              <a:schemeClr val="accent1">
+                <a:hueOff val="0"/>
+                <a:satOff val="0"/>
+                <a:lumOff val="0"/>
+                <a:alphaOff val="0"/>
+                <a:shade val="94000"/>
+                <a:lumMod val="88000"/>
+              </a:schemeClr>
+            </a:gs>
+          </a:gsLst>
+          <a:lin ang="5400000" scaled="0"/>
+        </a:gradFill>
+        <a:ln>
+          <a:noFill/>
+        </a:ln>
+        <a:effectLst>
+          <a:innerShdw blurRad="25400" dist="12700" dir="13500000">
+            <a:srgbClr val="000000">
+              <a:alpha val="45000"/>
+            </a:srgbClr>
+          </a:innerShdw>
+        </a:effectLst>
+      </dsp:spPr>
+      <dsp:style>
+        <a:lnRef idx="0">
+          <a:scrgbClr r="0" g="0" b="0"/>
+        </a:lnRef>
+        <a:fillRef idx="3">
+          <a:scrgbClr r="0" g="0" b="0"/>
+        </a:fillRef>
+        <a:effectRef idx="2">
+          <a:scrgbClr r="0" g="0" b="0"/>
+        </a:effectRef>
+        <a:fontRef idx="minor">
+          <a:schemeClr val="lt1"/>
+        </a:fontRef>
+      </dsp:style>
+      <dsp:txBody>
+        <a:bodyPr spcFirstLastPara="0" vert="horz" wrap="square" lIns="118110" tIns="118110" rIns="118110" bIns="118110" numCol="1" spcCol="1270" anchor="ctr" anchorCtr="0">
+          <a:noAutofit/>
+        </a:bodyPr>
+        <a:lstStyle/>
+        <a:p>
+          <a:pPr lvl="0" algn="ctr" defTabSz="1377950">
+            <a:lnSpc>
+              <a:spcPct val="90000"/>
+            </a:lnSpc>
+            <a:spcBef>
+              <a:spcPct val="0"/>
+            </a:spcBef>
+            <a:spcAft>
+              <a:spcPct val="35000"/>
+            </a:spcAft>
+          </a:pPr>
+          <a:r>
+            <a:rPr lang="zh-TW" sz="3100" kern="1200" dirty="0" smtClean="0"/>
+            <a:t>設計與發展</a:t>
+          </a:r>
+          <a:endParaRPr lang="zh-TW" altLang="en-US" sz="3100" kern="1200" dirty="0"/>
+        </a:p>
+      </dsp:txBody>
+      <dsp:txXfrm>
+        <a:off x="5226375" y="2272331"/>
+        <a:ext cx="2217563" cy="937593"/>
+      </dsp:txXfrm>
+    </dsp:sp>
+    <dsp:sp modelId="{96EB60A1-0BCF-DB4C-A9E6-DFF61B37CEB5}">
+      <dsp:nvSpPr>
+        <dsp:cNvPr id="0" name=""/>
+        <dsp:cNvSpPr/>
+      </dsp:nvSpPr>
+      <dsp:spPr>
+        <a:xfrm>
+          <a:off x="2181987" y="664543"/>
+          <a:ext cx="4153169" cy="4153169"/>
+        </a:xfrm>
+        <a:custGeom>
+          <a:avLst/>
+          <a:gdLst/>
+          <a:ahLst/>
+          <a:cxnLst/>
+          <a:rect l="0" t="0" r="0" b="0"/>
+          <a:pathLst>
+            <a:path>
+              <a:moveTo>
+                <a:pt x="4083864" y="2608594"/>
+              </a:moveTo>
+              <a:arcTo wR="2076584" hR="2076584" stAng="890662" swAng="2130717"/>
+            </a:path>
+          </a:pathLst>
+        </a:custGeom>
+        <a:noFill/>
+        <a:ln w="9525" cap="rnd" cmpd="sng" algn="ctr">
+          <a:solidFill>
+            <a:schemeClr val="accent1">
+              <a:hueOff val="0"/>
+              <a:satOff val="0"/>
+              <a:lumOff val="0"/>
+              <a:alphaOff val="0"/>
+            </a:schemeClr>
+          </a:solidFill>
+          <a:prstDash val="solid"/>
+        </a:ln>
+        <a:effectLst/>
+      </dsp:spPr>
+      <dsp:style>
+        <a:lnRef idx="1">
+          <a:scrgbClr r="0" g="0" b="0"/>
+        </a:lnRef>
+        <a:fillRef idx="0">
+          <a:scrgbClr r="0" g="0" b="0"/>
+        </a:fillRef>
+        <a:effectRef idx="0">
+          <a:scrgbClr r="0" g="0" b="0"/>
+        </a:effectRef>
+        <a:fontRef idx="minor"/>
+      </dsp:style>
+    </dsp:sp>
+    <dsp:sp modelId="{343B0280-3D0F-4748-A1B0-EEB031659290}">
+      <dsp:nvSpPr>
+        <dsp:cNvPr id="0" name=""/>
+        <dsp:cNvSpPr/>
+      </dsp:nvSpPr>
+      <dsp:spPr>
+        <a:xfrm>
+          <a:off x="2943655" y="4270206"/>
+          <a:ext cx="2629834" cy="1095013"/>
+        </a:xfrm>
+        <a:prstGeom prst="roundRect">
+          <a:avLst/>
+        </a:prstGeom>
+        <a:gradFill rotWithShape="0">
+          <a:gsLst>
+            <a:gs pos="0">
+              <a:schemeClr val="accent1">
+                <a:hueOff val="0"/>
+                <a:satOff val="0"/>
+                <a:lumOff val="0"/>
+                <a:alphaOff val="0"/>
+                <a:tint val="98000"/>
+                <a:hueMod val="94000"/>
+                <a:satMod val="130000"/>
+                <a:lumMod val="128000"/>
+              </a:schemeClr>
+            </a:gs>
+            <a:gs pos="100000">
+              <a:schemeClr val="accent1">
+                <a:hueOff val="0"/>
+                <a:satOff val="0"/>
+                <a:lumOff val="0"/>
+                <a:alphaOff val="0"/>
+                <a:shade val="94000"/>
+                <a:lumMod val="88000"/>
+              </a:schemeClr>
+            </a:gs>
+          </a:gsLst>
+          <a:lin ang="5400000" scaled="0"/>
+        </a:gradFill>
+        <a:ln>
+          <a:noFill/>
+        </a:ln>
+        <a:effectLst>
+          <a:innerShdw blurRad="25400" dist="12700" dir="13500000">
+            <a:srgbClr val="000000">
+              <a:alpha val="45000"/>
+            </a:srgbClr>
+          </a:innerShdw>
+        </a:effectLst>
+      </dsp:spPr>
+      <dsp:style>
+        <a:lnRef idx="0">
+          <a:scrgbClr r="0" g="0" b="0"/>
+        </a:lnRef>
+        <a:fillRef idx="3">
+          <a:scrgbClr r="0" g="0" b="0"/>
+        </a:fillRef>
+        <a:effectRef idx="2">
+          <a:scrgbClr r="0" g="0" b="0"/>
+        </a:effectRef>
+        <a:fontRef idx="minor">
+          <a:schemeClr val="lt1"/>
+        </a:fontRef>
+      </dsp:style>
+      <dsp:txBody>
+        <a:bodyPr spcFirstLastPara="0" vert="horz" wrap="square" lIns="118110" tIns="118110" rIns="118110" bIns="118110" numCol="1" spcCol="1270" anchor="ctr" anchorCtr="0">
+          <a:noAutofit/>
+        </a:bodyPr>
+        <a:lstStyle/>
+        <a:p>
+          <a:pPr lvl="0" algn="ctr" defTabSz="1377950">
+            <a:lnSpc>
+              <a:spcPct val="90000"/>
+            </a:lnSpc>
+            <a:spcBef>
+              <a:spcPct val="0"/>
+            </a:spcBef>
+            <a:spcAft>
+              <a:spcPct val="35000"/>
+            </a:spcAft>
+          </a:pPr>
+          <a:r>
+            <a:rPr lang="zh-TW" sz="3100" kern="1200" dirty="0" smtClean="0"/>
+            <a:t>執行</a:t>
+          </a:r>
+          <a:endParaRPr lang="zh-TW" altLang="en-US" sz="3100" kern="1200" dirty="0"/>
+        </a:p>
+      </dsp:txBody>
+      <dsp:txXfrm>
+        <a:off x="2997109" y="4323660"/>
+        <a:ext cx="2522926" cy="988105"/>
+      </dsp:txXfrm>
+    </dsp:sp>
+    <dsp:sp modelId="{797648D0-6BDB-A24F-A24E-B9E46E7047F3}">
+      <dsp:nvSpPr>
+        <dsp:cNvPr id="0" name=""/>
+        <dsp:cNvSpPr/>
+      </dsp:nvSpPr>
+      <dsp:spPr>
+        <a:xfrm>
+          <a:off x="2181987" y="664543"/>
+          <a:ext cx="4153169" cy="4153169"/>
+        </a:xfrm>
+        <a:custGeom>
+          <a:avLst/>
+          <a:gdLst/>
+          <a:ahLst/>
+          <a:cxnLst/>
+          <a:rect l="0" t="0" r="0" b="0"/>
+          <a:pathLst>
+            <a:path>
+              <a:moveTo>
+                <a:pt x="752076" y="3675923"/>
+              </a:moveTo>
+              <a:arcTo wR="2076584" hR="2076584" stAng="7777812" swAng="2047359"/>
+            </a:path>
+          </a:pathLst>
+        </a:custGeom>
+        <a:noFill/>
+        <a:ln w="9525" cap="rnd" cmpd="sng" algn="ctr">
+          <a:solidFill>
+            <a:schemeClr val="accent1">
+              <a:hueOff val="0"/>
+              <a:satOff val="0"/>
+              <a:lumOff val="0"/>
+              <a:alphaOff val="0"/>
+            </a:schemeClr>
+          </a:solidFill>
+          <a:prstDash val="solid"/>
+        </a:ln>
+        <a:effectLst/>
+      </dsp:spPr>
+      <dsp:style>
+        <a:lnRef idx="1">
+          <a:scrgbClr r="0" g="0" b="0"/>
+        </a:lnRef>
+        <a:fillRef idx="0">
+          <a:scrgbClr r="0" g="0" b="0"/>
+        </a:fillRef>
+        <a:effectRef idx="0">
+          <a:scrgbClr r="0" g="0" b="0"/>
+        </a:effectRef>
+        <a:fontRef idx="minor"/>
+      </dsp:style>
+    </dsp:sp>
+    <dsp:sp modelId="{7E7B5ED7-D342-914F-A892-873EFA9337E7}">
+      <dsp:nvSpPr>
+        <dsp:cNvPr id="0" name=""/>
+        <dsp:cNvSpPr/>
+      </dsp:nvSpPr>
+      <dsp:spPr>
+        <a:xfrm>
+          <a:off x="851053" y="2172075"/>
+          <a:ext cx="2661869" cy="1138105"/>
+        </a:xfrm>
+        <a:prstGeom prst="roundRect">
+          <a:avLst/>
+        </a:prstGeom>
+        <a:gradFill rotWithShape="0">
+          <a:gsLst>
+            <a:gs pos="0">
+              <a:schemeClr val="accent1">
+                <a:hueOff val="0"/>
+                <a:satOff val="0"/>
+                <a:lumOff val="0"/>
+                <a:alphaOff val="0"/>
+                <a:tint val="98000"/>
+                <a:hueMod val="94000"/>
+                <a:satMod val="130000"/>
+                <a:lumMod val="128000"/>
+              </a:schemeClr>
+            </a:gs>
+            <a:gs pos="100000">
+              <a:schemeClr val="accent1">
+                <a:hueOff val="0"/>
+                <a:satOff val="0"/>
+                <a:lumOff val="0"/>
+                <a:alphaOff val="0"/>
+                <a:shade val="94000"/>
+                <a:lumMod val="88000"/>
+              </a:schemeClr>
+            </a:gs>
+          </a:gsLst>
+          <a:lin ang="5400000" scaled="0"/>
+        </a:gradFill>
+        <a:ln>
+          <a:noFill/>
+        </a:ln>
+        <a:effectLst>
+          <a:innerShdw blurRad="25400" dist="12700" dir="13500000">
+            <a:srgbClr val="000000">
+              <a:alpha val="45000"/>
+            </a:srgbClr>
+          </a:innerShdw>
+        </a:effectLst>
+      </dsp:spPr>
+      <dsp:style>
+        <a:lnRef idx="0">
+          <a:scrgbClr r="0" g="0" b="0"/>
+        </a:lnRef>
+        <a:fillRef idx="3">
+          <a:scrgbClr r="0" g="0" b="0"/>
+        </a:fillRef>
+        <a:effectRef idx="2">
+          <a:scrgbClr r="0" g="0" b="0"/>
+        </a:effectRef>
+        <a:fontRef idx="minor">
+          <a:schemeClr val="lt1"/>
+        </a:fontRef>
+      </dsp:style>
+      <dsp:txBody>
+        <a:bodyPr spcFirstLastPara="0" vert="horz" wrap="square" lIns="118110" tIns="118110" rIns="118110" bIns="118110" numCol="1" spcCol="1270" anchor="ctr" anchorCtr="0">
+          <a:noAutofit/>
+        </a:bodyPr>
+        <a:lstStyle/>
+        <a:p>
+          <a:pPr lvl="0" algn="ctr" defTabSz="1377950">
+            <a:lnSpc>
+              <a:spcPct val="90000"/>
+            </a:lnSpc>
+            <a:spcBef>
+              <a:spcPct val="0"/>
+            </a:spcBef>
+            <a:spcAft>
+              <a:spcPct val="35000"/>
+            </a:spcAft>
+          </a:pPr>
+          <a:r>
+            <a:rPr lang="zh-TW" sz="3100" kern="1200" dirty="0" smtClean="0"/>
+            <a:t>評估</a:t>
+          </a:r>
+          <a:endParaRPr lang="zh-TW" altLang="en-US" sz="3100" kern="1200" dirty="0"/>
+        </a:p>
+      </dsp:txBody>
+      <dsp:txXfrm>
+        <a:off x="906611" y="2227633"/>
+        <a:ext cx="2550753" cy="1026989"/>
+      </dsp:txXfrm>
+    </dsp:sp>
+    <dsp:sp modelId="{94A2C048-DEE3-064F-AB88-8B359F3AFD49}">
+      <dsp:nvSpPr>
+        <dsp:cNvPr id="0" name=""/>
+        <dsp:cNvSpPr/>
+      </dsp:nvSpPr>
+      <dsp:spPr>
+        <a:xfrm>
+          <a:off x="2181987" y="664543"/>
+          <a:ext cx="4153169" cy="4153169"/>
+        </a:xfrm>
+        <a:custGeom>
+          <a:avLst/>
+          <a:gdLst/>
+          <a:ahLst/>
+          <a:cxnLst/>
+          <a:rect l="0" t="0" r="0" b="0"/>
+          <a:pathLst>
+            <a:path>
+              <a:moveTo>
+                <a:pt x="82962" y="1495486"/>
+              </a:moveTo>
+              <a:arcTo wR="2076584" hR="2076584" stAng="11775017" swAng="2066686"/>
+            </a:path>
+          </a:pathLst>
+        </a:custGeom>
+        <a:noFill/>
+        <a:ln w="9525" cap="rnd" cmpd="sng" algn="ctr">
+          <a:solidFill>
+            <a:schemeClr val="accent1">
+              <a:hueOff val="0"/>
+              <a:satOff val="0"/>
+              <a:lumOff val="0"/>
+              <a:alphaOff val="0"/>
+            </a:schemeClr>
+          </a:solidFill>
+          <a:prstDash val="solid"/>
+        </a:ln>
+        <a:effectLst/>
+      </dsp:spPr>
+      <dsp:style>
+        <a:lnRef idx="1">
+          <a:scrgbClr r="0" g="0" b="0"/>
+        </a:lnRef>
+        <a:fillRef idx="0">
+          <a:scrgbClr r="0" g="0" b="0"/>
+        </a:fillRef>
+        <a:effectRef idx="0">
+          <a:scrgbClr r="0" g="0" b="0"/>
+        </a:effectRef>
+        <a:fontRef idx="minor"/>
+      </dsp:style>
     </dsp:sp>
   </dsp:spTree>
 </dsp:drawing>
@@ -2762,7 +4500,1250 @@
 </dgm:layoutDef>
 </file>
 
+<file path=ppt/diagrams/layout2.xml><?xml version="1.0" encoding="utf-8"?>
+<dgm:layoutDef xmlns:dgm="http://schemas.openxmlformats.org/drawingml/2006/diagram" xmlns:a="http://schemas.openxmlformats.org/drawingml/2006/main" uniqueId="urn:microsoft.com/office/officeart/2005/8/layout/cycle6">
+  <dgm:title val=""/>
+  <dgm:desc val=""/>
+  <dgm:catLst>
+    <dgm:cat type="cycle" pri="4000"/>
+    <dgm:cat type="relationship" pri="24000"/>
+  </dgm:catLst>
+  <dgm:sampData>
+    <dgm:dataModel>
+      <dgm:ptLst>
+        <dgm:pt modelId="0" type="doc"/>
+        <dgm:pt modelId="1">
+          <dgm:prSet phldr="1"/>
+        </dgm:pt>
+        <dgm:pt modelId="2">
+          <dgm:prSet phldr="1"/>
+        </dgm:pt>
+        <dgm:pt modelId="3">
+          <dgm:prSet phldr="1"/>
+        </dgm:pt>
+        <dgm:pt modelId="4">
+          <dgm:prSet phldr="1"/>
+        </dgm:pt>
+        <dgm:pt modelId="5">
+          <dgm:prSet phldr="1"/>
+        </dgm:pt>
+      </dgm:ptLst>
+      <dgm:cxnLst>
+        <dgm:cxn modelId="6" srcId="0" destId="1" srcOrd="0" destOrd="0"/>
+        <dgm:cxn modelId="7" srcId="0" destId="2" srcOrd="1" destOrd="0"/>
+        <dgm:cxn modelId="8" srcId="0" destId="3" srcOrd="2" destOrd="0"/>
+        <dgm:cxn modelId="9" srcId="0" destId="4" srcOrd="3" destOrd="0"/>
+        <dgm:cxn modelId="10" srcId="0" destId="5" srcOrd="4" destOrd="0"/>
+      </dgm:cxnLst>
+      <dgm:bg/>
+      <dgm:whole/>
+    </dgm:dataModel>
+  </dgm:sampData>
+  <dgm:styleData>
+    <dgm:dataModel>
+      <dgm:ptLst>
+        <dgm:pt modelId="0" type="doc"/>
+        <dgm:pt modelId="1"/>
+        <dgm:pt modelId="2"/>
+        <dgm:pt modelId="3"/>
+      </dgm:ptLst>
+      <dgm:cxnLst>
+        <dgm:cxn modelId="4" srcId="0" destId="1" srcOrd="0" destOrd="0"/>
+        <dgm:cxn modelId="5" srcId="0" destId="2" srcOrd="1" destOrd="0"/>
+        <dgm:cxn modelId="6" srcId="0" destId="3" srcOrd="2" destOrd="0"/>
+      </dgm:cxnLst>
+      <dgm:bg/>
+      <dgm:whole/>
+    </dgm:dataModel>
+  </dgm:styleData>
+  <dgm:clrData>
+    <dgm:dataModel>
+      <dgm:ptLst>
+        <dgm:pt modelId="0" type="doc"/>
+        <dgm:pt modelId="1"/>
+        <dgm:pt modelId="2"/>
+        <dgm:pt modelId="3"/>
+        <dgm:pt modelId="4"/>
+        <dgm:pt modelId="5"/>
+        <dgm:pt modelId="6"/>
+      </dgm:ptLst>
+      <dgm:cxnLst>
+        <dgm:cxn modelId="7" srcId="0" destId="1" srcOrd="0" destOrd="0"/>
+        <dgm:cxn modelId="8" srcId="0" destId="2" srcOrd="1" destOrd="0"/>
+        <dgm:cxn modelId="9" srcId="0" destId="3" srcOrd="2" destOrd="0"/>
+        <dgm:cxn modelId="10" srcId="0" destId="4" srcOrd="3" destOrd="0"/>
+        <dgm:cxn modelId="11" srcId="0" destId="5" srcOrd="4" destOrd="0"/>
+        <dgm:cxn modelId="12" srcId="0" destId="6" srcOrd="5" destOrd="0"/>
+      </dgm:cxnLst>
+      <dgm:bg/>
+      <dgm:whole/>
+    </dgm:dataModel>
+  </dgm:clrData>
+  <dgm:layoutNode name="cycle">
+    <dgm:varLst>
+      <dgm:dir/>
+      <dgm:resizeHandles val="exact"/>
+    </dgm:varLst>
+    <dgm:choose name="Name0">
+      <dgm:if name="Name1" func="var" arg="dir" op="equ" val="norm">
+        <dgm:choose name="Name2">
+          <dgm:if name="Name3" axis="ch" ptType="node" func="cnt" op="gt" val="2">
+            <dgm:alg type="cycle">
+              <dgm:param type="stAng" val="0"/>
+              <dgm:param type="spanAng" val="360"/>
+            </dgm:alg>
+          </dgm:if>
+          <dgm:else name="Name4">
+            <dgm:alg type="cycle">
+              <dgm:param type="stAng" val="-90"/>
+              <dgm:param type="spanAng" val="360"/>
+            </dgm:alg>
+          </dgm:else>
+        </dgm:choose>
+      </dgm:if>
+      <dgm:else name="Name5">
+        <dgm:choose name="Name6">
+          <dgm:if name="Name7" axis="ch" ptType="node" func="cnt" op="gt" val="2">
+            <dgm:alg type="cycle">
+              <dgm:param type="stAng" val="0"/>
+              <dgm:param type="spanAng" val="-360"/>
+            </dgm:alg>
+          </dgm:if>
+          <dgm:else name="Name8">
+            <dgm:alg type="cycle">
+              <dgm:param type="stAng" val="90"/>
+              <dgm:param type="spanAng" val="-360"/>
+            </dgm:alg>
+          </dgm:else>
+        </dgm:choose>
+      </dgm:else>
+    </dgm:choose>
+    <dgm:shape xmlns:r="http://schemas.openxmlformats.org/officeDocument/2006/relationships" r:blip="">
+      <dgm:adjLst/>
+    </dgm:shape>
+    <dgm:presOf/>
+    <dgm:choose name="Name9">
+      <dgm:if name="Name10" func="var" arg="dir" op="equ" val="norm">
+        <dgm:constrLst>
+          <dgm:constr type="w" for="ch" forName="node" refType="w"/>
+          <dgm:constr type="w" for="ch" ptType="sibTrans" refType="w" refFor="ch" refForName="node" op="equ" fact="0.3"/>
+          <dgm:constr type="diam" for="ch" ptType="sibTrans" refType="diam" op="equ"/>
+          <dgm:constr type="sibSp" refType="w" refFor="ch" refForName="node" op="equ" fact="0.15"/>
+          <dgm:constr type="w" for="ch" forName="spNode" refType="sibSp" fact="1.6"/>
+          <dgm:constr type="primFontSz" for="ch" forName="node" op="equ" val="65"/>
+        </dgm:constrLst>
+      </dgm:if>
+      <dgm:else name="Name11">
+        <dgm:constrLst>
+          <dgm:constr type="w" for="ch" forName="node" refType="w"/>
+          <dgm:constr type="w" for="ch" ptType="sibTrans" refType="w" refFor="ch" refForName="node" op="equ" fact="0.3"/>
+          <dgm:constr type="diam" for="ch" ptType="sibTrans" refType="diam" op="equ" fact="-1"/>
+          <dgm:constr type="sibSp" refType="w" refFor="ch" refForName="node" op="equ" fact="0.15"/>
+          <dgm:constr type="w" for="ch" forName="spNode" refType="sibSp" fact="1.6"/>
+          <dgm:constr type="primFontSz" for="ch" forName="node" op="equ" val="65"/>
+        </dgm:constrLst>
+      </dgm:else>
+    </dgm:choose>
+    <dgm:ruleLst/>
+    <dgm:forEach name="Name12" axis="ch" ptType="node">
+      <dgm:layoutNode name="node">
+        <dgm:varLst>
+          <dgm:bulletEnabled val="1"/>
+        </dgm:varLst>
+        <dgm:alg type="tx"/>
+        <dgm:shape xmlns:r="http://schemas.openxmlformats.org/officeDocument/2006/relationships" type="roundRect" r:blip="">
+          <dgm:adjLst/>
+        </dgm:shape>
+        <dgm:presOf axis="desOrSelf" ptType="node"/>
+        <dgm:constrLst>
+          <dgm:constr type="h" refType="w" fact="0.65"/>
+          <dgm:constr type="tMarg" refType="primFontSz" fact="0.3"/>
+          <dgm:constr type="bMarg" refType="primFontSz" fact="0.3"/>
+          <dgm:constr type="lMarg" refType="primFontSz" fact="0.3"/>
+          <dgm:constr type="rMarg" refType="primFontSz" fact="0.3"/>
+        </dgm:constrLst>
+        <dgm:ruleLst>
+          <dgm:rule type="primFontSz" val="5" fact="NaN" max="NaN"/>
+        </dgm:ruleLst>
+      </dgm:layoutNode>
+      <dgm:choose name="Name13">
+        <dgm:if name="Name14" axis="par ch" ptType="doc node" func="cnt" op="gt" val="1">
+          <dgm:layoutNode name="spNode">
+            <dgm:alg type="sp"/>
+            <dgm:shape xmlns:r="http://schemas.openxmlformats.org/officeDocument/2006/relationships" r:blip="">
+              <dgm:adjLst/>
+            </dgm:shape>
+            <dgm:presOf/>
+            <dgm:constrLst>
+              <dgm:constr type="h" refType="w"/>
+            </dgm:constrLst>
+            <dgm:ruleLst/>
+          </dgm:layoutNode>
+          <dgm:forEach name="Name15" axis="followSib" ptType="sibTrans" hideLastTrans="0" cnt="1">
+            <dgm:layoutNode name="sibTrans">
+              <dgm:alg type="conn">
+                <dgm:param type="dim" val="1D"/>
+                <dgm:param type="connRout" val="curve"/>
+                <dgm:param type="begPts" val="radial"/>
+                <dgm:param type="endPts" val="radial"/>
+                <dgm:param type="endSty" val="noArr"/>
+              </dgm:alg>
+              <dgm:shape xmlns:r="http://schemas.openxmlformats.org/officeDocument/2006/relationships" type="conn" r:blip="">
+                <dgm:adjLst/>
+              </dgm:shape>
+              <dgm:presOf axis="self"/>
+              <dgm:constrLst>
+                <dgm:constr type="h" refType="w" fact="0.65"/>
+                <dgm:constr type="connDist"/>
+                <dgm:constr type="begPad" refType="connDist" fact="0.01"/>
+                <dgm:constr type="endPad" refType="connDist" fact="0.01"/>
+              </dgm:constrLst>
+              <dgm:ruleLst/>
+            </dgm:layoutNode>
+          </dgm:forEach>
+        </dgm:if>
+        <dgm:else name="Name16"/>
+      </dgm:choose>
+    </dgm:forEach>
+  </dgm:layoutNode>
+</dgm:layoutDef>
+</file>
+
 <file path=ppt/diagrams/quickStyle1.xml><?xml version="1.0" encoding="utf-8"?>
+<dgm:styleDef xmlns:dgm="http://schemas.openxmlformats.org/drawingml/2006/diagram" xmlns:a="http://schemas.openxmlformats.org/drawingml/2006/main" uniqueId="urn:microsoft.com/office/officeart/2005/8/quickstyle/simple4">
+  <dgm:title val=""/>
+  <dgm:desc val=""/>
+  <dgm:catLst>
+    <dgm:cat type="simple" pri="10400"/>
+  </dgm:catLst>
+  <dgm:scene3d>
+    <a:camera prst="orthographicFront"/>
+    <a:lightRig rig="threePt" dir="t"/>
+  </dgm:scene3d>
+  <dgm:styleLbl name="node0">
+    <dgm:scene3d>
+      <a:camera prst="orthographicFront"/>
+      <a:lightRig rig="threePt" dir="t"/>
+    </dgm:scene3d>
+    <dgm:sp3d/>
+    <dgm:txPr/>
+    <dgm:style>
+      <a:lnRef idx="0">
+        <a:scrgbClr r="0" g="0" b="0"/>
+      </a:lnRef>
+      <a:fillRef idx="3">
+        <a:scrgbClr r="0" g="0" b="0"/>
+      </a:fillRef>
+      <a:effectRef idx="2">
+        <a:scrgbClr r="0" g="0" b="0"/>
+      </a:effectRef>
+      <a:fontRef idx="minor">
+        <a:schemeClr val="lt1"/>
+      </a:fontRef>
+    </dgm:style>
+  </dgm:styleLbl>
+  <dgm:styleLbl name="lnNode1">
+    <dgm:scene3d>
+      <a:camera prst="orthographicFront"/>
+      <a:lightRig rig="threePt" dir="t"/>
+    </dgm:scene3d>
+    <dgm:sp3d/>
+    <dgm:txPr/>
+    <dgm:style>
+      <a:lnRef idx="1">
+        <a:scrgbClr r="0" g="0" b="0"/>
+      </a:lnRef>
+      <a:fillRef idx="3">
+        <a:scrgbClr r="0" g="0" b="0"/>
+      </a:fillRef>
+      <a:effectRef idx="2">
+        <a:scrgbClr r="0" g="0" b="0"/>
+      </a:effectRef>
+      <a:fontRef idx="minor">
+        <a:schemeClr val="lt1"/>
+      </a:fontRef>
+    </dgm:style>
+  </dgm:styleLbl>
+  <dgm:styleLbl name="vennNode1">
+    <dgm:scene3d>
+      <a:camera prst="orthographicFront"/>
+      <a:lightRig rig="threePt" dir="t"/>
+    </dgm:scene3d>
+    <dgm:sp3d/>
+    <dgm:txPr/>
+    <dgm:style>
+      <a:lnRef idx="0">
+        <a:scrgbClr r="0" g="0" b="0"/>
+      </a:lnRef>
+      <a:fillRef idx="3">
+        <a:scrgbClr r="0" g="0" b="0"/>
+      </a:fillRef>
+      <a:effectRef idx="0">
+        <a:scrgbClr r="0" g="0" b="0"/>
+      </a:effectRef>
+      <a:fontRef idx="minor">
+        <a:schemeClr val="tx1"/>
+      </a:fontRef>
+    </dgm:style>
+  </dgm:styleLbl>
+  <dgm:styleLbl name="alignNode1">
+    <dgm:scene3d>
+      <a:camera prst="orthographicFront"/>
+      <a:lightRig rig="threePt" dir="t"/>
+    </dgm:scene3d>
+    <dgm:sp3d/>
+    <dgm:txPr/>
+    <dgm:style>
+      <a:lnRef idx="1">
+        <a:scrgbClr r="0" g="0" b="0"/>
+      </a:lnRef>
+      <a:fillRef idx="3">
+        <a:scrgbClr r="0" g="0" b="0"/>
+      </a:fillRef>
+      <a:effectRef idx="2">
+        <a:scrgbClr r="0" g="0" b="0"/>
+      </a:effectRef>
+      <a:fontRef idx="minor">
+        <a:schemeClr val="lt1"/>
+      </a:fontRef>
+    </dgm:style>
+  </dgm:styleLbl>
+  <dgm:styleLbl name="node1">
+    <dgm:scene3d>
+      <a:camera prst="orthographicFront"/>
+      <a:lightRig rig="threePt" dir="t"/>
+    </dgm:scene3d>
+    <dgm:sp3d/>
+    <dgm:txPr/>
+    <dgm:style>
+      <a:lnRef idx="0">
+        <a:scrgbClr r="0" g="0" b="0"/>
+      </a:lnRef>
+      <a:fillRef idx="3">
+        <a:scrgbClr r="0" g="0" b="0"/>
+      </a:fillRef>
+      <a:effectRef idx="2">
+        <a:scrgbClr r="0" g="0" b="0"/>
+      </a:effectRef>
+      <a:fontRef idx="minor">
+        <a:schemeClr val="lt1"/>
+      </a:fontRef>
+    </dgm:style>
+  </dgm:styleLbl>
+  <dgm:styleLbl name="node2">
+    <dgm:scene3d>
+      <a:camera prst="orthographicFront"/>
+      <a:lightRig rig="threePt" dir="t"/>
+    </dgm:scene3d>
+    <dgm:sp3d/>
+    <dgm:txPr/>
+    <dgm:style>
+      <a:lnRef idx="0">
+        <a:scrgbClr r="0" g="0" b="0"/>
+      </a:lnRef>
+      <a:fillRef idx="3">
+        <a:scrgbClr r="0" g="0" b="0"/>
+      </a:fillRef>
+      <a:effectRef idx="2">
+        <a:scrgbClr r="0" g="0" b="0"/>
+      </a:effectRef>
+      <a:fontRef idx="minor">
+        <a:schemeClr val="lt1"/>
+      </a:fontRef>
+    </dgm:style>
+  </dgm:styleLbl>
+  <dgm:styleLbl name="node3">
+    <dgm:scene3d>
+      <a:camera prst="orthographicFront"/>
+      <a:lightRig rig="threePt" dir="t"/>
+    </dgm:scene3d>
+    <dgm:sp3d/>
+    <dgm:txPr/>
+    <dgm:style>
+      <a:lnRef idx="0">
+        <a:scrgbClr r="0" g="0" b="0"/>
+      </a:lnRef>
+      <a:fillRef idx="3">
+        <a:scrgbClr r="0" g="0" b="0"/>
+      </a:fillRef>
+      <a:effectRef idx="2">
+        <a:scrgbClr r="0" g="0" b="0"/>
+      </a:effectRef>
+      <a:fontRef idx="minor">
+        <a:schemeClr val="lt1"/>
+      </a:fontRef>
+    </dgm:style>
+  </dgm:styleLbl>
+  <dgm:styleLbl name="node4">
+    <dgm:scene3d>
+      <a:camera prst="orthographicFront"/>
+      <a:lightRig rig="threePt" dir="t"/>
+    </dgm:scene3d>
+    <dgm:sp3d/>
+    <dgm:txPr/>
+    <dgm:style>
+      <a:lnRef idx="0">
+        <a:scrgbClr r="0" g="0" b="0"/>
+      </a:lnRef>
+      <a:fillRef idx="3">
+        <a:scrgbClr r="0" g="0" b="0"/>
+      </a:fillRef>
+      <a:effectRef idx="2">
+        <a:scrgbClr r="0" g="0" b="0"/>
+      </a:effectRef>
+      <a:fontRef idx="minor">
+        <a:schemeClr val="lt1"/>
+      </a:fontRef>
+    </dgm:style>
+  </dgm:styleLbl>
+  <dgm:styleLbl name="fgImgPlace1">
+    <dgm:scene3d>
+      <a:camera prst="orthographicFront"/>
+      <a:lightRig rig="threePt" dir="t"/>
+    </dgm:scene3d>
+    <dgm:sp3d/>
+    <dgm:txPr/>
+    <dgm:style>
+      <a:lnRef idx="0">
+        <a:scrgbClr r="0" g="0" b="0"/>
+      </a:lnRef>
+      <a:fillRef idx="1">
+        <a:scrgbClr r="0" g="0" b="0"/>
+      </a:fillRef>
+      <a:effectRef idx="2">
+        <a:scrgbClr r="0" g="0" b="0"/>
+      </a:effectRef>
+      <a:fontRef idx="minor"/>
+    </dgm:style>
+  </dgm:styleLbl>
+  <dgm:styleLbl name="alignImgPlace1">
+    <dgm:scene3d>
+      <a:camera prst="orthographicFront"/>
+      <a:lightRig rig="threePt" dir="t"/>
+    </dgm:scene3d>
+    <dgm:sp3d/>
+    <dgm:txPr/>
+    <dgm:style>
+      <a:lnRef idx="0">
+        <a:scrgbClr r="0" g="0" b="0"/>
+      </a:lnRef>
+      <a:fillRef idx="1">
+        <a:scrgbClr r="0" g="0" b="0"/>
+      </a:fillRef>
+      <a:effectRef idx="2">
+        <a:scrgbClr r="0" g="0" b="0"/>
+      </a:effectRef>
+      <a:fontRef idx="minor"/>
+    </dgm:style>
+  </dgm:styleLbl>
+  <dgm:styleLbl name="bgImgPlace1">
+    <dgm:scene3d>
+      <a:camera prst="orthographicFront"/>
+      <a:lightRig rig="threePt" dir="t"/>
+    </dgm:scene3d>
+    <dgm:sp3d/>
+    <dgm:txPr/>
+    <dgm:style>
+      <a:lnRef idx="0">
+        <a:scrgbClr r="0" g="0" b="0"/>
+      </a:lnRef>
+      <a:fillRef idx="1">
+        <a:scrgbClr r="0" g="0" b="0"/>
+      </a:fillRef>
+      <a:effectRef idx="2">
+        <a:scrgbClr r="0" g="0" b="0"/>
+      </a:effectRef>
+      <a:fontRef idx="minor"/>
+    </dgm:style>
+  </dgm:styleLbl>
+  <dgm:styleLbl name="sibTrans2D1">
+    <dgm:scene3d>
+      <a:camera prst="orthographicFront"/>
+      <a:lightRig rig="threePt" dir="t"/>
+    </dgm:scene3d>
+    <dgm:sp3d/>
+    <dgm:txPr/>
+    <dgm:style>
+      <a:lnRef idx="0">
+        <a:scrgbClr r="0" g="0" b="0"/>
+      </a:lnRef>
+      <a:fillRef idx="3">
+        <a:scrgbClr r="0" g="0" b="0"/>
+      </a:fillRef>
+      <a:effectRef idx="2">
+        <a:scrgbClr r="0" g="0" b="0"/>
+      </a:effectRef>
+      <a:fontRef idx="minor">
+        <a:schemeClr val="lt1"/>
+      </a:fontRef>
+    </dgm:style>
+  </dgm:styleLbl>
+  <dgm:styleLbl name="fgSibTrans2D1">
+    <dgm:scene3d>
+      <a:camera prst="orthographicFront"/>
+      <a:lightRig rig="threePt" dir="t"/>
+    </dgm:scene3d>
+    <dgm:sp3d/>
+    <dgm:txPr/>
+    <dgm:style>
+      <a:lnRef idx="0">
+        <a:scrgbClr r="0" g="0" b="0"/>
+      </a:lnRef>
+      <a:fillRef idx="3">
+        <a:scrgbClr r="0" g="0" b="0"/>
+      </a:fillRef>
+      <a:effectRef idx="2">
+        <a:scrgbClr r="0" g="0" b="0"/>
+      </a:effectRef>
+      <a:fontRef idx="minor">
+        <a:schemeClr val="lt1"/>
+      </a:fontRef>
+    </dgm:style>
+  </dgm:styleLbl>
+  <dgm:styleLbl name="bgSibTrans2D1">
+    <dgm:scene3d>
+      <a:camera prst="orthographicFront"/>
+      <a:lightRig rig="threePt" dir="t"/>
+    </dgm:scene3d>
+    <dgm:sp3d/>
+    <dgm:txPr/>
+    <dgm:style>
+      <a:lnRef idx="0">
+        <a:scrgbClr r="0" g="0" b="0"/>
+      </a:lnRef>
+      <a:fillRef idx="3">
+        <a:scrgbClr r="0" g="0" b="0"/>
+      </a:fillRef>
+      <a:effectRef idx="2">
+        <a:scrgbClr r="0" g="0" b="0"/>
+      </a:effectRef>
+      <a:fontRef idx="minor">
+        <a:schemeClr val="lt1"/>
+      </a:fontRef>
+    </dgm:style>
+  </dgm:styleLbl>
+  <dgm:styleLbl name="sibTrans1D1">
+    <dgm:scene3d>
+      <a:camera prst="orthographicFront"/>
+      <a:lightRig rig="threePt" dir="t"/>
+    </dgm:scene3d>
+    <dgm:sp3d/>
+    <dgm:txPr/>
+    <dgm:style>
+      <a:lnRef idx="1">
+        <a:scrgbClr r="0" g="0" b="0"/>
+      </a:lnRef>
+      <a:fillRef idx="0">
+        <a:scrgbClr r="0" g="0" b="0"/>
+      </a:fillRef>
+      <a:effectRef idx="0">
+        <a:scrgbClr r="0" g="0" b="0"/>
+      </a:effectRef>
+      <a:fontRef idx="minor"/>
+    </dgm:style>
+  </dgm:styleLbl>
+  <dgm:styleLbl name="callout">
+    <dgm:scene3d>
+      <a:camera prst="orthographicFront"/>
+      <a:lightRig rig="threePt" dir="t"/>
+    </dgm:scene3d>
+    <dgm:sp3d/>
+    <dgm:txPr/>
+    <dgm:style>
+      <a:lnRef idx="2">
+        <a:scrgbClr r="0" g="0" b="0"/>
+      </a:lnRef>
+      <a:fillRef idx="1">
+        <a:scrgbClr r="0" g="0" b="0"/>
+      </a:fillRef>
+      <a:effectRef idx="1">
+        <a:scrgbClr r="0" g="0" b="0"/>
+      </a:effectRef>
+      <a:fontRef idx="minor"/>
+    </dgm:style>
+  </dgm:styleLbl>
+  <dgm:styleLbl name="asst0">
+    <dgm:scene3d>
+      <a:camera prst="orthographicFront"/>
+      <a:lightRig rig="threePt" dir="t"/>
+    </dgm:scene3d>
+    <dgm:sp3d/>
+    <dgm:txPr/>
+    <dgm:style>
+      <a:lnRef idx="0">
+        <a:scrgbClr r="0" g="0" b="0"/>
+      </a:lnRef>
+      <a:fillRef idx="3">
+        <a:scrgbClr r="0" g="0" b="0"/>
+      </a:fillRef>
+      <a:effectRef idx="2">
+        <a:scrgbClr r="0" g="0" b="0"/>
+      </a:effectRef>
+      <a:fontRef idx="minor">
+        <a:schemeClr val="lt1"/>
+      </a:fontRef>
+    </dgm:style>
+  </dgm:styleLbl>
+  <dgm:styleLbl name="asst1">
+    <dgm:scene3d>
+      <a:camera prst="orthographicFront"/>
+      <a:lightRig rig="threePt" dir="t"/>
+    </dgm:scene3d>
+    <dgm:sp3d/>
+    <dgm:txPr/>
+    <dgm:style>
+      <a:lnRef idx="0">
+        <a:scrgbClr r="0" g="0" b="0"/>
+      </a:lnRef>
+      <a:fillRef idx="3">
+        <a:scrgbClr r="0" g="0" b="0"/>
+      </a:fillRef>
+      <a:effectRef idx="2">
+        <a:scrgbClr r="0" g="0" b="0"/>
+      </a:effectRef>
+      <a:fontRef idx="minor">
+        <a:schemeClr val="lt1"/>
+      </a:fontRef>
+    </dgm:style>
+  </dgm:styleLbl>
+  <dgm:styleLbl name="asst2">
+    <dgm:scene3d>
+      <a:camera prst="orthographicFront"/>
+      <a:lightRig rig="threePt" dir="t"/>
+    </dgm:scene3d>
+    <dgm:sp3d/>
+    <dgm:txPr/>
+    <dgm:style>
+      <a:lnRef idx="0">
+        <a:scrgbClr r="0" g="0" b="0"/>
+      </a:lnRef>
+      <a:fillRef idx="3">
+        <a:scrgbClr r="0" g="0" b="0"/>
+      </a:fillRef>
+      <a:effectRef idx="2">
+        <a:scrgbClr r="0" g="0" b="0"/>
+      </a:effectRef>
+      <a:fontRef idx="minor">
+        <a:schemeClr val="lt1"/>
+      </a:fontRef>
+    </dgm:style>
+  </dgm:styleLbl>
+  <dgm:styleLbl name="asst3">
+    <dgm:scene3d>
+      <a:camera prst="orthographicFront"/>
+      <a:lightRig rig="threePt" dir="t"/>
+    </dgm:scene3d>
+    <dgm:sp3d/>
+    <dgm:txPr/>
+    <dgm:style>
+      <a:lnRef idx="0">
+        <a:scrgbClr r="0" g="0" b="0"/>
+      </a:lnRef>
+      <a:fillRef idx="3">
+        <a:scrgbClr r="0" g="0" b="0"/>
+      </a:fillRef>
+      <a:effectRef idx="2">
+        <a:scrgbClr r="0" g="0" b="0"/>
+      </a:effectRef>
+      <a:fontRef idx="minor">
+        <a:schemeClr val="lt1"/>
+      </a:fontRef>
+    </dgm:style>
+  </dgm:styleLbl>
+  <dgm:styleLbl name="asst4">
+    <dgm:scene3d>
+      <a:camera prst="orthographicFront"/>
+      <a:lightRig rig="threePt" dir="t"/>
+    </dgm:scene3d>
+    <dgm:sp3d/>
+    <dgm:txPr/>
+    <dgm:style>
+      <a:lnRef idx="0">
+        <a:scrgbClr r="0" g="0" b="0"/>
+      </a:lnRef>
+      <a:fillRef idx="3">
+        <a:scrgbClr r="0" g="0" b="0"/>
+      </a:fillRef>
+      <a:effectRef idx="2">
+        <a:scrgbClr r="0" g="0" b="0"/>
+      </a:effectRef>
+      <a:fontRef idx="minor">
+        <a:schemeClr val="lt1"/>
+      </a:fontRef>
+    </dgm:style>
+  </dgm:styleLbl>
+  <dgm:styleLbl name="parChTrans2D1">
+    <dgm:scene3d>
+      <a:camera prst="orthographicFront"/>
+      <a:lightRig rig="threePt" dir="t"/>
+    </dgm:scene3d>
+    <dgm:sp3d/>
+    <dgm:txPr/>
+    <dgm:style>
+      <a:lnRef idx="0">
+        <a:scrgbClr r="0" g="0" b="0"/>
+      </a:lnRef>
+      <a:fillRef idx="3">
+        <a:scrgbClr r="0" g="0" b="0"/>
+      </a:fillRef>
+      <a:effectRef idx="2">
+        <a:scrgbClr r="0" g="0" b="0"/>
+      </a:effectRef>
+      <a:fontRef idx="minor">
+        <a:schemeClr val="lt1"/>
+      </a:fontRef>
+    </dgm:style>
+  </dgm:styleLbl>
+  <dgm:styleLbl name="parChTrans2D2">
+    <dgm:scene3d>
+      <a:camera prst="orthographicFront"/>
+      <a:lightRig rig="threePt" dir="t"/>
+    </dgm:scene3d>
+    <dgm:sp3d/>
+    <dgm:txPr/>
+    <dgm:style>
+      <a:lnRef idx="0">
+        <a:scrgbClr r="0" g="0" b="0"/>
+      </a:lnRef>
+      <a:fillRef idx="3">
+        <a:scrgbClr r="0" g="0" b="0"/>
+      </a:fillRef>
+      <a:effectRef idx="2">
+        <a:scrgbClr r="0" g="0" b="0"/>
+      </a:effectRef>
+      <a:fontRef idx="minor">
+        <a:schemeClr val="lt1"/>
+      </a:fontRef>
+    </dgm:style>
+  </dgm:styleLbl>
+  <dgm:styleLbl name="parChTrans2D3">
+    <dgm:scene3d>
+      <a:camera prst="orthographicFront"/>
+      <a:lightRig rig="threePt" dir="t"/>
+    </dgm:scene3d>
+    <dgm:sp3d/>
+    <dgm:txPr/>
+    <dgm:style>
+      <a:lnRef idx="1">
+        <a:scrgbClr r="0" g="0" b="0"/>
+      </a:lnRef>
+      <a:fillRef idx="3">
+        <a:scrgbClr r="0" g="0" b="0"/>
+      </a:fillRef>
+      <a:effectRef idx="2">
+        <a:scrgbClr r="0" g="0" b="0"/>
+      </a:effectRef>
+      <a:fontRef idx="minor">
+        <a:schemeClr val="lt1"/>
+      </a:fontRef>
+    </dgm:style>
+  </dgm:styleLbl>
+  <dgm:styleLbl name="parChTrans2D4">
+    <dgm:scene3d>
+      <a:camera prst="orthographicFront"/>
+      <a:lightRig rig="threePt" dir="t"/>
+    </dgm:scene3d>
+    <dgm:sp3d/>
+    <dgm:txPr/>
+    <dgm:style>
+      <a:lnRef idx="1">
+        <a:scrgbClr r="0" g="0" b="0"/>
+      </a:lnRef>
+      <a:fillRef idx="3">
+        <a:scrgbClr r="0" g="0" b="0"/>
+      </a:fillRef>
+      <a:effectRef idx="2">
+        <a:scrgbClr r="0" g="0" b="0"/>
+      </a:effectRef>
+      <a:fontRef idx="minor">
+        <a:schemeClr val="lt1"/>
+      </a:fontRef>
+    </dgm:style>
+  </dgm:styleLbl>
+  <dgm:styleLbl name="parChTrans1D1">
+    <dgm:scene3d>
+      <a:camera prst="orthographicFront"/>
+      <a:lightRig rig="threePt" dir="t"/>
+    </dgm:scene3d>
+    <dgm:sp3d/>
+    <dgm:txPr/>
+    <dgm:style>
+      <a:lnRef idx="1">
+        <a:scrgbClr r="0" g="0" b="0"/>
+      </a:lnRef>
+      <a:fillRef idx="0">
+        <a:scrgbClr r="0" g="0" b="0"/>
+      </a:fillRef>
+      <a:effectRef idx="0">
+        <a:scrgbClr r="0" g="0" b="0"/>
+      </a:effectRef>
+      <a:fontRef idx="minor"/>
+    </dgm:style>
+  </dgm:styleLbl>
+  <dgm:styleLbl name="parChTrans1D2">
+    <dgm:scene3d>
+      <a:camera prst="orthographicFront"/>
+      <a:lightRig rig="threePt" dir="t"/>
+    </dgm:scene3d>
+    <dgm:sp3d/>
+    <dgm:txPr/>
+    <dgm:style>
+      <a:lnRef idx="1">
+        <a:scrgbClr r="0" g="0" b="0"/>
+      </a:lnRef>
+      <a:fillRef idx="0">
+        <a:scrgbClr r="0" g="0" b="0"/>
+      </a:fillRef>
+      <a:effectRef idx="0">
+        <a:scrgbClr r="0" g="0" b="0"/>
+      </a:effectRef>
+      <a:fontRef idx="minor"/>
+    </dgm:style>
+  </dgm:styleLbl>
+  <dgm:styleLbl name="parChTrans1D3">
+    <dgm:scene3d>
+      <a:camera prst="orthographicFront"/>
+      <a:lightRig rig="threePt" dir="t"/>
+    </dgm:scene3d>
+    <dgm:sp3d/>
+    <dgm:txPr/>
+    <dgm:style>
+      <a:lnRef idx="1">
+        <a:scrgbClr r="0" g="0" b="0"/>
+      </a:lnRef>
+      <a:fillRef idx="0">
+        <a:scrgbClr r="0" g="0" b="0"/>
+      </a:fillRef>
+      <a:effectRef idx="0">
+        <a:scrgbClr r="0" g="0" b="0"/>
+      </a:effectRef>
+      <a:fontRef idx="minor"/>
+    </dgm:style>
+  </dgm:styleLbl>
+  <dgm:styleLbl name="parChTrans1D4">
+    <dgm:scene3d>
+      <a:camera prst="orthographicFront"/>
+      <a:lightRig rig="threePt" dir="t"/>
+    </dgm:scene3d>
+    <dgm:sp3d/>
+    <dgm:txPr/>
+    <dgm:style>
+      <a:lnRef idx="1">
+        <a:scrgbClr r="0" g="0" b="0"/>
+      </a:lnRef>
+      <a:fillRef idx="0">
+        <a:scrgbClr r="0" g="0" b="0"/>
+      </a:fillRef>
+      <a:effectRef idx="0">
+        <a:scrgbClr r="0" g="0" b="0"/>
+      </a:effectRef>
+      <a:fontRef idx="minor"/>
+    </dgm:style>
+  </dgm:styleLbl>
+  <dgm:styleLbl name="fgAcc1">
+    <dgm:scene3d>
+      <a:camera prst="orthographicFront"/>
+      <a:lightRig rig="threePt" dir="t"/>
+    </dgm:scene3d>
+    <dgm:sp3d/>
+    <dgm:txPr/>
+    <dgm:style>
+      <a:lnRef idx="1">
+        <a:scrgbClr r="0" g="0" b="0"/>
+      </a:lnRef>
+      <a:fillRef idx="1">
+        <a:scrgbClr r="0" g="0" b="0"/>
+      </a:fillRef>
+      <a:effectRef idx="0">
+        <a:scrgbClr r="0" g="0" b="0"/>
+      </a:effectRef>
+      <a:fontRef idx="minor"/>
+    </dgm:style>
+  </dgm:styleLbl>
+  <dgm:styleLbl name="conFgAcc1">
+    <dgm:scene3d>
+      <a:camera prst="orthographicFront"/>
+      <a:lightRig rig="threePt" dir="t"/>
+    </dgm:scene3d>
+    <dgm:sp3d/>
+    <dgm:txPr/>
+    <dgm:style>
+      <a:lnRef idx="1">
+        <a:scrgbClr r="0" g="0" b="0"/>
+      </a:lnRef>
+      <a:fillRef idx="1">
+        <a:scrgbClr r="0" g="0" b="0"/>
+      </a:fillRef>
+      <a:effectRef idx="0">
+        <a:scrgbClr r="0" g="0" b="0"/>
+      </a:effectRef>
+      <a:fontRef idx="minor"/>
+    </dgm:style>
+  </dgm:styleLbl>
+  <dgm:styleLbl name="alignAcc1">
+    <dgm:scene3d>
+      <a:camera prst="orthographicFront"/>
+      <a:lightRig rig="threePt" dir="t"/>
+    </dgm:scene3d>
+    <dgm:sp3d/>
+    <dgm:txPr/>
+    <dgm:style>
+      <a:lnRef idx="1">
+        <a:scrgbClr r="0" g="0" b="0"/>
+      </a:lnRef>
+      <a:fillRef idx="1">
+        <a:scrgbClr r="0" g="0" b="0"/>
+      </a:fillRef>
+      <a:effectRef idx="0">
+        <a:scrgbClr r="0" g="0" b="0"/>
+      </a:effectRef>
+      <a:fontRef idx="minor"/>
+    </dgm:style>
+  </dgm:styleLbl>
+  <dgm:styleLbl name="trAlignAcc1">
+    <dgm:scene3d>
+      <a:camera prst="orthographicFront"/>
+      <a:lightRig rig="threePt" dir="t"/>
+    </dgm:scene3d>
+    <dgm:sp3d/>
+    <dgm:txPr/>
+    <dgm:style>
+      <a:lnRef idx="1">
+        <a:scrgbClr r="0" g="0" b="0"/>
+      </a:lnRef>
+      <a:fillRef idx="1">
+        <a:scrgbClr r="0" g="0" b="0"/>
+      </a:fillRef>
+      <a:effectRef idx="0">
+        <a:scrgbClr r="0" g="0" b="0"/>
+      </a:effectRef>
+      <a:fontRef idx="minor"/>
+    </dgm:style>
+  </dgm:styleLbl>
+  <dgm:styleLbl name="bgAcc1">
+    <dgm:scene3d>
+      <a:camera prst="orthographicFront"/>
+      <a:lightRig rig="threePt" dir="t"/>
+    </dgm:scene3d>
+    <dgm:sp3d/>
+    <dgm:txPr/>
+    <dgm:style>
+      <a:lnRef idx="1">
+        <a:scrgbClr r="0" g="0" b="0"/>
+      </a:lnRef>
+      <a:fillRef idx="1">
+        <a:scrgbClr r="0" g="0" b="0"/>
+      </a:fillRef>
+      <a:effectRef idx="0">
+        <a:scrgbClr r="0" g="0" b="0"/>
+      </a:effectRef>
+      <a:fontRef idx="minor"/>
+    </dgm:style>
+  </dgm:styleLbl>
+  <dgm:styleLbl name="solidFgAcc1">
+    <dgm:scene3d>
+      <a:camera prst="orthographicFront"/>
+      <a:lightRig rig="threePt" dir="t"/>
+    </dgm:scene3d>
+    <dgm:sp3d/>
+    <dgm:txPr/>
+    <dgm:style>
+      <a:lnRef idx="1">
+        <a:scrgbClr r="0" g="0" b="0"/>
+      </a:lnRef>
+      <a:fillRef idx="1">
+        <a:scrgbClr r="0" g="0" b="0"/>
+      </a:fillRef>
+      <a:effectRef idx="0">
+        <a:scrgbClr r="0" g="0" b="0"/>
+      </a:effectRef>
+      <a:fontRef idx="minor"/>
+    </dgm:style>
+  </dgm:styleLbl>
+  <dgm:styleLbl name="solidAlignAcc1">
+    <dgm:scene3d>
+      <a:camera prst="orthographicFront"/>
+      <a:lightRig rig="threePt" dir="t"/>
+    </dgm:scene3d>
+    <dgm:sp3d/>
+    <dgm:txPr/>
+    <dgm:style>
+      <a:lnRef idx="1">
+        <a:scrgbClr r="0" g="0" b="0"/>
+      </a:lnRef>
+      <a:fillRef idx="1">
+        <a:scrgbClr r="0" g="0" b="0"/>
+      </a:fillRef>
+      <a:effectRef idx="0">
+        <a:scrgbClr r="0" g="0" b="0"/>
+      </a:effectRef>
+      <a:fontRef idx="minor"/>
+    </dgm:style>
+  </dgm:styleLbl>
+  <dgm:styleLbl name="solidBgAcc1">
+    <dgm:scene3d>
+      <a:camera prst="orthographicFront"/>
+      <a:lightRig rig="threePt" dir="t"/>
+    </dgm:scene3d>
+    <dgm:sp3d/>
+    <dgm:txPr/>
+    <dgm:style>
+      <a:lnRef idx="1">
+        <a:scrgbClr r="0" g="0" b="0"/>
+      </a:lnRef>
+      <a:fillRef idx="1">
+        <a:scrgbClr r="0" g="0" b="0"/>
+      </a:fillRef>
+      <a:effectRef idx="0">
+        <a:scrgbClr r="0" g="0" b="0"/>
+      </a:effectRef>
+      <a:fontRef idx="minor"/>
+    </dgm:style>
+  </dgm:styleLbl>
+  <dgm:styleLbl name="fgAccFollowNode1">
+    <dgm:scene3d>
+      <a:camera prst="orthographicFront"/>
+      <a:lightRig rig="threePt" dir="t"/>
+    </dgm:scene3d>
+    <dgm:sp3d/>
+    <dgm:txPr/>
+    <dgm:style>
+      <a:lnRef idx="1">
+        <a:scrgbClr r="0" g="0" b="0"/>
+      </a:lnRef>
+      <a:fillRef idx="1">
+        <a:scrgbClr r="0" g="0" b="0"/>
+      </a:fillRef>
+      <a:effectRef idx="0">
+        <a:scrgbClr r="0" g="0" b="0"/>
+      </a:effectRef>
+      <a:fontRef idx="minor"/>
+    </dgm:style>
+  </dgm:styleLbl>
+  <dgm:styleLbl name="alignAccFollowNode1">
+    <dgm:scene3d>
+      <a:camera prst="orthographicFront"/>
+      <a:lightRig rig="threePt" dir="t"/>
+    </dgm:scene3d>
+    <dgm:sp3d/>
+    <dgm:txPr/>
+    <dgm:style>
+      <a:lnRef idx="1">
+        <a:scrgbClr r="0" g="0" b="0"/>
+      </a:lnRef>
+      <a:fillRef idx="1">
+        <a:scrgbClr r="0" g="0" b="0"/>
+      </a:fillRef>
+      <a:effectRef idx="0">
+        <a:scrgbClr r="0" g="0" b="0"/>
+      </a:effectRef>
+      <a:fontRef idx="minor"/>
+    </dgm:style>
+  </dgm:styleLbl>
+  <dgm:styleLbl name="bgAccFollowNode1">
+    <dgm:scene3d>
+      <a:camera prst="orthographicFront"/>
+      <a:lightRig rig="threePt" dir="t"/>
+    </dgm:scene3d>
+    <dgm:sp3d/>
+    <dgm:txPr/>
+    <dgm:style>
+      <a:lnRef idx="1">
+        <a:scrgbClr r="0" g="0" b="0"/>
+      </a:lnRef>
+      <a:fillRef idx="1">
+        <a:scrgbClr r="0" g="0" b="0"/>
+      </a:fillRef>
+      <a:effectRef idx="0">
+        <a:scrgbClr r="0" g="0" b="0"/>
+      </a:effectRef>
+      <a:fontRef idx="minor"/>
+    </dgm:style>
+  </dgm:styleLbl>
+  <dgm:styleLbl name="fgAcc0">
+    <dgm:scene3d>
+      <a:camera prst="orthographicFront"/>
+      <a:lightRig rig="threePt" dir="t"/>
+    </dgm:scene3d>
+    <dgm:sp3d/>
+    <dgm:txPr/>
+    <dgm:style>
+      <a:lnRef idx="1">
+        <a:scrgbClr r="0" g="0" b="0"/>
+      </a:lnRef>
+      <a:fillRef idx="1">
+        <a:scrgbClr r="0" g="0" b="0"/>
+      </a:fillRef>
+      <a:effectRef idx="0">
+        <a:scrgbClr r="0" g="0" b="0"/>
+      </a:effectRef>
+      <a:fontRef idx="minor"/>
+    </dgm:style>
+  </dgm:styleLbl>
+  <dgm:styleLbl name="fgAcc2">
+    <dgm:scene3d>
+      <a:camera prst="orthographicFront"/>
+      <a:lightRig rig="threePt" dir="t"/>
+    </dgm:scene3d>
+    <dgm:sp3d/>
+    <dgm:txPr/>
+    <dgm:style>
+      <a:lnRef idx="1">
+        <a:scrgbClr r="0" g="0" b="0"/>
+      </a:lnRef>
+      <a:fillRef idx="1">
+        <a:scrgbClr r="0" g="0" b="0"/>
+      </a:fillRef>
+      <a:effectRef idx="0">
+        <a:scrgbClr r="0" g="0" b="0"/>
+      </a:effectRef>
+      <a:fontRef idx="minor"/>
+    </dgm:style>
+  </dgm:styleLbl>
+  <dgm:styleLbl name="fgAcc3">
+    <dgm:scene3d>
+      <a:camera prst="orthographicFront"/>
+      <a:lightRig rig="threePt" dir="t"/>
+    </dgm:scene3d>
+    <dgm:sp3d/>
+    <dgm:txPr/>
+    <dgm:style>
+      <a:lnRef idx="1">
+        <a:scrgbClr r="0" g="0" b="0"/>
+      </a:lnRef>
+      <a:fillRef idx="1">
+        <a:scrgbClr r="0" g="0" b="0"/>
+      </a:fillRef>
+      <a:effectRef idx="0">
+        <a:scrgbClr r="0" g="0" b="0"/>
+      </a:effectRef>
+      <a:fontRef idx="minor"/>
+    </dgm:style>
+  </dgm:styleLbl>
+  <dgm:styleLbl name="fgAcc4">
+    <dgm:scene3d>
+      <a:camera prst="orthographicFront"/>
+      <a:lightRig rig="threePt" dir="t"/>
+    </dgm:scene3d>
+    <dgm:sp3d/>
+    <dgm:txPr/>
+    <dgm:style>
+      <a:lnRef idx="1">
+        <a:scrgbClr r="0" g="0" b="0"/>
+      </a:lnRef>
+      <a:fillRef idx="1">
+        <a:scrgbClr r="0" g="0" b="0"/>
+      </a:fillRef>
+      <a:effectRef idx="0">
+        <a:scrgbClr r="0" g="0" b="0"/>
+      </a:effectRef>
+      <a:fontRef idx="minor"/>
+    </dgm:style>
+  </dgm:styleLbl>
+  <dgm:styleLbl name="bgShp">
+    <dgm:scene3d>
+      <a:camera prst="orthographicFront"/>
+      <a:lightRig rig="threePt" dir="t"/>
+    </dgm:scene3d>
+    <dgm:sp3d/>
+    <dgm:txPr/>
+    <dgm:style>
+      <a:lnRef idx="0">
+        <a:scrgbClr r="0" g="0" b="0"/>
+      </a:lnRef>
+      <a:fillRef idx="1">
+        <a:scrgbClr r="0" g="0" b="0"/>
+      </a:fillRef>
+      <a:effectRef idx="2">
+        <a:scrgbClr r="0" g="0" b="0"/>
+      </a:effectRef>
+      <a:fontRef idx="minor"/>
+    </dgm:style>
+  </dgm:styleLbl>
+  <dgm:styleLbl name="dkBgShp">
+    <dgm:scene3d>
+      <a:camera prst="orthographicFront"/>
+      <a:lightRig rig="threePt" dir="t"/>
+    </dgm:scene3d>
+    <dgm:sp3d/>
+    <dgm:txPr/>
+    <dgm:style>
+      <a:lnRef idx="0">
+        <a:scrgbClr r="0" g="0" b="0"/>
+      </a:lnRef>
+      <a:fillRef idx="1">
+        <a:scrgbClr r="0" g="0" b="0"/>
+      </a:fillRef>
+      <a:effectRef idx="2">
+        <a:scrgbClr r="0" g="0" b="0"/>
+      </a:effectRef>
+      <a:fontRef idx="minor"/>
+    </dgm:style>
+  </dgm:styleLbl>
+  <dgm:styleLbl name="trBgShp">
+    <dgm:scene3d>
+      <a:camera prst="orthographicFront"/>
+      <a:lightRig rig="threePt" dir="t"/>
+    </dgm:scene3d>
+    <dgm:sp3d/>
+    <dgm:txPr/>
+    <dgm:style>
+      <a:lnRef idx="0">
+        <a:scrgbClr r="0" g="0" b="0"/>
+      </a:lnRef>
+      <a:fillRef idx="1">
+        <a:scrgbClr r="0" g="0" b="0"/>
+      </a:fillRef>
+      <a:effectRef idx="0">
+        <a:scrgbClr r="0" g="0" b="0"/>
+      </a:effectRef>
+      <a:fontRef idx="minor"/>
+    </dgm:style>
+  </dgm:styleLbl>
+  <dgm:styleLbl name="fgShp">
+    <dgm:scene3d>
+      <a:camera prst="orthographicFront"/>
+      <a:lightRig rig="threePt" dir="t"/>
+    </dgm:scene3d>
+    <dgm:sp3d/>
+    <dgm:txPr/>
+    <dgm:style>
+      <a:lnRef idx="0">
+        <a:scrgbClr r="0" g="0" b="0"/>
+      </a:lnRef>
+      <a:fillRef idx="3">
+        <a:scrgbClr r="0" g="0" b="0"/>
+      </a:fillRef>
+      <a:effectRef idx="2">
+        <a:scrgbClr r="0" g="0" b="0"/>
+      </a:effectRef>
+      <a:fontRef idx="minor"/>
+    </dgm:style>
+  </dgm:styleLbl>
+  <dgm:styleLbl name="revTx">
+    <dgm:scene3d>
+      <a:camera prst="orthographicFront"/>
+      <a:lightRig rig="threePt" dir="t"/>
+    </dgm:scene3d>
+    <dgm:sp3d/>
+    <dgm:txPr/>
+    <dgm:style>
+      <a:lnRef idx="0">
+        <a:scrgbClr r="0" g="0" b="0"/>
+      </a:lnRef>
+      <a:fillRef idx="0">
+        <a:scrgbClr r="0" g="0" b="0"/>
+      </a:fillRef>
+      <a:effectRef idx="0">
+        <a:scrgbClr r="0" g="0" b="0"/>
+      </a:effectRef>
+      <a:fontRef idx="minor"/>
+    </dgm:style>
+  </dgm:styleLbl>
+</dgm:styleDef>
+</file>
+
+<file path=ppt/diagrams/quickStyle2.xml><?xml version="1.0" encoding="utf-8"?>
 <dgm:styleDef xmlns:dgm="http://schemas.openxmlformats.org/drawingml/2006/diagram" xmlns:a="http://schemas.openxmlformats.org/drawingml/2006/main" uniqueId="urn:microsoft.com/office/officeart/2005/8/quickstyle/simple4">
   <dgm:title val=""/>
   <dgm:desc val=""/>
@@ -3988,7 +6969,7 @@
             <a:fld id="{B61BEF0D-F0BB-DE4B-95CE-6DB70DBA9567}" type="datetimeFigureOut">
               <a:rPr lang="en-US" dirty="0"/>
               <a:pPr/>
-              <a:t>5/21/16</a:t>
+              <a:t>6/21/16</a:t>
             </a:fld>
             <a:endParaRPr lang="en-US" dirty="0"/>
           </a:p>
@@ -4421,7 +7402,7 @@
             <a:fld id="{B61BEF0D-F0BB-DE4B-95CE-6DB70DBA9567}" type="datetimeFigureOut">
               <a:rPr lang="en-US" dirty="0"/>
               <a:pPr/>
-              <a:t>5/21/16</a:t>
+              <a:t>6/21/16</a:t>
             </a:fld>
             <a:endParaRPr lang="en-US" dirty="0"/>
           </a:p>
@@ -4668,7 +7649,7 @@
             <a:fld id="{B61BEF0D-F0BB-DE4B-95CE-6DB70DBA9567}" type="datetimeFigureOut">
               <a:rPr lang="en-US" dirty="0"/>
               <a:pPr/>
-              <a:t>5/21/16</a:t>
+              <a:t>6/21/16</a:t>
             </a:fld>
             <a:endParaRPr lang="en-US" dirty="0"/>
           </a:p>
@@ -4973,7 +7954,7 @@
             <a:fld id="{B61BEF0D-F0BB-DE4B-95CE-6DB70DBA9567}" type="datetimeFigureOut">
               <a:rPr lang="en-US" dirty="0"/>
               <a:pPr/>
-              <a:t>5/21/16</a:t>
+              <a:t>6/21/16</a:t>
             </a:fld>
             <a:endParaRPr lang="en-US" dirty="0"/>
           </a:p>
@@ -5288,7 +8269,7 @@
             <a:fld id="{B61BEF0D-F0BB-DE4B-95CE-6DB70DBA9567}" type="datetimeFigureOut">
               <a:rPr lang="en-US" dirty="0"/>
               <a:pPr/>
-              <a:t>5/21/16</a:t>
+              <a:t>6/21/16</a:t>
             </a:fld>
             <a:endParaRPr lang="en-US" dirty="0"/>
           </a:p>
@@ -5587,7 +8568,7 @@
             <a:fld id="{B61BEF0D-F0BB-DE4B-95CE-6DB70DBA9567}" type="datetimeFigureOut">
               <a:rPr lang="en-US" dirty="0"/>
               <a:pPr/>
-              <a:t>5/21/16</a:t>
+              <a:t>6/21/16</a:t>
             </a:fld>
             <a:endParaRPr lang="en-US" dirty="0"/>
           </a:p>
@@ -5951,7 +8932,7 @@
             <a:fld id="{B61BEF0D-F0BB-DE4B-95CE-6DB70DBA9567}" type="datetimeFigureOut">
               <a:rPr lang="en-US" dirty="0"/>
               <a:pPr/>
-              <a:t>5/21/16</a:t>
+              <a:t>6/21/16</a:t>
             </a:fld>
             <a:endParaRPr lang="en-US" dirty="0"/>
           </a:p>
@@ -6122,7 +9103,7 @@
             <a:fld id="{B61BEF0D-F0BB-DE4B-95CE-6DB70DBA9567}" type="datetimeFigureOut">
               <a:rPr lang="en-US" dirty="0"/>
               <a:pPr/>
-              <a:t>5/21/16</a:t>
+              <a:t>6/21/16</a:t>
             </a:fld>
             <a:endParaRPr lang="en-US" dirty="0"/>
           </a:p>
@@ -6299,7 +9280,7 @@
             <a:fld id="{B61BEF0D-F0BB-DE4B-95CE-6DB70DBA9567}" type="datetimeFigureOut">
               <a:rPr lang="en-US" dirty="0"/>
               <a:pPr/>
-              <a:t>5/21/16</a:t>
+              <a:t>6/21/16</a:t>
             </a:fld>
             <a:endParaRPr lang="en-US" dirty="0"/>
           </a:p>
@@ -6466,7 +9447,7 @@
             <a:fld id="{B61BEF0D-F0BB-DE4B-95CE-6DB70DBA9567}" type="datetimeFigureOut">
               <a:rPr lang="en-US" dirty="0"/>
               <a:pPr/>
-              <a:t>5/21/16</a:t>
+              <a:t>6/21/16</a:t>
             </a:fld>
             <a:endParaRPr lang="en-US" dirty="0"/>
           </a:p>
@@ -6713,7 +9694,7 @@
             <a:fld id="{B61BEF0D-F0BB-DE4B-95CE-6DB70DBA9567}" type="datetimeFigureOut">
               <a:rPr lang="en-US" dirty="0"/>
               <a:pPr/>
-              <a:t>5/21/16</a:t>
+              <a:t>6/21/16</a:t>
             </a:fld>
             <a:endParaRPr lang="en-US" dirty="0"/>
           </a:p>
@@ -6946,7 +9927,7 @@
             <a:fld id="{B61BEF0D-F0BB-DE4B-95CE-6DB70DBA9567}" type="datetimeFigureOut">
               <a:rPr lang="en-US" dirty="0"/>
               <a:pPr/>
-              <a:t>5/21/16</a:t>
+              <a:t>6/21/16</a:t>
             </a:fld>
             <a:endParaRPr lang="en-US" dirty="0"/>
           </a:p>
@@ -7325,7 +10306,7 @@
             <a:fld id="{B61BEF0D-F0BB-DE4B-95CE-6DB70DBA9567}" type="datetimeFigureOut">
               <a:rPr lang="en-US" dirty="0"/>
               <a:pPr/>
-              <a:t>5/21/16</a:t>
+              <a:t>6/21/16</a:t>
             </a:fld>
             <a:endParaRPr lang="en-US" dirty="0"/>
           </a:p>
@@ -7440,7 +10421,7 @@
             <a:fld id="{B61BEF0D-F0BB-DE4B-95CE-6DB70DBA9567}" type="datetimeFigureOut">
               <a:rPr lang="en-US" dirty="0"/>
               <a:pPr/>
-              <a:t>5/21/16</a:t>
+              <a:t>6/21/16</a:t>
             </a:fld>
             <a:endParaRPr lang="en-US" dirty="0"/>
           </a:p>
@@ -7532,7 +10513,7 @@
             <a:fld id="{B61BEF0D-F0BB-DE4B-95CE-6DB70DBA9567}" type="datetimeFigureOut">
               <a:rPr lang="en-US" dirty="0"/>
               <a:pPr/>
-              <a:t>5/21/16</a:t>
+              <a:t>6/21/16</a:t>
             </a:fld>
             <a:endParaRPr lang="en-US" dirty="0"/>
           </a:p>
@@ -7784,7 +10765,7 @@
             <a:fld id="{B61BEF0D-F0BB-DE4B-95CE-6DB70DBA9567}" type="datetimeFigureOut">
               <a:rPr lang="en-US" dirty="0"/>
               <a:pPr/>
-              <a:t>5/21/16</a:t>
+              <a:t>6/21/16</a:t>
             </a:fld>
             <a:endParaRPr lang="en-US" dirty="0"/>
           </a:p>
@@ -8064,7 +11045,7 @@
             <a:fld id="{B61BEF0D-F0BB-DE4B-95CE-6DB70DBA9567}" type="datetimeFigureOut">
               <a:rPr lang="en-US" dirty="0"/>
               <a:pPr/>
-              <a:t>5/21/16</a:t>
+              <a:t>6/21/16</a:t>
             </a:fld>
             <a:endParaRPr lang="en-US" dirty="0"/>
           </a:p>
@@ -8467,7 +11448,7 @@
             <a:fld id="{B61BEF0D-F0BB-DE4B-95CE-6DB70DBA9567}" type="datetimeFigureOut">
               <a:rPr lang="en-US" dirty="0"/>
               <a:pPr/>
-              <a:t>5/21/16</a:t>
+              <a:t>6/21/16</a:t>
             </a:fld>
             <a:endParaRPr lang="en-US" dirty="0"/>
           </a:p>
@@ -9361,9 +12342,157 @@
           <a:chExt cx="0" cy="0"/>
         </a:xfrm>
       </p:grpSpPr>
+      <p:pic>
+        <p:nvPicPr>
+          <p:cNvPr id="4" name="內容版面配置區 3"/>
+          <p:cNvPicPr>
+            <a:picLocks noGrp="1" noChangeAspect="1"/>
+          </p:cNvPicPr>
+          <p:nvPr>
+            <p:ph idx="1"/>
+          </p:nvPr>
+        </p:nvPicPr>
+        <p:blipFill>
+          <a:blip r:embed="rId2">
+            <a:extLst>
+              <a:ext uri="{28A0092B-C50C-407E-A947-70E740481C1C}">
+                <a14:useLocalDpi xmlns:a14="http://schemas.microsoft.com/office/drawing/2010/main" val="0"/>
+              </a:ext>
+            </a:extLst>
+          </a:blip>
+          <a:stretch>
+            <a:fillRect/>
+          </a:stretch>
+        </p:blipFill>
+        <p:spPr>
+          <a:xfrm>
+            <a:off x="9051396" y="3765679"/>
+            <a:ext cx="2950371" cy="2950371"/>
+          </a:xfrm>
+        </p:spPr>
+      </p:pic>
       <p:sp>
         <p:nvSpPr>
-          <p:cNvPr id="2" name="標題 1"/>
+          <p:cNvPr id="6" name="文字方塊 5"/>
+          <p:cNvSpPr txBox="1"/>
+          <p:nvPr/>
+        </p:nvSpPr>
+        <p:spPr>
+          <a:xfrm>
+            <a:off x="684212" y="609600"/>
+            <a:ext cx="10898188" cy="923330"/>
+          </a:xfrm>
+          <a:prstGeom prst="rect">
+            <a:avLst/>
+          </a:prstGeom>
+          <a:noFill/>
+        </p:spPr>
+        <p:txBody>
+          <a:bodyPr wrap="square" rtlCol="0">
+            <a:spAutoFit/>
+          </a:bodyPr>
+          <a:lstStyle/>
+          <a:p>
+            <a:pPr algn="ctr"/>
+            <a:r>
+              <a:rPr lang="zh-TW" altLang="en-US" sz="5400" dirty="0"/>
+              <a:t> </a:t>
+            </a:r>
+            <a:r>
+              <a:rPr lang="zh-TW" altLang="en-US" sz="5400" b="1" dirty="0">
+                <a:latin typeface="Hannotate TC" charset="-120"/>
+                <a:ea typeface="Hannotate TC" charset="-120"/>
+                <a:cs typeface="Hannotate TC" charset="-120"/>
+              </a:rPr>
+              <a:t>校園植物導覽 以臺北市立大學為例</a:t>
+            </a:r>
+            <a:endParaRPr kumimoji="1" lang="zh-TW" altLang="en-US" sz="5000" b="1" dirty="0">
+              <a:latin typeface="Hannotate TC" charset="-120"/>
+              <a:ea typeface="Hannotate TC" charset="-120"/>
+              <a:cs typeface="Hannotate TC" charset="-120"/>
+            </a:endParaRPr>
+          </a:p>
+        </p:txBody>
+      </p:sp>
+      <p:sp>
+        <p:nvSpPr>
+          <p:cNvPr id="5" name="文字方塊 4"/>
+          <p:cNvSpPr txBox="1"/>
+          <p:nvPr/>
+        </p:nvSpPr>
+        <p:spPr>
+          <a:xfrm flipH="1">
+            <a:off x="2171697" y="1071265"/>
+            <a:ext cx="1616531" cy="938719"/>
+          </a:xfrm>
+          <a:prstGeom prst="rect">
+            <a:avLst/>
+          </a:prstGeom>
+          <a:noFill/>
+        </p:spPr>
+        <p:txBody>
+          <a:bodyPr wrap="square" rtlCol="0">
+            <a:spAutoFit/>
+          </a:bodyPr>
+          <a:lstStyle/>
+          <a:p>
+            <a:r>
+              <a:rPr kumimoji="1" lang="zh-TW" altLang="en-US" sz="5500" b="1" smtClean="0">
+                <a:latin typeface="Hannotate TC" charset="-120"/>
+                <a:ea typeface="Hannotate TC" charset="-120"/>
+                <a:cs typeface="Hannotate TC" charset="-120"/>
+              </a:rPr>
+              <a:t>動機</a:t>
+            </a:r>
+            <a:endParaRPr kumimoji="1" lang="zh-TW" altLang="en-US" sz="5500" b="1" dirty="0">
+              <a:latin typeface="Hannotate TC" charset="-120"/>
+              <a:ea typeface="Hannotate TC" charset="-120"/>
+              <a:cs typeface="Hannotate TC" charset="-120"/>
+            </a:endParaRPr>
+          </a:p>
+        </p:txBody>
+      </p:sp>
+      <p:sp>
+        <p:nvSpPr>
+          <p:cNvPr id="9" name="文字方塊 8"/>
+          <p:cNvSpPr txBox="1"/>
+          <p:nvPr/>
+        </p:nvSpPr>
+        <p:spPr>
+          <a:xfrm flipH="1">
+            <a:off x="7941126" y="1097501"/>
+            <a:ext cx="1616531" cy="938719"/>
+          </a:xfrm>
+          <a:prstGeom prst="rect">
+            <a:avLst/>
+          </a:prstGeom>
+          <a:noFill/>
+        </p:spPr>
+        <p:txBody>
+          <a:bodyPr wrap="square" rtlCol="0">
+            <a:spAutoFit/>
+          </a:bodyPr>
+          <a:lstStyle/>
+          <a:p>
+            <a:r>
+              <a:rPr kumimoji="1" lang="zh-TW" altLang="en-US" sz="5500" b="1" dirty="0" smtClean="0">
+                <a:latin typeface="Hannotate TC" charset="-120"/>
+                <a:ea typeface="Hannotate TC" charset="-120"/>
+                <a:cs typeface="Hannotate TC" charset="-120"/>
+              </a:rPr>
+              <a:t>目標</a:t>
+            </a:r>
+            <a:endParaRPr kumimoji="1" lang="en-US" altLang="zh-TW" sz="5500" b="1" dirty="0" smtClean="0">
+              <a:latin typeface="Hannotate TC" charset="-120"/>
+              <a:ea typeface="Hannotate TC" charset="-120"/>
+              <a:cs typeface="Hannotate TC" charset="-120"/>
+            </a:endParaRPr>
+          </a:p>
+        </p:txBody>
+      </p:sp>
+      <p:sp>
+        <p:nvSpPr>
+          <p:cNvPr id="10" name="標題 1"/>
           <p:cNvSpPr>
             <a:spLocks noGrp="1"/>
           </p:cNvSpPr>
@@ -9373,24 +12502,1033 @@
         </p:nvSpPr>
         <p:spPr>
           <a:xfrm>
-            <a:off x="684212" y="1675988"/>
-            <a:ext cx="2956455" cy="628359"/>
+            <a:off x="6882244" y="2384967"/>
+            <a:ext cx="3734294" cy="628359"/>
           </a:xfrm>
         </p:spPr>
         <p:txBody>
           <a:bodyPr>
-            <a:normAutofit/>
+            <a:normAutofit fontScale="90000"/>
           </a:bodyPr>
           <a:lstStyle/>
           <a:p>
             <a:r>
               <a:rPr kumimoji="1" lang="zh-TW" altLang="en-US" sz="3000" dirty="0" smtClean="0"/>
-              <a:t>●介紹校園植物</a:t>
+              <a:t>●便利地介紹校園植物</a:t>
             </a:r>
             <a:endParaRPr kumimoji="1" lang="zh-TW" altLang="en-US" sz="3000" dirty="0"/>
           </a:p>
         </p:txBody>
       </p:sp>
+      <p:sp>
+        <p:nvSpPr>
+          <p:cNvPr id="11" name="標題 1"/>
+          <p:cNvSpPr txBox="1">
+            <a:spLocks/>
+          </p:cNvSpPr>
+          <p:nvPr/>
+        </p:nvSpPr>
+        <p:spPr>
+          <a:xfrm>
+            <a:off x="684212" y="2335124"/>
+            <a:ext cx="4704217" cy="628359"/>
+          </a:xfrm>
+          <a:prstGeom prst="rect">
+            <a:avLst/>
+          </a:prstGeom>
+          <a:effectLst/>
+        </p:spPr>
+        <p:txBody>
+          <a:bodyPr vert="horz" lIns="91440" tIns="45720" rIns="91440" bIns="45720" rtlCol="0" anchor="ctr">
+            <a:normAutofit fontScale="92500"/>
+          </a:bodyPr>
+          <a:lstStyle>
+            <a:lvl1pPr algn="l" defTabSz="457200" rtl="0" eaLnBrk="1" latinLnBrk="0" hangingPunct="1">
+              <a:spcBef>
+                <a:spcPct val="0"/>
+              </a:spcBef>
+              <a:buNone/>
+              <a:defRPr sz="3600" kern="1200" cap="all">
+                <a:ln w="3175" cmpd="sng">
+                  <a:noFill/>
+                </a:ln>
+                <a:solidFill>
+                  <a:schemeClr val="tx1"/>
+                </a:solidFill>
+                <a:effectLst/>
+                <a:latin typeface="+mj-lt"/>
+                <a:ea typeface="+mj-ea"/>
+                <a:cs typeface="+mj-cs"/>
+              </a:defRPr>
+            </a:lvl1pPr>
+            <a:lvl2pPr eaLnBrk="1" hangingPunct="1">
+              <a:defRPr>
+                <a:solidFill>
+                  <a:schemeClr val="tx2"/>
+                </a:solidFill>
+              </a:defRPr>
+            </a:lvl2pPr>
+            <a:lvl3pPr eaLnBrk="1" hangingPunct="1">
+              <a:defRPr>
+                <a:solidFill>
+                  <a:schemeClr val="tx2"/>
+                </a:solidFill>
+              </a:defRPr>
+            </a:lvl3pPr>
+            <a:lvl4pPr eaLnBrk="1" hangingPunct="1">
+              <a:defRPr>
+                <a:solidFill>
+                  <a:schemeClr val="tx2"/>
+                </a:solidFill>
+              </a:defRPr>
+            </a:lvl4pPr>
+            <a:lvl5pPr eaLnBrk="1" hangingPunct="1">
+              <a:defRPr>
+                <a:solidFill>
+                  <a:schemeClr val="tx2"/>
+                </a:solidFill>
+              </a:defRPr>
+            </a:lvl5pPr>
+            <a:lvl6pPr eaLnBrk="1" hangingPunct="1">
+              <a:defRPr>
+                <a:solidFill>
+                  <a:schemeClr val="tx2"/>
+                </a:solidFill>
+              </a:defRPr>
+            </a:lvl6pPr>
+            <a:lvl7pPr eaLnBrk="1" hangingPunct="1">
+              <a:defRPr>
+                <a:solidFill>
+                  <a:schemeClr val="tx2"/>
+                </a:solidFill>
+              </a:defRPr>
+            </a:lvl7pPr>
+            <a:lvl8pPr eaLnBrk="1" hangingPunct="1">
+              <a:defRPr>
+                <a:solidFill>
+                  <a:schemeClr val="tx2"/>
+                </a:solidFill>
+              </a:defRPr>
+            </a:lvl8pPr>
+            <a:lvl9pPr eaLnBrk="1" hangingPunct="1">
+              <a:defRPr>
+                <a:solidFill>
+                  <a:schemeClr val="tx2"/>
+                </a:solidFill>
+              </a:defRPr>
+            </a:lvl9pPr>
+          </a:lstStyle>
+          <a:p>
+            <a:r>
+              <a:rPr kumimoji="1" lang="zh-TW" altLang="en-US" sz="3000" dirty="0" smtClean="0"/>
+              <a:t>●本學期參與數位學習概論</a:t>
+            </a:r>
+            <a:endParaRPr kumimoji="1" lang="zh-TW" altLang="en-US" sz="3000" dirty="0"/>
+          </a:p>
+        </p:txBody>
+      </p:sp>
+      <p:sp>
+        <p:nvSpPr>
+          <p:cNvPr id="12" name="標題 1"/>
+          <p:cNvSpPr txBox="1">
+            <a:spLocks/>
+          </p:cNvSpPr>
+          <p:nvPr/>
+        </p:nvSpPr>
+        <p:spPr>
+          <a:xfrm>
+            <a:off x="684211" y="3451497"/>
+            <a:ext cx="4704217" cy="628359"/>
+          </a:xfrm>
+          <a:prstGeom prst="rect">
+            <a:avLst/>
+          </a:prstGeom>
+          <a:effectLst/>
+        </p:spPr>
+        <p:txBody>
+          <a:bodyPr vert="horz" lIns="91440" tIns="45720" rIns="91440" bIns="45720" rtlCol="0" anchor="ctr">
+            <a:normAutofit fontScale="92500"/>
+          </a:bodyPr>
+          <a:lstStyle>
+            <a:lvl1pPr algn="l" defTabSz="457200" rtl="0" eaLnBrk="1" latinLnBrk="0" hangingPunct="1">
+              <a:spcBef>
+                <a:spcPct val="0"/>
+              </a:spcBef>
+              <a:buNone/>
+              <a:defRPr sz="3600" kern="1200" cap="all">
+                <a:ln w="3175" cmpd="sng">
+                  <a:noFill/>
+                </a:ln>
+                <a:solidFill>
+                  <a:schemeClr val="tx1"/>
+                </a:solidFill>
+                <a:effectLst/>
+                <a:latin typeface="+mj-lt"/>
+                <a:ea typeface="+mj-ea"/>
+                <a:cs typeface="+mj-cs"/>
+              </a:defRPr>
+            </a:lvl1pPr>
+            <a:lvl2pPr eaLnBrk="1" hangingPunct="1">
+              <a:defRPr>
+                <a:solidFill>
+                  <a:schemeClr val="tx2"/>
+                </a:solidFill>
+              </a:defRPr>
+            </a:lvl2pPr>
+            <a:lvl3pPr eaLnBrk="1" hangingPunct="1">
+              <a:defRPr>
+                <a:solidFill>
+                  <a:schemeClr val="tx2"/>
+                </a:solidFill>
+              </a:defRPr>
+            </a:lvl3pPr>
+            <a:lvl4pPr eaLnBrk="1" hangingPunct="1">
+              <a:defRPr>
+                <a:solidFill>
+                  <a:schemeClr val="tx2"/>
+                </a:solidFill>
+              </a:defRPr>
+            </a:lvl4pPr>
+            <a:lvl5pPr eaLnBrk="1" hangingPunct="1">
+              <a:defRPr>
+                <a:solidFill>
+                  <a:schemeClr val="tx2"/>
+                </a:solidFill>
+              </a:defRPr>
+            </a:lvl5pPr>
+            <a:lvl6pPr eaLnBrk="1" hangingPunct="1">
+              <a:defRPr>
+                <a:solidFill>
+                  <a:schemeClr val="tx2"/>
+                </a:solidFill>
+              </a:defRPr>
+            </a:lvl6pPr>
+            <a:lvl7pPr eaLnBrk="1" hangingPunct="1">
+              <a:defRPr>
+                <a:solidFill>
+                  <a:schemeClr val="tx2"/>
+                </a:solidFill>
+              </a:defRPr>
+            </a:lvl7pPr>
+            <a:lvl8pPr eaLnBrk="1" hangingPunct="1">
+              <a:defRPr>
+                <a:solidFill>
+                  <a:schemeClr val="tx2"/>
+                </a:solidFill>
+              </a:defRPr>
+            </a:lvl8pPr>
+            <a:lvl9pPr eaLnBrk="1" hangingPunct="1">
+              <a:defRPr>
+                <a:solidFill>
+                  <a:schemeClr val="tx2"/>
+                </a:solidFill>
+              </a:defRPr>
+            </a:lvl9pPr>
+          </a:lstStyle>
+          <a:p>
+            <a:r>
+              <a:rPr kumimoji="1" lang="zh-TW" altLang="en-US" sz="3000" dirty="0" smtClean="0"/>
+              <a:t>●校園許多植物並無解說牌</a:t>
+            </a:r>
+            <a:endParaRPr kumimoji="1" lang="zh-TW" altLang="en-US" sz="3000" dirty="0"/>
+          </a:p>
+        </p:txBody>
+      </p:sp>
+      <p:sp>
+        <p:nvSpPr>
+          <p:cNvPr id="13" name="標題 1"/>
+          <p:cNvSpPr txBox="1">
+            <a:spLocks/>
+          </p:cNvSpPr>
+          <p:nvPr/>
+        </p:nvSpPr>
+        <p:spPr>
+          <a:xfrm>
+            <a:off x="684210" y="4612505"/>
+            <a:ext cx="4851176" cy="628359"/>
+          </a:xfrm>
+          <a:prstGeom prst="rect">
+            <a:avLst/>
+          </a:prstGeom>
+          <a:effectLst/>
+        </p:spPr>
+        <p:txBody>
+          <a:bodyPr vert="horz" lIns="91440" tIns="45720" rIns="91440" bIns="45720" rtlCol="0" anchor="ctr">
+            <a:normAutofit fontScale="92500"/>
+          </a:bodyPr>
+          <a:lstStyle>
+            <a:lvl1pPr algn="l" defTabSz="457200" rtl="0" eaLnBrk="1" latinLnBrk="0" hangingPunct="1">
+              <a:spcBef>
+                <a:spcPct val="0"/>
+              </a:spcBef>
+              <a:buNone/>
+              <a:defRPr sz="3600" kern="1200" cap="all">
+                <a:ln w="3175" cmpd="sng">
+                  <a:noFill/>
+                </a:ln>
+                <a:solidFill>
+                  <a:schemeClr val="tx1"/>
+                </a:solidFill>
+                <a:effectLst/>
+                <a:latin typeface="+mj-lt"/>
+                <a:ea typeface="+mj-ea"/>
+                <a:cs typeface="+mj-cs"/>
+              </a:defRPr>
+            </a:lvl1pPr>
+            <a:lvl2pPr eaLnBrk="1" hangingPunct="1">
+              <a:defRPr>
+                <a:solidFill>
+                  <a:schemeClr val="tx2"/>
+                </a:solidFill>
+              </a:defRPr>
+            </a:lvl2pPr>
+            <a:lvl3pPr eaLnBrk="1" hangingPunct="1">
+              <a:defRPr>
+                <a:solidFill>
+                  <a:schemeClr val="tx2"/>
+                </a:solidFill>
+              </a:defRPr>
+            </a:lvl3pPr>
+            <a:lvl4pPr eaLnBrk="1" hangingPunct="1">
+              <a:defRPr>
+                <a:solidFill>
+                  <a:schemeClr val="tx2"/>
+                </a:solidFill>
+              </a:defRPr>
+            </a:lvl4pPr>
+            <a:lvl5pPr eaLnBrk="1" hangingPunct="1">
+              <a:defRPr>
+                <a:solidFill>
+                  <a:schemeClr val="tx2"/>
+                </a:solidFill>
+              </a:defRPr>
+            </a:lvl5pPr>
+            <a:lvl6pPr eaLnBrk="1" hangingPunct="1">
+              <a:defRPr>
+                <a:solidFill>
+                  <a:schemeClr val="tx2"/>
+                </a:solidFill>
+              </a:defRPr>
+            </a:lvl6pPr>
+            <a:lvl7pPr eaLnBrk="1" hangingPunct="1">
+              <a:defRPr>
+                <a:solidFill>
+                  <a:schemeClr val="tx2"/>
+                </a:solidFill>
+              </a:defRPr>
+            </a:lvl7pPr>
+            <a:lvl8pPr eaLnBrk="1" hangingPunct="1">
+              <a:defRPr>
+                <a:solidFill>
+                  <a:schemeClr val="tx2"/>
+                </a:solidFill>
+              </a:defRPr>
+            </a:lvl8pPr>
+            <a:lvl9pPr eaLnBrk="1" hangingPunct="1">
+              <a:defRPr>
+                <a:solidFill>
+                  <a:schemeClr val="tx2"/>
+                </a:solidFill>
+              </a:defRPr>
+            </a:lvl9pPr>
+          </a:lstStyle>
+          <a:p>
+            <a:r>
+              <a:rPr kumimoji="1" lang="zh-TW" altLang="en-US" sz="3000" dirty="0" smtClean="0"/>
+              <a:t>●引發大家了解自己校園環境</a:t>
+            </a:r>
+            <a:endParaRPr kumimoji="1" lang="zh-TW" altLang="en-US" sz="3000" dirty="0"/>
+          </a:p>
+        </p:txBody>
+      </p:sp>
+      <p:sp>
+        <p:nvSpPr>
+          <p:cNvPr id="7" name="文字方塊 6"/>
+          <p:cNvSpPr txBox="1"/>
+          <p:nvPr/>
+        </p:nvSpPr>
+        <p:spPr>
+          <a:xfrm>
+            <a:off x="6392243" y="3251894"/>
+            <a:ext cx="5609524" cy="1477328"/>
+          </a:xfrm>
+          <a:prstGeom prst="rect">
+            <a:avLst/>
+          </a:prstGeom>
+          <a:noFill/>
+        </p:spPr>
+        <p:txBody>
+          <a:bodyPr wrap="square" rtlCol="0">
+            <a:spAutoFit/>
+          </a:bodyPr>
+          <a:lstStyle/>
+          <a:p>
+            <a:r>
+              <a:rPr kumimoji="1" lang="zh-TW" altLang="en-US" sz="3000" dirty="0"/>
+              <a:t>►</a:t>
+            </a:r>
+            <a:r>
+              <a:rPr kumimoji="1" lang="zh-TW" altLang="en-US" sz="3000" dirty="0" smtClean="0"/>
+              <a:t>製作網頁及</a:t>
+            </a:r>
+            <a:r>
+              <a:rPr kumimoji="1" lang="en-US" altLang="zh-TW" sz="3000" dirty="0" err="1" smtClean="0"/>
+              <a:t>QRcode</a:t>
+            </a:r>
+            <a:r>
+              <a:rPr kumimoji="1" lang="zh-TW" altLang="en-US" sz="3000" dirty="0" smtClean="0"/>
+              <a:t>連結</a:t>
+            </a:r>
+            <a:endParaRPr kumimoji="1" lang="en-US" altLang="zh-TW" sz="3000" dirty="0" smtClean="0"/>
+          </a:p>
+          <a:p>
+            <a:r>
+              <a:rPr kumimoji="1" lang="zh-TW" altLang="en-US" sz="3000" dirty="0"/>
+              <a:t>►製作擴增實境增加使用者興趣</a:t>
+            </a:r>
+            <a:endParaRPr kumimoji="1" lang="en-US" altLang="zh-TW" sz="3000" dirty="0"/>
+          </a:p>
+          <a:p>
+            <a:endParaRPr kumimoji="1" lang="en-US" altLang="zh-TW" sz="3000" dirty="0"/>
+          </a:p>
+        </p:txBody>
+      </p:sp>
+    </p:spTree>
+    <p:extLst>
+      <p:ext uri="{BB962C8B-B14F-4D97-AF65-F5344CB8AC3E}">
+        <p14:creationId xmlns:p14="http://schemas.microsoft.com/office/powerpoint/2010/main" val="1397216790"/>
+      </p:ext>
+    </p:extLst>
+  </p:cSld>
+  <p:clrMapOvr>
+    <a:masterClrMapping/>
+  </p:clrMapOvr>
+  <p:timing>
+    <p:tnLst>
+      <p:par>
+        <p:cTn id="1" dur="indefinite" restart="never" nodeType="tmRoot">
+          <p:childTnLst>
+            <p:seq concurrent="1" nextAc="seek">
+              <p:cTn id="2" dur="indefinite" nodeType="mainSeq">
+                <p:childTnLst>
+                  <p:par>
+                    <p:cTn id="3" fill="hold">
+                      <p:stCondLst>
+                        <p:cond delay="indefinite"/>
+                      </p:stCondLst>
+                      <p:childTnLst>
+                        <p:par>
+                          <p:cTn id="4" fill="hold">
+                            <p:stCondLst>
+                              <p:cond delay="0"/>
+                            </p:stCondLst>
+                            <p:childTnLst>
+                              <p:par>
+                                <p:cTn id="5" presetID="1" presetClass="entr" presetSubtype="0" fill="hold" grpId="0" nodeType="clickEffect">
+                                  <p:stCondLst>
+                                    <p:cond delay="0"/>
+                                  </p:stCondLst>
+                                  <p:childTnLst>
+                                    <p:set>
+                                      <p:cBhvr>
+                                        <p:cTn id="6" dur="1" fill="hold">
+                                          <p:stCondLst>
+                                            <p:cond delay="0"/>
+                                          </p:stCondLst>
+                                        </p:cTn>
+                                        <p:tgtEl>
+                                          <p:spTgt spid="6"/>
+                                        </p:tgtEl>
+                                        <p:attrNameLst>
+                                          <p:attrName>style.visibility</p:attrName>
+                                        </p:attrNameLst>
+                                      </p:cBhvr>
+                                      <p:to>
+                                        <p:strVal val="visible"/>
+                                      </p:to>
+                                    </p:set>
+                                  </p:childTnLst>
+                                </p:cTn>
+                              </p:par>
+                            </p:childTnLst>
+                          </p:cTn>
+                        </p:par>
+                      </p:childTnLst>
+                    </p:cTn>
+                  </p:par>
+                  <p:par>
+                    <p:cTn id="7" fill="hold">
+                      <p:stCondLst>
+                        <p:cond delay="indefinite"/>
+                      </p:stCondLst>
+                      <p:childTnLst>
+                        <p:par>
+                          <p:cTn id="8" fill="hold">
+                            <p:stCondLst>
+                              <p:cond delay="0"/>
+                            </p:stCondLst>
+                            <p:childTnLst>
+                              <p:par>
+                                <p:cTn id="9" presetID="10" presetClass="exit" presetSubtype="0" fill="hold" grpId="1" nodeType="clickEffect">
+                                  <p:stCondLst>
+                                    <p:cond delay="0"/>
+                                  </p:stCondLst>
+                                  <p:childTnLst>
+                                    <p:animEffect transition="out" filter="fade">
+                                      <p:cBhvr>
+                                        <p:cTn id="10" dur="500"/>
+                                        <p:tgtEl>
+                                          <p:spTgt spid="6"/>
+                                        </p:tgtEl>
+                                      </p:cBhvr>
+                                    </p:animEffect>
+                                    <p:set>
+                                      <p:cBhvr>
+                                        <p:cTn id="11" dur="1" fill="hold">
+                                          <p:stCondLst>
+                                            <p:cond delay="499"/>
+                                          </p:stCondLst>
+                                        </p:cTn>
+                                        <p:tgtEl>
+                                          <p:spTgt spid="6"/>
+                                        </p:tgtEl>
+                                        <p:attrNameLst>
+                                          <p:attrName>style.visibility</p:attrName>
+                                        </p:attrNameLst>
+                                      </p:cBhvr>
+                                      <p:to>
+                                        <p:strVal val="hidden"/>
+                                      </p:to>
+                                    </p:set>
+                                  </p:childTnLst>
+                                </p:cTn>
+                              </p:par>
+                            </p:childTnLst>
+                          </p:cTn>
+                        </p:par>
+                      </p:childTnLst>
+                    </p:cTn>
+                  </p:par>
+                  <p:par>
+                    <p:cTn id="12" fill="hold">
+                      <p:stCondLst>
+                        <p:cond delay="indefinite"/>
+                      </p:stCondLst>
+                      <p:childTnLst>
+                        <p:par>
+                          <p:cTn id="13" fill="hold">
+                            <p:stCondLst>
+                              <p:cond delay="0"/>
+                            </p:stCondLst>
+                            <p:childTnLst>
+                              <p:par>
+                                <p:cTn id="14" presetID="2" presetClass="entr" presetSubtype="4" fill="hold" grpId="0" nodeType="clickEffect">
+                                  <p:stCondLst>
+                                    <p:cond delay="0"/>
+                                  </p:stCondLst>
+                                  <p:childTnLst>
+                                    <p:set>
+                                      <p:cBhvr>
+                                        <p:cTn id="15" dur="1" fill="hold">
+                                          <p:stCondLst>
+                                            <p:cond delay="0"/>
+                                          </p:stCondLst>
+                                        </p:cTn>
+                                        <p:tgtEl>
+                                          <p:spTgt spid="5"/>
+                                        </p:tgtEl>
+                                        <p:attrNameLst>
+                                          <p:attrName>style.visibility</p:attrName>
+                                        </p:attrNameLst>
+                                      </p:cBhvr>
+                                      <p:to>
+                                        <p:strVal val="visible"/>
+                                      </p:to>
+                                    </p:set>
+                                    <p:anim calcmode="lin" valueType="num">
+                                      <p:cBhvr additive="base">
+                                        <p:cTn id="16" dur="500" fill="hold"/>
+                                        <p:tgtEl>
+                                          <p:spTgt spid="5"/>
+                                        </p:tgtEl>
+                                        <p:attrNameLst>
+                                          <p:attrName>ppt_x</p:attrName>
+                                        </p:attrNameLst>
+                                      </p:cBhvr>
+                                      <p:tavLst>
+                                        <p:tav tm="0">
+                                          <p:val>
+                                            <p:strVal val="#ppt_x"/>
+                                          </p:val>
+                                        </p:tav>
+                                        <p:tav tm="100000">
+                                          <p:val>
+                                            <p:strVal val="#ppt_x"/>
+                                          </p:val>
+                                        </p:tav>
+                                      </p:tavLst>
+                                    </p:anim>
+                                    <p:anim calcmode="lin" valueType="num">
+                                      <p:cBhvr additive="base">
+                                        <p:cTn id="17" dur="500" fill="hold"/>
+                                        <p:tgtEl>
+                                          <p:spTgt spid="5"/>
+                                        </p:tgtEl>
+                                        <p:attrNameLst>
+                                          <p:attrName>ppt_y</p:attrName>
+                                        </p:attrNameLst>
+                                      </p:cBhvr>
+                                      <p:tavLst>
+                                        <p:tav tm="0">
+                                          <p:val>
+                                            <p:strVal val="1+#ppt_h/2"/>
+                                          </p:val>
+                                        </p:tav>
+                                        <p:tav tm="100000">
+                                          <p:val>
+                                            <p:strVal val="#ppt_y"/>
+                                          </p:val>
+                                        </p:tav>
+                                      </p:tavLst>
+                                    </p:anim>
+                                  </p:childTnLst>
+                                </p:cTn>
+                              </p:par>
+                            </p:childTnLst>
+                          </p:cTn>
+                        </p:par>
+                      </p:childTnLst>
+                    </p:cTn>
+                  </p:par>
+                  <p:par>
+                    <p:cTn id="18" fill="hold">
+                      <p:stCondLst>
+                        <p:cond delay="indefinite"/>
+                      </p:stCondLst>
+                      <p:childTnLst>
+                        <p:par>
+                          <p:cTn id="19" fill="hold">
+                            <p:stCondLst>
+                              <p:cond delay="0"/>
+                            </p:stCondLst>
+                            <p:childTnLst>
+                              <p:par>
+                                <p:cTn id="20" presetID="2" presetClass="entr" presetSubtype="4" fill="hold" grpId="0" nodeType="clickEffect">
+                                  <p:stCondLst>
+                                    <p:cond delay="0"/>
+                                  </p:stCondLst>
+                                  <p:childTnLst>
+                                    <p:set>
+                                      <p:cBhvr>
+                                        <p:cTn id="21" dur="1" fill="hold">
+                                          <p:stCondLst>
+                                            <p:cond delay="0"/>
+                                          </p:stCondLst>
+                                        </p:cTn>
+                                        <p:tgtEl>
+                                          <p:spTgt spid="9"/>
+                                        </p:tgtEl>
+                                        <p:attrNameLst>
+                                          <p:attrName>style.visibility</p:attrName>
+                                        </p:attrNameLst>
+                                      </p:cBhvr>
+                                      <p:to>
+                                        <p:strVal val="visible"/>
+                                      </p:to>
+                                    </p:set>
+                                    <p:anim calcmode="lin" valueType="num">
+                                      <p:cBhvr additive="base">
+                                        <p:cTn id="22" dur="500" fill="hold"/>
+                                        <p:tgtEl>
+                                          <p:spTgt spid="9"/>
+                                        </p:tgtEl>
+                                        <p:attrNameLst>
+                                          <p:attrName>ppt_x</p:attrName>
+                                        </p:attrNameLst>
+                                      </p:cBhvr>
+                                      <p:tavLst>
+                                        <p:tav tm="0">
+                                          <p:val>
+                                            <p:strVal val="#ppt_x"/>
+                                          </p:val>
+                                        </p:tav>
+                                        <p:tav tm="100000">
+                                          <p:val>
+                                            <p:strVal val="#ppt_x"/>
+                                          </p:val>
+                                        </p:tav>
+                                      </p:tavLst>
+                                    </p:anim>
+                                    <p:anim calcmode="lin" valueType="num">
+                                      <p:cBhvr additive="base">
+                                        <p:cTn id="23" dur="500" fill="hold"/>
+                                        <p:tgtEl>
+                                          <p:spTgt spid="9"/>
+                                        </p:tgtEl>
+                                        <p:attrNameLst>
+                                          <p:attrName>ppt_y</p:attrName>
+                                        </p:attrNameLst>
+                                      </p:cBhvr>
+                                      <p:tavLst>
+                                        <p:tav tm="0">
+                                          <p:val>
+                                            <p:strVal val="1+#ppt_h/2"/>
+                                          </p:val>
+                                        </p:tav>
+                                        <p:tav tm="100000">
+                                          <p:val>
+                                            <p:strVal val="#ppt_y"/>
+                                          </p:val>
+                                        </p:tav>
+                                      </p:tavLst>
+                                    </p:anim>
+                                  </p:childTnLst>
+                                </p:cTn>
+                              </p:par>
+                            </p:childTnLst>
+                          </p:cTn>
+                        </p:par>
+                      </p:childTnLst>
+                    </p:cTn>
+                  </p:par>
+                  <p:par>
+                    <p:cTn id="24" fill="hold">
+                      <p:stCondLst>
+                        <p:cond delay="indefinite"/>
+                      </p:stCondLst>
+                      <p:childTnLst>
+                        <p:par>
+                          <p:cTn id="25" fill="hold">
+                            <p:stCondLst>
+                              <p:cond delay="0"/>
+                            </p:stCondLst>
+                            <p:childTnLst>
+                              <p:par>
+                                <p:cTn id="26" presetID="22" presetClass="entr" presetSubtype="4" fill="hold" grpId="0" nodeType="clickEffect">
+                                  <p:stCondLst>
+                                    <p:cond delay="0"/>
+                                  </p:stCondLst>
+                                  <p:childTnLst>
+                                    <p:set>
+                                      <p:cBhvr>
+                                        <p:cTn id="27" dur="1" fill="hold">
+                                          <p:stCondLst>
+                                            <p:cond delay="0"/>
+                                          </p:stCondLst>
+                                        </p:cTn>
+                                        <p:tgtEl>
+                                          <p:spTgt spid="11"/>
+                                        </p:tgtEl>
+                                        <p:attrNameLst>
+                                          <p:attrName>style.visibility</p:attrName>
+                                        </p:attrNameLst>
+                                      </p:cBhvr>
+                                      <p:to>
+                                        <p:strVal val="visible"/>
+                                      </p:to>
+                                    </p:set>
+                                    <p:animEffect transition="in" filter="wipe(down)">
+                                      <p:cBhvr>
+                                        <p:cTn id="28" dur="500"/>
+                                        <p:tgtEl>
+                                          <p:spTgt spid="11"/>
+                                        </p:tgtEl>
+                                      </p:cBhvr>
+                                    </p:animEffect>
+                                  </p:childTnLst>
+                                </p:cTn>
+                              </p:par>
+                            </p:childTnLst>
+                          </p:cTn>
+                        </p:par>
+                      </p:childTnLst>
+                    </p:cTn>
+                  </p:par>
+                  <p:par>
+                    <p:cTn id="29" fill="hold">
+                      <p:stCondLst>
+                        <p:cond delay="indefinite"/>
+                      </p:stCondLst>
+                      <p:childTnLst>
+                        <p:par>
+                          <p:cTn id="30" fill="hold">
+                            <p:stCondLst>
+                              <p:cond delay="0"/>
+                            </p:stCondLst>
+                            <p:childTnLst>
+                              <p:par>
+                                <p:cTn id="31" presetID="22" presetClass="entr" presetSubtype="4" fill="hold" grpId="0" nodeType="clickEffect">
+                                  <p:stCondLst>
+                                    <p:cond delay="0"/>
+                                  </p:stCondLst>
+                                  <p:childTnLst>
+                                    <p:set>
+                                      <p:cBhvr>
+                                        <p:cTn id="32" dur="1" fill="hold">
+                                          <p:stCondLst>
+                                            <p:cond delay="0"/>
+                                          </p:stCondLst>
+                                        </p:cTn>
+                                        <p:tgtEl>
+                                          <p:spTgt spid="12"/>
+                                        </p:tgtEl>
+                                        <p:attrNameLst>
+                                          <p:attrName>style.visibility</p:attrName>
+                                        </p:attrNameLst>
+                                      </p:cBhvr>
+                                      <p:to>
+                                        <p:strVal val="visible"/>
+                                      </p:to>
+                                    </p:set>
+                                    <p:animEffect transition="in" filter="wipe(down)">
+                                      <p:cBhvr>
+                                        <p:cTn id="33" dur="500"/>
+                                        <p:tgtEl>
+                                          <p:spTgt spid="12"/>
+                                        </p:tgtEl>
+                                      </p:cBhvr>
+                                    </p:animEffect>
+                                  </p:childTnLst>
+                                </p:cTn>
+                              </p:par>
+                            </p:childTnLst>
+                          </p:cTn>
+                        </p:par>
+                      </p:childTnLst>
+                    </p:cTn>
+                  </p:par>
+                  <p:par>
+                    <p:cTn id="34" fill="hold">
+                      <p:stCondLst>
+                        <p:cond delay="indefinite"/>
+                      </p:stCondLst>
+                      <p:childTnLst>
+                        <p:par>
+                          <p:cTn id="35" fill="hold">
+                            <p:stCondLst>
+                              <p:cond delay="0"/>
+                            </p:stCondLst>
+                            <p:childTnLst>
+                              <p:par>
+                                <p:cTn id="36" presetID="22" presetClass="entr" presetSubtype="4" fill="hold" grpId="0" nodeType="clickEffect">
+                                  <p:stCondLst>
+                                    <p:cond delay="0"/>
+                                  </p:stCondLst>
+                                  <p:childTnLst>
+                                    <p:set>
+                                      <p:cBhvr>
+                                        <p:cTn id="37" dur="1" fill="hold">
+                                          <p:stCondLst>
+                                            <p:cond delay="0"/>
+                                          </p:stCondLst>
+                                        </p:cTn>
+                                        <p:tgtEl>
+                                          <p:spTgt spid="13"/>
+                                        </p:tgtEl>
+                                        <p:attrNameLst>
+                                          <p:attrName>style.visibility</p:attrName>
+                                        </p:attrNameLst>
+                                      </p:cBhvr>
+                                      <p:to>
+                                        <p:strVal val="visible"/>
+                                      </p:to>
+                                    </p:set>
+                                    <p:animEffect transition="in" filter="wipe(down)">
+                                      <p:cBhvr>
+                                        <p:cTn id="38" dur="500"/>
+                                        <p:tgtEl>
+                                          <p:spTgt spid="13"/>
+                                        </p:tgtEl>
+                                      </p:cBhvr>
+                                    </p:animEffect>
+                                  </p:childTnLst>
+                                </p:cTn>
+                              </p:par>
+                            </p:childTnLst>
+                          </p:cTn>
+                        </p:par>
+                      </p:childTnLst>
+                    </p:cTn>
+                  </p:par>
+                  <p:par>
+                    <p:cTn id="39" fill="hold">
+                      <p:stCondLst>
+                        <p:cond delay="indefinite"/>
+                      </p:stCondLst>
+                      <p:childTnLst>
+                        <p:par>
+                          <p:cTn id="40" fill="hold">
+                            <p:stCondLst>
+                              <p:cond delay="0"/>
+                            </p:stCondLst>
+                            <p:childTnLst>
+                              <p:par>
+                                <p:cTn id="41" presetID="22" presetClass="entr" presetSubtype="4" fill="hold" grpId="0" nodeType="clickEffect">
+                                  <p:stCondLst>
+                                    <p:cond delay="0"/>
+                                  </p:stCondLst>
+                                  <p:childTnLst>
+                                    <p:set>
+                                      <p:cBhvr>
+                                        <p:cTn id="42" dur="1" fill="hold">
+                                          <p:stCondLst>
+                                            <p:cond delay="0"/>
+                                          </p:stCondLst>
+                                        </p:cTn>
+                                        <p:tgtEl>
+                                          <p:spTgt spid="10"/>
+                                        </p:tgtEl>
+                                        <p:attrNameLst>
+                                          <p:attrName>style.visibility</p:attrName>
+                                        </p:attrNameLst>
+                                      </p:cBhvr>
+                                      <p:to>
+                                        <p:strVal val="visible"/>
+                                      </p:to>
+                                    </p:set>
+                                    <p:animEffect transition="in" filter="wipe(down)">
+                                      <p:cBhvr>
+                                        <p:cTn id="43" dur="500"/>
+                                        <p:tgtEl>
+                                          <p:spTgt spid="10"/>
+                                        </p:tgtEl>
+                                      </p:cBhvr>
+                                    </p:animEffect>
+                                  </p:childTnLst>
+                                </p:cTn>
+                              </p:par>
+                            </p:childTnLst>
+                          </p:cTn>
+                        </p:par>
+                      </p:childTnLst>
+                    </p:cTn>
+                  </p:par>
+                  <p:par>
+                    <p:cTn id="44" fill="hold">
+                      <p:stCondLst>
+                        <p:cond delay="indefinite"/>
+                      </p:stCondLst>
+                      <p:childTnLst>
+                        <p:par>
+                          <p:cTn id="45" fill="hold">
+                            <p:stCondLst>
+                              <p:cond delay="0"/>
+                            </p:stCondLst>
+                            <p:childTnLst>
+                              <p:par>
+                                <p:cTn id="46" presetID="9" presetClass="entr" presetSubtype="0" fill="hold" grpId="0" nodeType="clickEffect">
+                                  <p:stCondLst>
+                                    <p:cond delay="0"/>
+                                  </p:stCondLst>
+                                  <p:childTnLst>
+                                    <p:set>
+                                      <p:cBhvr>
+                                        <p:cTn id="47" dur="1" fill="hold">
+                                          <p:stCondLst>
+                                            <p:cond delay="0"/>
+                                          </p:stCondLst>
+                                        </p:cTn>
+                                        <p:tgtEl>
+                                          <p:spTgt spid="7"/>
+                                        </p:tgtEl>
+                                        <p:attrNameLst>
+                                          <p:attrName>style.visibility</p:attrName>
+                                        </p:attrNameLst>
+                                      </p:cBhvr>
+                                      <p:to>
+                                        <p:strVal val="visible"/>
+                                      </p:to>
+                                    </p:set>
+                                    <p:animEffect transition="in" filter="dissolve">
+                                      <p:cBhvr>
+                                        <p:cTn id="48" dur="500"/>
+                                        <p:tgtEl>
+                                          <p:spTgt spid="7"/>
+                                        </p:tgtEl>
+                                      </p:cBhvr>
+                                    </p:animEffect>
+                                  </p:childTnLst>
+                                </p:cTn>
+                              </p:par>
+                            </p:childTnLst>
+                          </p:cTn>
+                        </p:par>
+                      </p:childTnLst>
+                    </p:cTn>
+                  </p:par>
+                </p:childTnLst>
+              </p:cTn>
+              <p:prevCondLst>
+                <p:cond evt="onPrev" delay="0">
+                  <p:tgtEl>
+                    <p:sldTgt/>
+                  </p:tgtEl>
+                </p:cond>
+              </p:prevCondLst>
+              <p:nextCondLst>
+                <p:cond evt="onNext" delay="0">
+                  <p:tgtEl>
+                    <p:sldTgt/>
+                  </p:tgtEl>
+                </p:cond>
+              </p:nextCondLst>
+            </p:seq>
+          </p:childTnLst>
+        </p:cTn>
+      </p:par>
+    </p:tnLst>
+    <p:bldLst>
+      <p:bldP spid="6" grpId="0"/>
+      <p:bldP spid="6" grpId="1"/>
+      <p:bldP spid="5" grpId="0"/>
+      <p:bldP spid="9" grpId="0"/>
+      <p:bldP spid="10" grpId="0"/>
+      <p:bldP spid="11" grpId="0"/>
+      <p:bldP spid="12" grpId="0"/>
+      <p:bldP spid="13" grpId="0"/>
+      <p:bldP spid="7" grpId="0"/>
+    </p:bldLst>
+  </p:timing>
+</p:sld>
+</file>
+
+<file path=ppt/slides/slide3.xml><?xml version="1.0" encoding="utf-8"?>
+<p:sld xmlns:a="http://schemas.openxmlformats.org/drawingml/2006/main" xmlns:r="http://schemas.openxmlformats.org/officeDocument/2006/relationships" xmlns:p="http://schemas.openxmlformats.org/presentationml/2006/main">
+  <p:cSld>
+    <p:bg>
+      <p:bgPr>
+        <a:gradFill rotWithShape="1">
+          <a:gsLst>
+            <a:gs pos="38000">
+              <a:srgbClr val="7030A0"/>
+            </a:gs>
+            <a:gs pos="100000">
+              <a:schemeClr val="bg2">
+                <a:shade val="96000"/>
+                <a:satMod val="120000"/>
+                <a:lumMod val="90000"/>
+              </a:schemeClr>
+            </a:gs>
+          </a:gsLst>
+          <a:lin ang="6120000" scaled="1"/>
+        </a:gradFill>
+        <a:effectLst/>
+      </p:bgPr>
+    </p:bg>
+    <p:spTree>
+      <p:nvGrpSpPr>
+        <p:cNvPr id="1" name=""/>
+        <p:cNvGrpSpPr/>
+        <p:nvPr/>
+      </p:nvGrpSpPr>
+      <p:grpSpPr>
+        <a:xfrm>
+          <a:off x="0" y="0"/>
+          <a:ext cx="0" cy="0"/>
+          <a:chOff x="0" y="0"/>
+          <a:chExt cx="0" cy="0"/>
+        </a:xfrm>
+      </p:grpSpPr>
       <p:pic>
         <p:nvPicPr>
           <p:cNvPr id="4" name="內容版面配置區 3"/>
@@ -9449,7 +13587,7 @@
                 <a:ea typeface="Hannotate TC" charset="-120"/>
                 <a:cs typeface="Hannotate TC" charset="-120"/>
               </a:rPr>
-              <a:t>專題目標</a:t>
+              <a:t>執行及分工</a:t>
             </a:r>
             <a:endParaRPr kumimoji="1" lang="zh-TW" altLang="en-US" sz="5000" b="1" dirty="0">
               <a:latin typeface="Hannotate TC" charset="-120"/>
@@ -9459,16 +13597,158 @@
           </a:p>
         </p:txBody>
       </p:sp>
+      <p:graphicFrame>
+        <p:nvGraphicFramePr>
+          <p:cNvPr id="5" name="資料圖表 4"/>
+          <p:cNvGraphicFramePr/>
+          <p:nvPr>
+            <p:extLst>
+              <p:ext uri="{D42A27DB-BD31-4B8C-83A1-F6EECF244321}">
+                <p14:modId xmlns:p14="http://schemas.microsoft.com/office/powerpoint/2010/main" val="1880102443"/>
+              </p:ext>
+            </p:extLst>
+          </p:nvPr>
+        </p:nvGraphicFramePr>
+        <p:xfrm>
+          <a:off x="2179858" y="1715362"/>
+          <a:ext cx="7906895" cy="4100633"/>
+        </p:xfrm>
+        <a:graphic>
+          <a:graphicData uri="http://schemas.openxmlformats.org/drawingml/2006/diagram">
+            <dgm:relIds xmlns:dgm="http://schemas.openxmlformats.org/drawingml/2006/diagram" xmlns:r="http://schemas.openxmlformats.org/officeDocument/2006/relationships" r:dm="rId3" r:lo="rId4" r:qs="rId5" r:cs="rId6"/>
+          </a:graphicData>
+        </a:graphic>
+      </p:graphicFrame>
       <p:sp>
         <p:nvSpPr>
-          <p:cNvPr id="8" name="文字方塊 7"/>
+          <p:cNvPr id="7" name="文字方塊 6"/>
           <p:cNvSpPr txBox="1"/>
           <p:nvPr/>
         </p:nvSpPr>
         <p:spPr>
           <a:xfrm>
-            <a:off x="1066800" y="2377883"/>
-            <a:ext cx="10092267" cy="2862322"/>
+            <a:off x="5073593" y="3215918"/>
+            <a:ext cx="2119423" cy="707886"/>
+          </a:xfrm>
+          <a:prstGeom prst="rect">
+            <a:avLst/>
+          </a:prstGeom>
+          <a:solidFill>
+            <a:schemeClr val="accent6"/>
+          </a:solidFill>
+        </p:spPr>
+        <p:txBody>
+          <a:bodyPr wrap="square" rtlCol="0">
+            <a:spAutoFit/>
+          </a:bodyPr>
+          <a:lstStyle/>
+          <a:p>
+            <a:r>
+              <a:rPr kumimoji="1" lang="en-US" altLang="zh-TW" sz="4000" b="1" dirty="0" smtClean="0">
+                <a:latin typeface="Hannotate TC" charset="-120"/>
+                <a:ea typeface="Hannotate TC" charset="-120"/>
+                <a:cs typeface="Hannotate TC" charset="-120"/>
+              </a:rPr>
+              <a:t>By Tony</a:t>
+            </a:r>
+            <a:endParaRPr kumimoji="1" lang="zh-TW" altLang="en-US" sz="4000" b="1" dirty="0">
+              <a:latin typeface="Hannotate TC" charset="-120"/>
+              <a:ea typeface="Hannotate TC" charset="-120"/>
+              <a:cs typeface="Hannotate TC" charset="-120"/>
+            </a:endParaRPr>
+          </a:p>
+        </p:txBody>
+      </p:sp>
+      <p:sp>
+        <p:nvSpPr>
+          <p:cNvPr id="9" name="文字方塊 8"/>
+          <p:cNvSpPr txBox="1"/>
+          <p:nvPr/>
+        </p:nvSpPr>
+        <p:spPr>
+          <a:xfrm>
+            <a:off x="3164913" y="5706040"/>
+            <a:ext cx="2450714" cy="707886"/>
+          </a:xfrm>
+          <a:prstGeom prst="rect">
+            <a:avLst/>
+          </a:prstGeom>
+          <a:solidFill>
+            <a:schemeClr val="accent6"/>
+          </a:solidFill>
+        </p:spPr>
+        <p:txBody>
+          <a:bodyPr wrap="square" rtlCol="0">
+            <a:spAutoFit/>
+          </a:bodyPr>
+          <a:lstStyle/>
+          <a:p>
+            <a:r>
+              <a:rPr kumimoji="1" lang="en-US" altLang="zh-TW" sz="4000" b="1" smtClean="0">
+                <a:latin typeface="Hannotate TC" charset="-120"/>
+                <a:ea typeface="Hannotate TC" charset="-120"/>
+                <a:cs typeface="Hannotate TC" charset="-120"/>
+              </a:rPr>
+              <a:t>By Wayne</a:t>
+            </a:r>
+            <a:endParaRPr kumimoji="1" lang="zh-TW" altLang="en-US" sz="4000" b="1" dirty="0">
+              <a:latin typeface="Hannotate TC" charset="-120"/>
+              <a:ea typeface="Hannotate TC" charset="-120"/>
+              <a:cs typeface="Hannotate TC" charset="-120"/>
+            </a:endParaRPr>
+          </a:p>
+        </p:txBody>
+      </p:sp>
+      <p:sp>
+        <p:nvSpPr>
+          <p:cNvPr id="10" name="文字方塊 9"/>
+          <p:cNvSpPr txBox="1"/>
+          <p:nvPr/>
+        </p:nvSpPr>
+        <p:spPr>
+          <a:xfrm>
+            <a:off x="6896849" y="5727682"/>
+            <a:ext cx="2450714" cy="707886"/>
+          </a:xfrm>
+          <a:prstGeom prst="rect">
+            <a:avLst/>
+          </a:prstGeom>
+          <a:solidFill>
+            <a:schemeClr val="accent6"/>
+          </a:solidFill>
+        </p:spPr>
+        <p:txBody>
+          <a:bodyPr wrap="square" rtlCol="0">
+            <a:spAutoFit/>
+          </a:bodyPr>
+          <a:lstStyle/>
+          <a:p>
+            <a:r>
+              <a:rPr kumimoji="1" lang="en-US" altLang="zh-TW" sz="4000" b="1" smtClean="0">
+                <a:latin typeface="Hannotate TC" charset="-120"/>
+                <a:ea typeface="Hannotate TC" charset="-120"/>
+                <a:cs typeface="Hannotate TC" charset="-120"/>
+              </a:rPr>
+              <a:t>By Wayne</a:t>
+            </a:r>
+            <a:endParaRPr kumimoji="1" lang="zh-TW" altLang="en-US" sz="4000" b="1" dirty="0">
+              <a:latin typeface="Hannotate TC" charset="-120"/>
+              <a:ea typeface="Hannotate TC" charset="-120"/>
+              <a:cs typeface="Hannotate TC" charset="-120"/>
+            </a:endParaRPr>
+          </a:p>
+        </p:txBody>
+      </p:sp>
+      <p:sp>
+        <p:nvSpPr>
+          <p:cNvPr id="2" name="文字方塊 1"/>
+          <p:cNvSpPr txBox="1"/>
+          <p:nvPr/>
+        </p:nvSpPr>
+        <p:spPr>
+          <a:xfrm>
+            <a:off x="2179858" y="1993160"/>
+            <a:ext cx="8260595" cy="369332"/>
           </a:xfrm>
           <a:prstGeom prst="rect">
             <a:avLst/>
@@ -9476,85 +13756,62 @@
           <a:noFill/>
         </p:spPr>
         <p:txBody>
-          <a:bodyPr wrap="square" rtlCol="0">
+          <a:bodyPr wrap="none" rtlCol="0">
             <a:spAutoFit/>
           </a:bodyPr>
           <a:lstStyle/>
           <a:p>
             <a:r>
-              <a:rPr kumimoji="1" lang="zh-TW" altLang="en-US" sz="3000" dirty="0" smtClean="0"/>
-              <a:t>透過本次專題達到自我練習及實用的兩個主要目標。</a:t>
-            </a:r>
-            <a:endParaRPr kumimoji="1" lang="en-US" altLang="zh-TW" sz="3000" dirty="0" smtClean="0"/>
-          </a:p>
-          <a:p>
-            <a:r>
-              <a:rPr kumimoji="1" lang="zh-TW" altLang="en-US" sz="3000" dirty="0" smtClean="0"/>
-              <a:t>練習</a:t>
-            </a:r>
-            <a:r>
-              <a:rPr kumimoji="1" lang="en-US" altLang="zh-TW" sz="3000" dirty="0" smtClean="0"/>
-              <a:t>-</a:t>
-            </a:r>
-          </a:p>
-          <a:p>
-            <a:r>
-              <a:rPr kumimoji="1" lang="en-US" altLang="zh-TW" sz="3000" dirty="0" smtClean="0"/>
-              <a:t>	</a:t>
-            </a:r>
-            <a:r>
-              <a:rPr kumimoji="1" lang="zh-TW" altLang="en-US" sz="3000" dirty="0" smtClean="0"/>
-              <a:t>►製作</a:t>
-            </a:r>
-            <a:r>
-              <a:rPr kumimoji="1" lang="en-US" altLang="zh-TW" sz="3000" dirty="0" err="1" smtClean="0"/>
-              <a:t>QRcode</a:t>
-            </a:r>
-            <a:r>
-              <a:rPr kumimoji="1" lang="zh-TW" altLang="en-US" sz="3000" dirty="0" smtClean="0"/>
-              <a:t>連結</a:t>
-            </a:r>
-            <a:endParaRPr kumimoji="1" lang="en-US" altLang="zh-TW" sz="3000" dirty="0"/>
-          </a:p>
-          <a:p>
-            <a:r>
-              <a:rPr kumimoji="1" lang="en-US" altLang="zh-TW" sz="3000" dirty="0" smtClean="0"/>
-              <a:t>	</a:t>
-            </a:r>
-            <a:r>
-              <a:rPr kumimoji="1" lang="zh-TW" altLang="en-US" sz="3000" dirty="0" smtClean="0"/>
-              <a:t>►製作擴增實境增加使用者興趣</a:t>
-            </a:r>
-            <a:endParaRPr kumimoji="1" lang="en-US" altLang="zh-TW" sz="3000" dirty="0" smtClean="0"/>
-          </a:p>
-          <a:p>
-            <a:r>
-              <a:rPr kumimoji="1" lang="zh-TW" altLang="en-US" sz="3000" dirty="0" smtClean="0"/>
-              <a:t>實用</a:t>
-            </a:r>
-            <a:r>
-              <a:rPr kumimoji="1" lang="en-US" altLang="zh-TW" sz="3000" dirty="0" smtClean="0"/>
-              <a:t>-</a:t>
-            </a:r>
-            <a:endParaRPr kumimoji="1" lang="en-US" altLang="zh-TW" sz="3000" dirty="0"/>
-          </a:p>
-          <a:p>
-            <a:r>
-              <a:rPr kumimoji="1" lang="en-US" altLang="zh-TW" sz="3000" dirty="0" smtClean="0"/>
-              <a:t>	</a:t>
-            </a:r>
-            <a:r>
-              <a:rPr kumimoji="1" lang="zh-TW" altLang="en-US" sz="3000" dirty="0" smtClean="0"/>
-              <a:t>►透過行動裝置使校園植物更便利的被介紹</a:t>
-            </a:r>
-            <a:endParaRPr kumimoji="1" lang="en-US" altLang="zh-TW" sz="3000" dirty="0"/>
+              <a:rPr kumimoji="1" lang="en-US" altLang="zh-TW" dirty="0">
+                <a:solidFill>
+                  <a:schemeClr val="tx2">
+                    <a:lumMod val="20000"/>
+                    <a:lumOff val="80000"/>
+                  </a:schemeClr>
+                </a:solidFill>
+                <a:hlinkClick r:id="rId8"/>
+              </a:rPr>
+              <a:t>http://</a:t>
+            </a:r>
+            <a:r>
+              <a:rPr kumimoji="1" lang="en-US" altLang="zh-TW" dirty="0" err="1">
+                <a:solidFill>
+                  <a:schemeClr val="tx2">
+                    <a:lumMod val="20000"/>
+                    <a:lumOff val="80000"/>
+                  </a:schemeClr>
+                </a:solidFill>
+                <a:hlinkClick r:id="rId8"/>
+              </a:rPr>
+              <a:t>utcs.csie.org</a:t>
+            </a:r>
+            <a:r>
+              <a:rPr kumimoji="1" lang="en-US" altLang="zh-TW" dirty="0">
+                <a:solidFill>
+                  <a:schemeClr val="tx2">
+                    <a:lumMod val="20000"/>
+                    <a:lumOff val="80000"/>
+                  </a:schemeClr>
+                </a:solidFill>
+                <a:hlinkClick r:id="rId8"/>
+              </a:rPr>
+              <a:t>/~u10416001/2016-Introduction_to_E-Learning/plants/</a:t>
+            </a:r>
+            <a:endParaRPr kumimoji="1" lang="zh-TW" altLang="en-US" dirty="0">
+              <a:solidFill>
+                <a:schemeClr val="tx2">
+                  <a:lumMod val="20000"/>
+                  <a:lumOff val="80000"/>
+                </a:schemeClr>
+              </a:solidFill>
+            </a:endParaRPr>
           </a:p>
         </p:txBody>
       </p:sp>
     </p:spTree>
     <p:extLst>
       <p:ext uri="{BB962C8B-B14F-4D97-AF65-F5344CB8AC3E}">
-        <p14:creationId xmlns:p14="http://schemas.microsoft.com/office/powerpoint/2010/main" val="1163339373"/>
+        <p14:creationId xmlns:p14="http://schemas.microsoft.com/office/powerpoint/2010/main" val="1610577427"/>
       </p:ext>
     </p:extLst>
   </p:cSld>
@@ -9571,7 +13828,7 @@
 </p:sld>
 </file>
 
-<file path=ppt/slides/slide3.xml><?xml version="1.0" encoding="utf-8"?>
+<file path=ppt/slides/slide4.xml><?xml version="1.0" encoding="utf-8"?>
 <p:sld xmlns:a="http://schemas.openxmlformats.org/drawingml/2006/main" xmlns:r="http://schemas.openxmlformats.org/officeDocument/2006/relationships" xmlns:p="http://schemas.openxmlformats.org/presentationml/2006/main">
   <p:cSld>
     <p:bg>
@@ -9854,7 +14111,7 @@
 </p:sld>
 </file>
 
-<file path=ppt/slides/slide4.xml><?xml version="1.0" encoding="utf-8"?>
+<file path=ppt/slides/slide5.xml><?xml version="1.0" encoding="utf-8"?>
 <p:sld xmlns:a="http://schemas.openxmlformats.org/drawingml/2006/main" xmlns:r="http://schemas.openxmlformats.org/officeDocument/2006/relationships" xmlns:p="http://schemas.openxmlformats.org/presentationml/2006/main">
   <p:cSld>
     <p:bg>
@@ -10120,6 +14377,66 @@
           </p:txBody>
         </p:sp>
       </p:grpSp>
+      <p:pic>
+        <p:nvPicPr>
+          <p:cNvPr id="5" name="圖片 4"/>
+          <p:cNvPicPr>
+            <a:picLocks noChangeAspect="1"/>
+          </p:cNvPicPr>
+          <p:nvPr/>
+        </p:nvPicPr>
+        <p:blipFill>
+          <a:blip r:embed="rId7">
+            <a:extLst>
+              <a:ext uri="{28A0092B-C50C-407E-A947-70E740481C1C}">
+                <a14:useLocalDpi xmlns:a14="http://schemas.microsoft.com/office/drawing/2010/main" val="0"/>
+              </a:ext>
+            </a:extLst>
+          </a:blip>
+          <a:stretch>
+            <a:fillRect/>
+          </a:stretch>
+        </p:blipFill>
+        <p:spPr>
+          <a:xfrm>
+            <a:off x="1890346" y="155603"/>
+            <a:ext cx="7848600" cy="6299200"/>
+          </a:xfrm>
+          <a:prstGeom prst="rect">
+            <a:avLst/>
+          </a:prstGeom>
+        </p:spPr>
+      </p:pic>
+      <p:pic>
+        <p:nvPicPr>
+          <p:cNvPr id="8" name="圖片 7"/>
+          <p:cNvPicPr>
+            <a:picLocks noChangeAspect="1"/>
+          </p:cNvPicPr>
+          <p:nvPr/>
+        </p:nvPicPr>
+        <p:blipFill>
+          <a:blip r:embed="rId8">
+            <a:extLst>
+              <a:ext uri="{28A0092B-C50C-407E-A947-70E740481C1C}">
+                <a14:useLocalDpi xmlns:a14="http://schemas.microsoft.com/office/drawing/2010/main" val="0"/>
+              </a:ext>
+            </a:extLst>
+          </a:blip>
+          <a:stretch>
+            <a:fillRect/>
+          </a:stretch>
+        </p:blipFill>
+        <p:spPr>
+          <a:xfrm>
+            <a:off x="5119441" y="2035831"/>
+            <a:ext cx="1948962" cy="3459696"/>
+          </a:xfrm>
+          <a:prstGeom prst="rect">
+            <a:avLst/>
+          </a:prstGeom>
+        </p:spPr>
+      </p:pic>
     </p:spTree>
     <p:extLst>
       <p:ext uri="{BB962C8B-B14F-4D97-AF65-F5344CB8AC3E}">
@@ -10311,6 +14628,316 @@
                       </p:childTnLst>
                     </p:cTn>
                   </p:par>
+                  <p:par>
+                    <p:cTn id="20" fill="hold">
+                      <p:stCondLst>
+                        <p:cond delay="indefinite"/>
+                      </p:stCondLst>
+                      <p:childTnLst>
+                        <p:par>
+                          <p:cTn id="21" fill="hold">
+                            <p:stCondLst>
+                              <p:cond delay="0"/>
+                            </p:stCondLst>
+                            <p:childTnLst>
+                              <p:par>
+                                <p:cTn id="22" presetID="22" presetClass="exit" presetSubtype="4" fill="hold" nodeType="clickEffect">
+                                  <p:stCondLst>
+                                    <p:cond delay="0"/>
+                                  </p:stCondLst>
+                                  <p:childTnLst>
+                                    <p:animEffect transition="out" filter="wipe(down)">
+                                      <p:cBhvr>
+                                        <p:cTn id="23" dur="500"/>
+                                        <p:tgtEl>
+                                          <p:spTgt spid="6"/>
+                                        </p:tgtEl>
+                                      </p:cBhvr>
+                                    </p:animEffect>
+                                    <p:set>
+                                      <p:cBhvr>
+                                        <p:cTn id="24" dur="1" fill="hold">
+                                          <p:stCondLst>
+                                            <p:cond delay="499"/>
+                                          </p:stCondLst>
+                                        </p:cTn>
+                                        <p:tgtEl>
+                                          <p:spTgt spid="6"/>
+                                        </p:tgtEl>
+                                        <p:attrNameLst>
+                                          <p:attrName>style.visibility</p:attrName>
+                                        </p:attrNameLst>
+                                      </p:cBhvr>
+                                      <p:to>
+                                        <p:strVal val="hidden"/>
+                                      </p:to>
+                                    </p:set>
+                                  </p:childTnLst>
+                                </p:cTn>
+                              </p:par>
+                              <p:par>
+                                <p:cTn id="25" presetID="22" presetClass="exit" presetSubtype="4" fill="hold" nodeType="withEffect">
+                                  <p:stCondLst>
+                                    <p:cond delay="0"/>
+                                  </p:stCondLst>
+                                  <p:childTnLst>
+                                    <p:animEffect transition="out" filter="wipe(down)">
+                                      <p:cBhvr>
+                                        <p:cTn id="26" dur="500"/>
+                                        <p:tgtEl>
+                                          <p:spTgt spid="10"/>
+                                        </p:tgtEl>
+                                      </p:cBhvr>
+                                    </p:animEffect>
+                                    <p:set>
+                                      <p:cBhvr>
+                                        <p:cTn id="27" dur="1" fill="hold">
+                                          <p:stCondLst>
+                                            <p:cond delay="499"/>
+                                          </p:stCondLst>
+                                        </p:cTn>
+                                        <p:tgtEl>
+                                          <p:spTgt spid="10"/>
+                                        </p:tgtEl>
+                                        <p:attrNameLst>
+                                          <p:attrName>style.visibility</p:attrName>
+                                        </p:attrNameLst>
+                                      </p:cBhvr>
+                                      <p:to>
+                                        <p:strVal val="hidden"/>
+                                      </p:to>
+                                    </p:set>
+                                  </p:childTnLst>
+                                </p:cTn>
+                              </p:par>
+                              <p:par>
+                                <p:cTn id="28" presetID="22" presetClass="exit" presetSubtype="4" fill="hold" nodeType="withEffect">
+                                  <p:stCondLst>
+                                    <p:cond delay="0"/>
+                                  </p:stCondLst>
+                                  <p:childTnLst>
+                                    <p:animEffect transition="out" filter="wipe(down)">
+                                      <p:cBhvr>
+                                        <p:cTn id="29" dur="500"/>
+                                        <p:tgtEl>
+                                          <p:spTgt spid="9"/>
+                                        </p:tgtEl>
+                                      </p:cBhvr>
+                                    </p:animEffect>
+                                    <p:set>
+                                      <p:cBhvr>
+                                        <p:cTn id="30" dur="1" fill="hold">
+                                          <p:stCondLst>
+                                            <p:cond delay="499"/>
+                                          </p:stCondLst>
+                                        </p:cTn>
+                                        <p:tgtEl>
+                                          <p:spTgt spid="9"/>
+                                        </p:tgtEl>
+                                        <p:attrNameLst>
+                                          <p:attrName>style.visibility</p:attrName>
+                                        </p:attrNameLst>
+                                      </p:cBhvr>
+                                      <p:to>
+                                        <p:strVal val="hidden"/>
+                                      </p:to>
+                                    </p:set>
+                                  </p:childTnLst>
+                                </p:cTn>
+                              </p:par>
+                              <p:par>
+                                <p:cTn id="31" presetID="22" presetClass="exit" presetSubtype="4" fill="hold" nodeType="withEffect">
+                                  <p:stCondLst>
+                                    <p:cond delay="0"/>
+                                  </p:stCondLst>
+                                  <p:childTnLst>
+                                    <p:animEffect transition="out" filter="wipe(down)">
+                                      <p:cBhvr>
+                                        <p:cTn id="32" dur="500"/>
+                                        <p:tgtEl>
+                                          <p:spTgt spid="2"/>
+                                        </p:tgtEl>
+                                      </p:cBhvr>
+                                    </p:animEffect>
+                                    <p:set>
+                                      <p:cBhvr>
+                                        <p:cTn id="33" dur="1" fill="hold">
+                                          <p:stCondLst>
+                                            <p:cond delay="499"/>
+                                          </p:stCondLst>
+                                        </p:cTn>
+                                        <p:tgtEl>
+                                          <p:spTgt spid="2"/>
+                                        </p:tgtEl>
+                                        <p:attrNameLst>
+                                          <p:attrName>style.visibility</p:attrName>
+                                        </p:attrNameLst>
+                                      </p:cBhvr>
+                                      <p:to>
+                                        <p:strVal val="hidden"/>
+                                      </p:to>
+                                    </p:set>
+                                  </p:childTnLst>
+                                </p:cTn>
+                              </p:par>
+                            </p:childTnLst>
+                          </p:cTn>
+                        </p:par>
+                      </p:childTnLst>
+                    </p:cTn>
+                  </p:par>
+                  <p:par>
+                    <p:cTn id="34" fill="hold">
+                      <p:stCondLst>
+                        <p:cond delay="indefinite"/>
+                      </p:stCondLst>
+                      <p:childTnLst>
+                        <p:par>
+                          <p:cTn id="35" fill="hold">
+                            <p:stCondLst>
+                              <p:cond delay="0"/>
+                            </p:stCondLst>
+                            <p:childTnLst>
+                              <p:par>
+                                <p:cTn id="36" presetID="9" presetClass="entr" presetSubtype="0" fill="hold" nodeType="clickEffect">
+                                  <p:stCondLst>
+                                    <p:cond delay="0"/>
+                                  </p:stCondLst>
+                                  <p:childTnLst>
+                                    <p:set>
+                                      <p:cBhvr>
+                                        <p:cTn id="37" dur="1" fill="hold">
+                                          <p:stCondLst>
+                                            <p:cond delay="0"/>
+                                          </p:stCondLst>
+                                        </p:cTn>
+                                        <p:tgtEl>
+                                          <p:spTgt spid="5"/>
+                                        </p:tgtEl>
+                                        <p:attrNameLst>
+                                          <p:attrName>style.visibility</p:attrName>
+                                        </p:attrNameLst>
+                                      </p:cBhvr>
+                                      <p:to>
+                                        <p:strVal val="visible"/>
+                                      </p:to>
+                                    </p:set>
+                                    <p:animEffect transition="in" filter="dissolve">
+                                      <p:cBhvr>
+                                        <p:cTn id="38" dur="500"/>
+                                        <p:tgtEl>
+                                          <p:spTgt spid="5"/>
+                                        </p:tgtEl>
+                                      </p:cBhvr>
+                                    </p:animEffect>
+                                  </p:childTnLst>
+                                </p:cTn>
+                              </p:par>
+                            </p:childTnLst>
+                          </p:cTn>
+                        </p:par>
+                      </p:childTnLst>
+                    </p:cTn>
+                  </p:par>
+                  <p:par>
+                    <p:cTn id="39" fill="hold">
+                      <p:stCondLst>
+                        <p:cond delay="indefinite"/>
+                      </p:stCondLst>
+                      <p:childTnLst>
+                        <p:par>
+                          <p:cTn id="40" fill="hold">
+                            <p:stCondLst>
+                              <p:cond delay="0"/>
+                            </p:stCondLst>
+                            <p:childTnLst>
+                              <p:par>
+                                <p:cTn id="41" presetID="55" presetClass="entr" presetSubtype="0" fill="hold" nodeType="clickEffect">
+                                  <p:stCondLst>
+                                    <p:cond delay="0"/>
+                                  </p:stCondLst>
+                                  <p:childTnLst>
+                                    <p:set>
+                                      <p:cBhvr>
+                                        <p:cTn id="42" dur="1" fill="hold">
+                                          <p:stCondLst>
+                                            <p:cond delay="0"/>
+                                          </p:stCondLst>
+                                        </p:cTn>
+                                        <p:tgtEl>
+                                          <p:spTgt spid="8"/>
+                                        </p:tgtEl>
+                                        <p:attrNameLst>
+                                          <p:attrName>style.visibility</p:attrName>
+                                        </p:attrNameLst>
+                                      </p:cBhvr>
+                                      <p:to>
+                                        <p:strVal val="visible"/>
+                                      </p:to>
+                                    </p:set>
+                                    <p:anim calcmode="lin" valueType="num">
+                                      <p:cBhvr>
+                                        <p:cTn id="43" dur="1000" fill="hold"/>
+                                        <p:tgtEl>
+                                          <p:spTgt spid="8"/>
+                                        </p:tgtEl>
+                                        <p:attrNameLst>
+                                          <p:attrName>ppt_w</p:attrName>
+                                        </p:attrNameLst>
+                                      </p:cBhvr>
+                                      <p:tavLst>
+                                        <p:tav tm="0">
+                                          <p:val>
+                                            <p:strVal val="#ppt_w*0.70"/>
+                                          </p:val>
+                                        </p:tav>
+                                        <p:tav tm="100000">
+                                          <p:val>
+                                            <p:strVal val="#ppt_w"/>
+                                          </p:val>
+                                        </p:tav>
+                                      </p:tavLst>
+                                    </p:anim>
+                                    <p:anim calcmode="lin" valueType="num">
+                                      <p:cBhvr>
+                                        <p:cTn id="44" dur="1000" fill="hold"/>
+                                        <p:tgtEl>
+                                          <p:spTgt spid="8"/>
+                                        </p:tgtEl>
+                                        <p:attrNameLst>
+                                          <p:attrName>ppt_h</p:attrName>
+                                        </p:attrNameLst>
+                                      </p:cBhvr>
+                                      <p:tavLst>
+                                        <p:tav tm="0">
+                                          <p:val>
+                                            <p:strVal val="#ppt_h"/>
+                                          </p:val>
+                                        </p:tav>
+                                        <p:tav tm="100000">
+                                          <p:val>
+                                            <p:strVal val="#ppt_h"/>
+                                          </p:val>
+                                        </p:tav>
+                                      </p:tavLst>
+                                    </p:anim>
+                                    <p:animEffect transition="in" filter="fade">
+                                      <p:cBhvr>
+                                        <p:cTn id="45" dur="1000"/>
+                                        <p:tgtEl>
+                                          <p:spTgt spid="8"/>
+                                        </p:tgtEl>
+                                      </p:cBhvr>
+                                    </p:animEffect>
+                                  </p:childTnLst>
+                                </p:cTn>
+                              </p:par>
+                            </p:childTnLst>
+                          </p:cTn>
+                        </p:par>
+                      </p:childTnLst>
+                    </p:cTn>
+                  </p:par>
                 </p:childTnLst>
               </p:cTn>
               <p:prevCondLst>
@@ -10336,7 +14963,7 @@
 </p:sld>
 </file>
 
-<file path=ppt/slides/slide5.xml><?xml version="1.0" encoding="utf-8"?>
+<file path=ppt/slides/slide6.xml><?xml version="1.0" encoding="utf-8"?>
 <p:sld xmlns:a="http://schemas.openxmlformats.org/drawingml/2006/main" xmlns:r="http://schemas.openxmlformats.org/officeDocument/2006/relationships" xmlns:p="http://schemas.openxmlformats.org/presentationml/2006/main">
   <p:cSld>
     <p:bg>
@@ -10402,16 +15029,46 @@
           </a:xfrm>
         </p:spPr>
       </p:pic>
+      <p:pic>
+        <p:nvPicPr>
+          <p:cNvPr id="2" name="圖片 1"/>
+          <p:cNvPicPr>
+            <a:picLocks noChangeAspect="1"/>
+          </p:cNvPicPr>
+          <p:nvPr/>
+        </p:nvPicPr>
+        <p:blipFill>
+          <a:blip r:embed="rId3">
+            <a:extLst>
+              <a:ext uri="{28A0092B-C50C-407E-A947-70E740481C1C}">
+                <a14:useLocalDpi xmlns:a14="http://schemas.microsoft.com/office/drawing/2010/main" val="0"/>
+              </a:ext>
+            </a:extLst>
+          </a:blip>
+          <a:stretch>
+            <a:fillRect/>
+          </a:stretch>
+        </p:blipFill>
+        <p:spPr>
+          <a:xfrm>
+            <a:off x="1148773" y="562264"/>
+            <a:ext cx="10058400" cy="5853568"/>
+          </a:xfrm>
+          <a:prstGeom prst="rect">
+            <a:avLst/>
+          </a:prstGeom>
+        </p:spPr>
+      </p:pic>
       <p:sp>
         <p:nvSpPr>
-          <p:cNvPr id="6" name="文字方塊 5"/>
+          <p:cNvPr id="5" name="文字方塊 4"/>
           <p:cNvSpPr txBox="1"/>
           <p:nvPr/>
         </p:nvSpPr>
         <p:spPr>
           <a:xfrm>
-            <a:off x="684212" y="609600"/>
-            <a:ext cx="10898188" cy="861774"/>
+            <a:off x="4610911" y="262046"/>
+            <a:ext cx="3560323" cy="861774"/>
           </a:xfrm>
           <a:prstGeom prst="rect">
             <a:avLst/>
@@ -10424,16 +15081,43 @@
           </a:bodyPr>
           <a:lstStyle/>
           <a:p>
-            <a:pPr algn="ctr"/>
-            <a:r>
-              <a:rPr kumimoji="1" lang="zh-TW" altLang="en-US" sz="5000" b="1" dirty="0" smtClean="0">
+            <a:r>
+              <a:rPr kumimoji="1" lang="en-US" altLang="zh-TW" sz="5000" b="1" dirty="0" smtClean="0">
+                <a:solidFill>
+                  <a:schemeClr val="bg1"/>
+                </a:solidFill>
                 <a:latin typeface="Hannotate TC" charset="-120"/>
                 <a:ea typeface="Hannotate TC" charset="-120"/>
                 <a:cs typeface="Hannotate TC" charset="-120"/>
               </a:rPr>
-              <a:t>執行及分工</a:t>
+              <a:t>Aura</a:t>
+            </a:r>
+            <a:r>
+              <a:rPr kumimoji="1" lang="zh-TW" altLang="en-US" sz="5000" b="1" dirty="0" smtClean="0">
+                <a:solidFill>
+                  <a:schemeClr val="bg1"/>
+                </a:solidFill>
+                <a:latin typeface="Hannotate TC" charset="-120"/>
+                <a:ea typeface="Hannotate TC" charset="-120"/>
+                <a:cs typeface="Hannotate TC" charset="-120"/>
+              </a:rPr>
+              <a:t> </a:t>
+            </a:r>
+            <a:r>
+              <a:rPr kumimoji="1" lang="en-US" altLang="zh-TW" sz="5000" b="1" dirty="0" smtClean="0">
+                <a:solidFill>
+                  <a:schemeClr val="bg1"/>
+                </a:solidFill>
+                <a:latin typeface="Hannotate TC" charset="-120"/>
+                <a:ea typeface="Hannotate TC" charset="-120"/>
+                <a:cs typeface="Hannotate TC" charset="-120"/>
+              </a:rPr>
+              <a:t>Name</a:t>
             </a:r>
             <a:endParaRPr kumimoji="1" lang="zh-TW" altLang="en-US" sz="5000" b="1" dirty="0">
+              <a:solidFill>
+                <a:schemeClr val="bg1"/>
+              </a:solidFill>
               <a:latin typeface="Hannotate TC" charset="-120"/>
               <a:ea typeface="Hannotate TC" charset="-120"/>
               <a:cs typeface="Hannotate TC" charset="-120"/>
@@ -10441,28 +15125,44 @@
           </a:p>
         </p:txBody>
       </p:sp>
-      <p:graphicFrame>
-        <p:nvGraphicFramePr>
-          <p:cNvPr id="5" name="資料圖表 4"/>
-          <p:cNvGraphicFramePr/>
-          <p:nvPr>
-            <p:extLst>
-              <p:ext uri="{D42A27DB-BD31-4B8C-83A1-F6EECF244321}">
-                <p14:modId xmlns:p14="http://schemas.microsoft.com/office/powerpoint/2010/main" val="77767235"/>
-              </p:ext>
-            </p:extLst>
-          </p:nvPr>
-        </p:nvGraphicFramePr>
-        <p:xfrm>
-          <a:off x="2179858" y="1715362"/>
-          <a:ext cx="7906895" cy="4100633"/>
-        </p:xfrm>
-        <a:graphic>
-          <a:graphicData uri="http://schemas.openxmlformats.org/drawingml/2006/diagram">
-            <dgm:relIds xmlns:dgm="http://schemas.openxmlformats.org/drawingml/2006/diagram" xmlns:r="http://schemas.openxmlformats.org/officeDocument/2006/relationships" r:dm="rId3" r:lo="rId4" r:qs="rId5" r:cs="rId6"/>
-          </a:graphicData>
-        </a:graphic>
-      </p:graphicFrame>
+      <p:sp>
+        <p:nvSpPr>
+          <p:cNvPr id="6" name="文字方塊 5"/>
+          <p:cNvSpPr txBox="1"/>
+          <p:nvPr/>
+        </p:nvSpPr>
+        <p:spPr>
+          <a:xfrm>
+            <a:off x="1596246" y="1910418"/>
+            <a:ext cx="4581727" cy="400110"/>
+          </a:xfrm>
+          <a:prstGeom prst="rect">
+            <a:avLst/>
+          </a:prstGeom>
+          <a:noFill/>
+        </p:spPr>
+        <p:txBody>
+          <a:bodyPr wrap="square" rtlCol="0">
+            <a:spAutoFit/>
+          </a:bodyPr>
+          <a:lstStyle/>
+          <a:p>
+            <a:r>
+              <a:rPr lang="en-US" altLang="zh-TW" sz="2000">
+                <a:solidFill>
+                  <a:srgbClr val="00B050"/>
+                </a:solidFill>
+              </a:rPr>
+              <a:t>Introduction_to_E-Learning-plants_1</a:t>
+            </a:r>
+            <a:endParaRPr kumimoji="1" lang="zh-TW" altLang="en-US" sz="2000" dirty="0">
+              <a:solidFill>
+                <a:srgbClr val="00B050"/>
+              </a:solidFill>
+            </a:endParaRPr>
+          </a:p>
+        </p:txBody>
+      </p:sp>
       <p:sp>
         <p:nvSpPr>
           <p:cNvPr id="7" name="文字方塊 6"/>
@@ -10471,15 +15171,13 @@
         </p:nvSpPr>
         <p:spPr>
           <a:xfrm>
-            <a:off x="5073593" y="3215918"/>
-            <a:ext cx="2119423" cy="707886"/>
+            <a:off x="6625446" y="1963917"/>
+            <a:ext cx="4581727" cy="400110"/>
           </a:xfrm>
           <a:prstGeom prst="rect">
             <a:avLst/>
           </a:prstGeom>
-          <a:solidFill>
-            <a:schemeClr val="accent6"/>
-          </a:solidFill>
+          <a:noFill/>
         </p:spPr>
         <p:txBody>
           <a:bodyPr wrap="square" rtlCol="0">
@@ -10488,17 +15186,50 @@
           <a:lstStyle/>
           <a:p>
             <a:r>
-              <a:rPr kumimoji="1" lang="en-US" altLang="zh-TW" sz="4000" b="1" dirty="0" smtClean="0">
-                <a:latin typeface="Hannotate TC" charset="-120"/>
-                <a:ea typeface="Hannotate TC" charset="-120"/>
-                <a:cs typeface="Hannotate TC" charset="-120"/>
+              <a:rPr lang="en-US" altLang="zh-TW" sz="2000" dirty="0" smtClean="0">
+                <a:solidFill>
+                  <a:srgbClr val="00B050"/>
+                </a:solidFill>
               </a:rPr>
-              <a:t>By Tony</a:t>
-            </a:r>
-            <a:endParaRPr kumimoji="1" lang="zh-TW" altLang="en-US" sz="4000" b="1" dirty="0">
-              <a:latin typeface="Hannotate TC" charset="-120"/>
-              <a:ea typeface="Hannotate TC" charset="-120"/>
-              <a:cs typeface="Hannotate TC" charset="-120"/>
+              <a:t>Introduction_to_E-Learning-plants_2</a:t>
+            </a:r>
+          </a:p>
+        </p:txBody>
+      </p:sp>
+      <p:sp>
+        <p:nvSpPr>
+          <p:cNvPr id="8" name="文字方塊 7"/>
+          <p:cNvSpPr txBox="1"/>
+          <p:nvPr/>
+        </p:nvSpPr>
+        <p:spPr>
+          <a:xfrm>
+            <a:off x="1596246" y="4436921"/>
+            <a:ext cx="4581727" cy="400110"/>
+          </a:xfrm>
+          <a:prstGeom prst="rect">
+            <a:avLst/>
+          </a:prstGeom>
+          <a:noFill/>
+        </p:spPr>
+        <p:txBody>
+          <a:bodyPr wrap="square" rtlCol="0">
+            <a:spAutoFit/>
+          </a:bodyPr>
+          <a:lstStyle/>
+          <a:p>
+            <a:r>
+              <a:rPr lang="en-US" altLang="zh-TW" sz="2000" dirty="0" smtClean="0">
+                <a:solidFill>
+                  <a:srgbClr val="00B050"/>
+                </a:solidFill>
+              </a:rPr>
+              <a:t>Introduction_to_E-Learning-plants_3</a:t>
+            </a:r>
+            <a:endParaRPr kumimoji="1" lang="zh-TW" altLang="en-US" sz="2000" dirty="0">
+              <a:solidFill>
+                <a:srgbClr val="00B050"/>
+              </a:solidFill>
             </a:endParaRPr>
           </a:p>
         </p:txBody>
@@ -10511,15 +15242,13 @@
         </p:nvSpPr>
         <p:spPr>
           <a:xfrm>
-            <a:off x="3164913" y="5706040"/>
-            <a:ext cx="2450714" cy="707886"/>
+            <a:off x="6625445" y="4436921"/>
+            <a:ext cx="4581727" cy="400110"/>
           </a:xfrm>
           <a:prstGeom prst="rect">
             <a:avLst/>
           </a:prstGeom>
-          <a:solidFill>
-            <a:schemeClr val="accent6"/>
-          </a:solidFill>
+          <a:noFill/>
         </p:spPr>
         <p:txBody>
           <a:bodyPr wrap="square" rtlCol="0">
@@ -10528,17 +15257,17 @@
           <a:lstStyle/>
           <a:p>
             <a:r>
-              <a:rPr kumimoji="1" lang="en-US" altLang="zh-TW" sz="4000" b="1" smtClean="0">
-                <a:latin typeface="Hannotate TC" charset="-120"/>
-                <a:ea typeface="Hannotate TC" charset="-120"/>
-                <a:cs typeface="Hannotate TC" charset="-120"/>
+              <a:rPr lang="en-US" altLang="zh-TW" sz="2000" dirty="0" smtClean="0">
+                <a:solidFill>
+                  <a:srgbClr val="00B050"/>
+                </a:solidFill>
               </a:rPr>
-              <a:t>By Wayne</a:t>
-            </a:r>
-            <a:endParaRPr kumimoji="1" lang="zh-TW" altLang="en-US" sz="4000" b="1" dirty="0">
-              <a:latin typeface="Hannotate TC" charset="-120"/>
-              <a:ea typeface="Hannotate TC" charset="-120"/>
-              <a:cs typeface="Hannotate TC" charset="-120"/>
+              <a:t>Introduction_to_E-Learning-plants_6</a:t>
+            </a:r>
+            <a:endParaRPr kumimoji="1" lang="zh-TW" altLang="en-US" sz="2000" dirty="0">
+              <a:solidFill>
+                <a:srgbClr val="00B050"/>
+              </a:solidFill>
             </a:endParaRPr>
           </a:p>
         </p:txBody>
@@ -10551,15 +15280,414 @@
         </p:nvSpPr>
         <p:spPr>
           <a:xfrm>
-            <a:off x="6896849" y="5727682"/>
-            <a:ext cx="2450714" cy="707886"/>
+            <a:off x="194665" y="1264595"/>
+            <a:ext cx="954107" cy="4007797"/>
           </a:xfrm>
           <a:prstGeom prst="rect">
             <a:avLst/>
           </a:prstGeom>
-          <a:solidFill>
-            <a:schemeClr val="accent6"/>
-          </a:solidFill>
+          <a:noFill/>
+        </p:spPr>
+        <p:txBody>
+          <a:bodyPr vert="eaVert" wrap="square" rtlCol="0">
+            <a:spAutoFit/>
+          </a:bodyPr>
+          <a:lstStyle/>
+          <a:p>
+            <a:r>
+              <a:rPr kumimoji="1" lang="zh-TW" altLang="en-US" sz="5000" b="1" dirty="0" smtClean="0">
+                <a:latin typeface="Hannotate TC" charset="-120"/>
+                <a:ea typeface="Hannotate TC" charset="-120"/>
+                <a:cs typeface="Hannotate TC" charset="-120"/>
+              </a:rPr>
+              <a:t>圖鑒範例頁</a:t>
+            </a:r>
+            <a:endParaRPr kumimoji="1" lang="zh-TW" altLang="en-US" sz="5000" b="1" dirty="0">
+              <a:latin typeface="Hannotate TC" charset="-120"/>
+              <a:ea typeface="Hannotate TC" charset="-120"/>
+              <a:cs typeface="Hannotate TC" charset="-120"/>
+            </a:endParaRPr>
+          </a:p>
+        </p:txBody>
+      </p:sp>
+    </p:spTree>
+    <p:extLst>
+      <p:ext uri="{BB962C8B-B14F-4D97-AF65-F5344CB8AC3E}">
+        <p14:creationId xmlns:p14="http://schemas.microsoft.com/office/powerpoint/2010/main" val="429432708"/>
+      </p:ext>
+    </p:extLst>
+  </p:cSld>
+  <p:clrMapOvr>
+    <a:masterClrMapping/>
+  </p:clrMapOvr>
+  <p:timing>
+    <p:tnLst>
+      <p:par>
+        <p:cTn id="1" dur="indefinite" restart="never" nodeType="tmRoot"/>
+      </p:par>
+    </p:tnLst>
+  </p:timing>
+</p:sld>
+</file>
+
+<file path=ppt/slides/slide7.xml><?xml version="1.0" encoding="utf-8"?>
+<p:sld xmlns:a="http://schemas.openxmlformats.org/drawingml/2006/main" xmlns:r="http://schemas.openxmlformats.org/officeDocument/2006/relationships" xmlns:p="http://schemas.openxmlformats.org/presentationml/2006/main">
+  <p:cSld>
+    <p:bg>
+      <p:bgPr>
+        <a:gradFill rotWithShape="1">
+          <a:gsLst>
+            <a:gs pos="38000">
+              <a:srgbClr val="7030A0"/>
+            </a:gs>
+            <a:gs pos="100000">
+              <a:schemeClr val="bg2">
+                <a:shade val="96000"/>
+                <a:satMod val="120000"/>
+                <a:lumMod val="90000"/>
+              </a:schemeClr>
+            </a:gs>
+          </a:gsLst>
+          <a:lin ang="6120000" scaled="1"/>
+        </a:gradFill>
+        <a:effectLst/>
+      </p:bgPr>
+    </p:bg>
+    <p:spTree>
+      <p:nvGrpSpPr>
+        <p:cNvPr id="1" name=""/>
+        <p:cNvGrpSpPr/>
+        <p:nvPr/>
+      </p:nvGrpSpPr>
+      <p:grpSpPr>
+        <a:xfrm>
+          <a:off x="0" y="0"/>
+          <a:ext cx="0" cy="0"/>
+          <a:chOff x="0" y="0"/>
+          <a:chExt cx="0" cy="0"/>
+        </a:xfrm>
+      </p:grpSpPr>
+      <p:pic>
+        <p:nvPicPr>
+          <p:cNvPr id="4" name="內容版面配置區 3"/>
+          <p:cNvPicPr>
+            <a:picLocks noGrp="1" noChangeAspect="1"/>
+          </p:cNvPicPr>
+          <p:nvPr>
+            <p:ph idx="1"/>
+          </p:nvPr>
+        </p:nvPicPr>
+        <p:blipFill>
+          <a:blip r:embed="rId2">
+            <a:extLst>
+              <a:ext uri="{28A0092B-C50C-407E-A947-70E740481C1C}">
+                <a14:useLocalDpi xmlns:a14="http://schemas.microsoft.com/office/drawing/2010/main" val="0"/>
+              </a:ext>
+            </a:extLst>
+          </a:blip>
+          <a:stretch>
+            <a:fillRect/>
+          </a:stretch>
+        </p:blipFill>
+        <p:spPr>
+          <a:xfrm>
+            <a:off x="9051396" y="3765679"/>
+            <a:ext cx="2950371" cy="2950371"/>
+          </a:xfrm>
+        </p:spPr>
+      </p:pic>
+      <p:pic>
+        <p:nvPicPr>
+          <p:cNvPr id="3" name="圖片 2"/>
+          <p:cNvPicPr>
+            <a:picLocks noChangeAspect="1"/>
+          </p:cNvPicPr>
+          <p:nvPr/>
+        </p:nvPicPr>
+        <p:blipFill>
+          <a:blip r:embed="rId3">
+            <a:extLst>
+              <a:ext uri="{28A0092B-C50C-407E-A947-70E740481C1C}">
+                <a14:useLocalDpi xmlns:a14="http://schemas.microsoft.com/office/drawing/2010/main" val="0"/>
+              </a:ext>
+            </a:extLst>
+          </a:blip>
+          <a:stretch>
+            <a:fillRect/>
+          </a:stretch>
+        </p:blipFill>
+        <p:spPr>
+          <a:xfrm rot="16200000">
+            <a:off x="1442317" y="662946"/>
+            <a:ext cx="3131197" cy="5566574"/>
+          </a:xfrm>
+          <a:prstGeom prst="rect">
+            <a:avLst/>
+          </a:prstGeom>
+        </p:spPr>
+      </p:pic>
+      <p:pic>
+        <p:nvPicPr>
+          <p:cNvPr id="11" name="圖片 10"/>
+          <p:cNvPicPr>
+            <a:picLocks noChangeAspect="1"/>
+          </p:cNvPicPr>
+          <p:nvPr/>
+        </p:nvPicPr>
+        <p:blipFill>
+          <a:blip r:embed="rId4">
+            <a:extLst>
+              <a:ext uri="{28A0092B-C50C-407E-A947-70E740481C1C}">
+                <a14:useLocalDpi xmlns:a14="http://schemas.microsoft.com/office/drawing/2010/main" val="0"/>
+              </a:ext>
+            </a:extLst>
+          </a:blip>
+          <a:stretch>
+            <a:fillRect/>
+          </a:stretch>
+        </p:blipFill>
+        <p:spPr>
+          <a:xfrm>
+            <a:off x="6290298" y="1053191"/>
+            <a:ext cx="2571824" cy="4572131"/>
+          </a:xfrm>
+          <a:prstGeom prst="rect">
+            <a:avLst/>
+          </a:prstGeom>
+        </p:spPr>
+      </p:pic>
+      <p:pic>
+        <p:nvPicPr>
+          <p:cNvPr id="12" name="圖片 11"/>
+          <p:cNvPicPr>
+            <a:picLocks noChangeAspect="1"/>
+          </p:cNvPicPr>
+          <p:nvPr/>
+        </p:nvPicPr>
+        <p:blipFill>
+          <a:blip r:embed="rId5">
+            <a:extLst>
+              <a:ext uri="{28A0092B-C50C-407E-A947-70E740481C1C}">
+                <a14:useLocalDpi xmlns:a14="http://schemas.microsoft.com/office/drawing/2010/main" val="0"/>
+              </a:ext>
+            </a:extLst>
+          </a:blip>
+          <a:stretch>
+            <a:fillRect/>
+          </a:stretch>
+        </p:blipFill>
+        <p:spPr>
+          <a:xfrm>
+            <a:off x="9240669" y="1053191"/>
+            <a:ext cx="2571824" cy="4572131"/>
+          </a:xfrm>
+          <a:prstGeom prst="rect">
+            <a:avLst/>
+          </a:prstGeom>
+        </p:spPr>
+      </p:pic>
+    </p:spTree>
+    <p:extLst>
+      <p:ext uri="{BB962C8B-B14F-4D97-AF65-F5344CB8AC3E}">
+        <p14:creationId xmlns:p14="http://schemas.microsoft.com/office/powerpoint/2010/main" val="1882393616"/>
+      </p:ext>
+    </p:extLst>
+  </p:cSld>
+  <p:clrMapOvr>
+    <a:masterClrMapping/>
+  </p:clrMapOvr>
+  <p:timing>
+    <p:tnLst>
+      <p:par>
+        <p:cTn id="1" dur="indefinite" restart="never" nodeType="tmRoot"/>
+      </p:par>
+    </p:tnLst>
+  </p:timing>
+</p:sld>
+</file>
+
+<file path=ppt/slides/slide8.xml><?xml version="1.0" encoding="utf-8"?>
+<p:sld xmlns:a="http://schemas.openxmlformats.org/drawingml/2006/main" xmlns:r="http://schemas.openxmlformats.org/officeDocument/2006/relationships" xmlns:p="http://schemas.openxmlformats.org/presentationml/2006/main">
+  <p:cSld>
+    <p:bg>
+      <p:bgPr>
+        <a:gradFill rotWithShape="1">
+          <a:gsLst>
+            <a:gs pos="38000">
+              <a:srgbClr val="7030A0"/>
+            </a:gs>
+            <a:gs pos="100000">
+              <a:schemeClr val="bg2">
+                <a:shade val="96000"/>
+                <a:satMod val="120000"/>
+                <a:lumMod val="90000"/>
+              </a:schemeClr>
+            </a:gs>
+          </a:gsLst>
+          <a:lin ang="6120000" scaled="1"/>
+        </a:gradFill>
+        <a:effectLst/>
+      </p:bgPr>
+    </p:bg>
+    <p:spTree>
+      <p:nvGrpSpPr>
+        <p:cNvPr id="1" name=""/>
+        <p:cNvGrpSpPr/>
+        <p:nvPr/>
+      </p:nvGrpSpPr>
+      <p:grpSpPr>
+        <a:xfrm>
+          <a:off x="0" y="0"/>
+          <a:ext cx="0" cy="0"/>
+          <a:chOff x="0" y="0"/>
+          <a:chExt cx="0" cy="0"/>
+        </a:xfrm>
+      </p:grpSpPr>
+      <p:pic>
+        <p:nvPicPr>
+          <p:cNvPr id="4" name="內容版面配置區 3"/>
+          <p:cNvPicPr>
+            <a:picLocks noGrp="1" noChangeAspect="1"/>
+          </p:cNvPicPr>
+          <p:nvPr>
+            <p:ph idx="1"/>
+          </p:nvPr>
+        </p:nvPicPr>
+        <p:blipFill>
+          <a:blip r:embed="rId2">
+            <a:extLst>
+              <a:ext uri="{28A0092B-C50C-407E-A947-70E740481C1C}">
+                <a14:useLocalDpi xmlns:a14="http://schemas.microsoft.com/office/drawing/2010/main" val="0"/>
+              </a:ext>
+            </a:extLst>
+          </a:blip>
+          <a:stretch>
+            <a:fillRect/>
+          </a:stretch>
+        </p:blipFill>
+        <p:spPr>
+          <a:xfrm>
+            <a:off x="9051396" y="3765679"/>
+            <a:ext cx="2950371" cy="2950371"/>
+          </a:xfrm>
+        </p:spPr>
+      </p:pic>
+      <p:graphicFrame>
+        <p:nvGraphicFramePr>
+          <p:cNvPr id="3" name="資料圖表 2"/>
+          <p:cNvGraphicFramePr/>
+          <p:nvPr>
+            <p:extLst>
+              <p:ext uri="{D42A27DB-BD31-4B8C-83A1-F6EECF244321}">
+                <p14:modId xmlns:p14="http://schemas.microsoft.com/office/powerpoint/2010/main" val="649560074"/>
+              </p:ext>
+            </p:extLst>
+          </p:nvPr>
+        </p:nvGraphicFramePr>
+        <p:xfrm>
+          <a:off x="1828799" y="493487"/>
+          <a:ext cx="8345714" cy="5413831"/>
+        </p:xfrm>
+        <a:graphic>
+          <a:graphicData uri="http://schemas.openxmlformats.org/drawingml/2006/diagram">
+            <dgm:relIds xmlns:dgm="http://schemas.openxmlformats.org/drawingml/2006/diagram" xmlns:r="http://schemas.openxmlformats.org/officeDocument/2006/relationships" r:dm="rId3" r:lo="rId4" r:qs="rId5" r:cs="rId6"/>
+          </a:graphicData>
+        </a:graphic>
+      </p:graphicFrame>
+      <p:sp>
+        <p:nvSpPr>
+          <p:cNvPr id="5" name="文字方塊 4"/>
+          <p:cNvSpPr txBox="1"/>
+          <p:nvPr/>
+        </p:nvSpPr>
+        <p:spPr>
+          <a:xfrm>
+            <a:off x="7568584" y="970345"/>
+            <a:ext cx="4416594" cy="1015663"/>
+          </a:xfrm>
+          <a:prstGeom prst="rect">
+            <a:avLst/>
+          </a:prstGeom>
+          <a:noFill/>
+        </p:spPr>
+        <p:txBody>
+          <a:bodyPr wrap="none" rtlCol="0">
+            <a:spAutoFit/>
+          </a:bodyPr>
+          <a:lstStyle/>
+          <a:p>
+            <a:r>
+              <a:rPr lang="zh-TW" altLang="zh-TW" sz="3000" dirty="0"/>
+              <a:t>由紙本圖鑑初步讓使用</a:t>
+            </a:r>
+            <a:r>
+              <a:rPr lang="zh-TW" altLang="zh-TW" sz="3000" dirty="0" smtClean="0"/>
+              <a:t>者</a:t>
+            </a:r>
+            <a:endParaRPr lang="en-US" altLang="zh-TW" sz="3000" dirty="0" smtClean="0"/>
+          </a:p>
+          <a:p>
+            <a:r>
+              <a:rPr lang="zh-TW" altLang="zh-TW" sz="3000" dirty="0" smtClean="0"/>
+              <a:t>認知</a:t>
+            </a:r>
+            <a:r>
+              <a:rPr lang="zh-TW" altLang="zh-TW" sz="3000" dirty="0"/>
+              <a:t>與猜測植物名</a:t>
+            </a:r>
+            <a:r>
+              <a:rPr lang="zh-TW" altLang="zh-TW" sz="3000" dirty="0" smtClean="0"/>
+              <a:t>。</a:t>
+            </a:r>
+            <a:endParaRPr lang="zh-TW" altLang="zh-TW" sz="3000" dirty="0"/>
+          </a:p>
+        </p:txBody>
+      </p:sp>
+      <p:sp>
+        <p:nvSpPr>
+          <p:cNvPr id="6" name="文字方塊 5"/>
+          <p:cNvSpPr txBox="1"/>
+          <p:nvPr/>
+        </p:nvSpPr>
+        <p:spPr>
+          <a:xfrm>
+            <a:off x="2591959" y="5292467"/>
+            <a:ext cx="2214068" cy="553998"/>
+          </a:xfrm>
+          <a:prstGeom prst="rect">
+            <a:avLst/>
+          </a:prstGeom>
+          <a:noFill/>
+        </p:spPr>
+        <p:txBody>
+          <a:bodyPr wrap="none" rtlCol="0">
+            <a:spAutoFit/>
+          </a:bodyPr>
+          <a:lstStyle/>
+          <a:p>
+            <a:r>
+              <a:rPr lang="zh-TW" altLang="zh-TW" sz="3000" dirty="0"/>
+              <a:t>推行計畫書 </a:t>
+            </a:r>
+            <a:endParaRPr kumimoji="1" lang="zh-TW" altLang="en-US" sz="3000" dirty="0"/>
+          </a:p>
+        </p:txBody>
+      </p:sp>
+      <p:sp>
+        <p:nvSpPr>
+          <p:cNvPr id="7" name="文字方塊 6"/>
+          <p:cNvSpPr txBox="1"/>
+          <p:nvPr/>
+        </p:nvSpPr>
+        <p:spPr>
+          <a:xfrm>
+            <a:off x="7585173" y="3722806"/>
+            <a:ext cx="4649844" cy="3323987"/>
+          </a:xfrm>
+          <a:prstGeom prst="rect">
+            <a:avLst/>
+          </a:prstGeom>
+          <a:noFill/>
         </p:spPr>
         <p:txBody>
           <a:bodyPr wrap="square" rtlCol="0">
@@ -10568,17 +15696,293 @@
           <a:lstStyle/>
           <a:p>
             <a:r>
-              <a:rPr kumimoji="1" lang="en-US" altLang="zh-TW" sz="4000" b="1" smtClean="0">
-                <a:latin typeface="Hannotate TC" charset="-120"/>
-                <a:ea typeface="Hannotate TC" charset="-120"/>
-                <a:cs typeface="Hannotate TC" charset="-120"/>
-              </a:rPr>
-              <a:t>By Wayne</a:t>
-            </a:r>
-            <a:endParaRPr kumimoji="1" lang="zh-TW" altLang="en-US" sz="4000" b="1" dirty="0">
-              <a:latin typeface="Hannotate TC" charset="-120"/>
-              <a:ea typeface="Hannotate TC" charset="-120"/>
-              <a:cs typeface="Hannotate TC" charset="-120"/>
+              <a:rPr lang="zh-TW" altLang="zh-TW" sz="3000" dirty="0"/>
+              <a:t>透過認識植物特色與延伸閱讀</a:t>
+            </a:r>
+            <a:r>
+              <a:rPr lang="zh-TW" altLang="zh-TW" sz="3000" dirty="0" smtClean="0"/>
+              <a:t>，讓</a:t>
+            </a:r>
+            <a:r>
+              <a:rPr lang="zh-TW" altLang="zh-TW" sz="3000" dirty="0"/>
+              <a:t>使用者進行學習，並達到教育目標。</a:t>
+            </a:r>
+          </a:p>
+          <a:p>
+            <a:r>
+              <a:rPr lang="zh-TW" altLang="zh-TW" sz="3000" dirty="0"/>
+              <a:t>使用圖片認知，讓使用者喚起過去的工作記憶，複習過去所學。</a:t>
+            </a:r>
+          </a:p>
+          <a:p>
+            <a:endParaRPr kumimoji="1" lang="zh-TW" altLang="en-US" sz="3000" dirty="0"/>
+          </a:p>
+        </p:txBody>
+      </p:sp>
+      <p:sp>
+        <p:nvSpPr>
+          <p:cNvPr id="8" name="文字方塊 7"/>
+          <p:cNvSpPr txBox="1"/>
+          <p:nvPr/>
+        </p:nvSpPr>
+        <p:spPr>
+          <a:xfrm>
+            <a:off x="288655" y="263162"/>
+            <a:ext cx="4606609" cy="2862322"/>
+          </a:xfrm>
+          <a:prstGeom prst="rect">
+            <a:avLst/>
+          </a:prstGeom>
+          <a:noFill/>
+        </p:spPr>
+        <p:txBody>
+          <a:bodyPr wrap="square" rtlCol="0">
+            <a:spAutoFit/>
+          </a:bodyPr>
+          <a:lstStyle/>
+          <a:p>
+            <a:r>
+              <a:rPr lang="zh-TW" altLang="zh-TW" sz="3000" dirty="0" smtClean="0"/>
+              <a:t>評估</a:t>
+            </a:r>
+            <a:r>
+              <a:rPr lang="zh-TW" altLang="zh-TW" sz="3000" dirty="0"/>
+              <a:t>使用者對課程之整體</a:t>
+            </a:r>
+            <a:r>
+              <a:rPr lang="zh-TW" altLang="zh-TW" sz="3000" dirty="0" smtClean="0"/>
+              <a:t>滿意度</a:t>
+            </a:r>
+            <a:r>
+              <a:rPr lang="zh-TW" altLang="en-US" sz="3000" dirty="0" smtClean="0"/>
+              <a:t>。</a:t>
+            </a:r>
+            <a:endParaRPr lang="zh-TW" altLang="zh-TW" sz="3000" dirty="0"/>
+          </a:p>
+          <a:p>
+            <a:r>
+              <a:rPr lang="zh-TW" altLang="zh-TW" sz="3000" dirty="0"/>
+              <a:t>確定使用者已從訓練中習得應有</a:t>
+            </a:r>
+            <a:r>
+              <a:rPr lang="zh-TW" altLang="zh-TW" sz="3000" dirty="0" smtClean="0"/>
+              <a:t>知識</a:t>
+            </a:r>
+            <a:r>
+              <a:rPr lang="zh-TW" altLang="en-US" sz="3000" dirty="0" smtClean="0"/>
+              <a:t>。</a:t>
+            </a:r>
+            <a:endParaRPr lang="zh-TW" altLang="zh-TW" sz="3000" dirty="0"/>
+          </a:p>
+          <a:p>
+            <a:r>
+              <a:rPr lang="zh-TW" altLang="zh-TW" sz="3000" dirty="0"/>
+              <a:t>將訓練成果以量化分數</a:t>
+            </a:r>
+            <a:r>
+              <a:rPr lang="zh-TW" altLang="zh-TW" sz="3000" dirty="0" smtClean="0"/>
+              <a:t>表示</a:t>
+            </a:r>
+            <a:r>
+              <a:rPr lang="zh-TW" altLang="en-US" sz="3000" dirty="0" smtClean="0"/>
+              <a:t>。</a:t>
+            </a:r>
+            <a:endParaRPr lang="zh-TW" altLang="zh-TW" sz="3000" dirty="0"/>
+          </a:p>
+        </p:txBody>
+      </p:sp>
+      <p:sp>
+        <p:nvSpPr>
+          <p:cNvPr id="9" name="右彎箭號 8"/>
+          <p:cNvSpPr/>
+          <p:nvPr/>
+        </p:nvSpPr>
+        <p:spPr>
+          <a:xfrm rot="10800000" flipV="1">
+            <a:off x="9540420" y="3125484"/>
+            <a:ext cx="506100" cy="569813"/>
+          </a:xfrm>
+          <a:prstGeom prst="bentArrow">
+            <a:avLst>
+              <a:gd name="adj1" fmla="val 25000"/>
+              <a:gd name="adj2" fmla="val 25000"/>
+              <a:gd name="adj3" fmla="val 25000"/>
+              <a:gd name="adj4" fmla="val 43750"/>
+            </a:avLst>
+          </a:prstGeom>
+        </p:spPr>
+        <p:style>
+          <a:lnRef idx="2">
+            <a:schemeClr val="accent1">
+              <a:shade val="50000"/>
+            </a:schemeClr>
+          </a:lnRef>
+          <a:fillRef idx="1">
+            <a:schemeClr val="accent1"/>
+          </a:fillRef>
+          <a:effectRef idx="0">
+            <a:schemeClr val="accent1"/>
+          </a:effectRef>
+          <a:fontRef idx="minor">
+            <a:schemeClr val="lt1"/>
+          </a:fontRef>
+        </p:style>
+        <p:txBody>
+          <a:bodyPr rtlCol="0" anchor="ctr"/>
+          <a:lstStyle/>
+          <a:p>
+            <a:pPr algn="ctr"/>
+            <a:endParaRPr kumimoji="1" lang="zh-TW" altLang="en-US">
+              <a:solidFill>
+                <a:schemeClr val="tx1"/>
+              </a:solidFill>
+            </a:endParaRPr>
+          </a:p>
+        </p:txBody>
+      </p:sp>
+      <p:sp>
+        <p:nvSpPr>
+          <p:cNvPr id="10" name="右彎箭號 9"/>
+          <p:cNvSpPr/>
+          <p:nvPr/>
+        </p:nvSpPr>
+        <p:spPr>
+          <a:xfrm rot="10800000" flipH="1" flipV="1">
+            <a:off x="4302736" y="4890502"/>
+            <a:ext cx="404250" cy="401965"/>
+          </a:xfrm>
+          <a:prstGeom prst="bentArrow">
+            <a:avLst>
+              <a:gd name="adj1" fmla="val 25000"/>
+              <a:gd name="adj2" fmla="val 26805"/>
+              <a:gd name="adj3" fmla="val 25000"/>
+              <a:gd name="adj4" fmla="val 43750"/>
+            </a:avLst>
+          </a:prstGeom>
+        </p:spPr>
+        <p:style>
+          <a:lnRef idx="2">
+            <a:schemeClr val="accent1">
+              <a:shade val="50000"/>
+            </a:schemeClr>
+          </a:lnRef>
+          <a:fillRef idx="1">
+            <a:schemeClr val="accent1"/>
+          </a:fillRef>
+          <a:effectRef idx="0">
+            <a:schemeClr val="accent1"/>
+          </a:effectRef>
+          <a:fontRef idx="minor">
+            <a:schemeClr val="lt1"/>
+          </a:fontRef>
+        </p:style>
+        <p:txBody>
+          <a:bodyPr rtlCol="0" anchor="ctr"/>
+          <a:lstStyle/>
+          <a:p>
+            <a:pPr algn="ctr"/>
+            <a:endParaRPr kumimoji="1" lang="zh-TW" altLang="en-US">
+              <a:solidFill>
+                <a:schemeClr val="tx1"/>
+              </a:solidFill>
+            </a:endParaRPr>
+          </a:p>
+        </p:txBody>
+      </p:sp>
+      <p:sp>
+        <p:nvSpPr>
+          <p:cNvPr id="11" name="右彎箭號 10"/>
+          <p:cNvSpPr/>
+          <p:nvPr/>
+        </p:nvSpPr>
+        <p:spPr>
+          <a:xfrm flipV="1">
+            <a:off x="2008252" y="3125482"/>
+            <a:ext cx="583707" cy="569814"/>
+          </a:xfrm>
+          <a:prstGeom prst="bentArrow">
+            <a:avLst>
+              <a:gd name="adj1" fmla="val 25000"/>
+              <a:gd name="adj2" fmla="val 25000"/>
+              <a:gd name="adj3" fmla="val 25000"/>
+              <a:gd name="adj4" fmla="val 43750"/>
+            </a:avLst>
+          </a:prstGeom>
+        </p:spPr>
+        <p:style>
+          <a:lnRef idx="2">
+            <a:schemeClr val="accent1">
+              <a:shade val="50000"/>
+            </a:schemeClr>
+          </a:lnRef>
+          <a:fillRef idx="1">
+            <a:schemeClr val="accent1"/>
+          </a:fillRef>
+          <a:effectRef idx="0">
+            <a:schemeClr val="accent1"/>
+          </a:effectRef>
+          <a:fontRef idx="minor">
+            <a:schemeClr val="lt1"/>
+          </a:fontRef>
+        </p:style>
+        <p:txBody>
+          <a:bodyPr rtlCol="0" anchor="ctr"/>
+          <a:lstStyle/>
+          <a:p>
+            <a:pPr algn="ctr"/>
+            <a:endParaRPr kumimoji="1" lang="zh-TW" altLang="en-US">
+              <a:solidFill>
+                <a:schemeClr val="tx1"/>
+              </a:solidFill>
+            </a:endParaRPr>
+          </a:p>
+        </p:txBody>
+      </p:sp>
+      <p:sp>
+        <p:nvSpPr>
+          <p:cNvPr id="12" name="右彎箭號 11"/>
+          <p:cNvSpPr/>
+          <p:nvPr/>
+        </p:nvSpPr>
+        <p:spPr>
+          <a:xfrm rot="10800000" flipV="1">
+            <a:off x="7715186" y="720780"/>
+            <a:ext cx="403991" cy="401965"/>
+          </a:xfrm>
+          <a:prstGeom prst="bentArrow">
+            <a:avLst>
+              <a:gd name="adj1" fmla="val 25000"/>
+              <a:gd name="adj2" fmla="val 25000"/>
+              <a:gd name="adj3" fmla="val 25000"/>
+              <a:gd name="adj4" fmla="val 43750"/>
+            </a:avLst>
+          </a:prstGeom>
+        </p:spPr>
+        <p:style>
+          <a:lnRef idx="2">
+            <a:schemeClr val="accent1">
+              <a:shade val="50000"/>
+            </a:schemeClr>
+          </a:lnRef>
+          <a:fillRef idx="1">
+            <a:schemeClr val="accent1"/>
+          </a:fillRef>
+          <a:effectRef idx="0">
+            <a:schemeClr val="accent1"/>
+          </a:effectRef>
+          <a:fontRef idx="minor">
+            <a:schemeClr val="lt1"/>
+          </a:fontRef>
+        </p:style>
+        <p:txBody>
+          <a:bodyPr rtlCol="0" anchor="ctr"/>
+          <a:lstStyle/>
+          <a:p>
+            <a:pPr algn="ctr"/>
+            <a:endParaRPr kumimoji="1" lang="zh-TW" altLang="en-US">
+              <a:solidFill>
+                <a:schemeClr val="tx1"/>
+              </a:solidFill>
             </a:endParaRPr>
           </a:p>
         </p:txBody>
@@ -10586,7 +15990,7 @@
     </p:spTree>
     <p:extLst>
       <p:ext uri="{BB962C8B-B14F-4D97-AF65-F5344CB8AC3E}">
-        <p14:creationId xmlns:p14="http://schemas.microsoft.com/office/powerpoint/2010/main" val="1610577427"/>
+        <p14:creationId xmlns:p14="http://schemas.microsoft.com/office/powerpoint/2010/main" val="261316977"/>
       </p:ext>
     </p:extLst>
   </p:cSld>

--- a/plot.pptx
+++ b/plot.pptx
@@ -113,7 +113,7 @@
   </p:defaultTextStyle>
   <p:extLst>
     <p:ext uri="{EFAFB233-063F-42B5-8137-9DF3F51BA10A}">
-      <p15:sldGuideLst xmlns:p15="http://schemas.microsoft.com/office/powerpoint/2012/main"/>
+      <p15:sldGuideLst xmlns:p15="http://schemas.microsoft.com/office/powerpoint/2012/main" xmlns=""/>
     </p:ext>
   </p:extLst>
 </p:presentation>
@@ -2766,590 +2766,6 @@
       <dsp:cNvGrpSpPr/>
     </dsp:nvGrpSpPr>
     <dsp:grpSpPr/>
-    <dsp:sp modelId="{ED4188C6-CB9D-D847-A26B-732588917948}">
-      <dsp:nvSpPr>
-        <dsp:cNvPr id="0" name=""/>
-        <dsp:cNvSpPr/>
-      </dsp:nvSpPr>
-      <dsp:spPr>
-        <a:xfrm>
-          <a:off x="2952888" y="48611"/>
-          <a:ext cx="2611368" cy="1231865"/>
-        </a:xfrm>
-        <a:prstGeom prst="roundRect">
-          <a:avLst/>
-        </a:prstGeom>
-        <a:gradFill rotWithShape="0">
-          <a:gsLst>
-            <a:gs pos="0">
-              <a:schemeClr val="accent1">
-                <a:hueOff val="0"/>
-                <a:satOff val="0"/>
-                <a:lumOff val="0"/>
-                <a:alphaOff val="0"/>
-                <a:tint val="98000"/>
-                <a:hueMod val="94000"/>
-                <a:satMod val="130000"/>
-                <a:lumMod val="128000"/>
-              </a:schemeClr>
-            </a:gs>
-            <a:gs pos="100000">
-              <a:schemeClr val="accent1">
-                <a:hueOff val="0"/>
-                <a:satOff val="0"/>
-                <a:lumOff val="0"/>
-                <a:alphaOff val="0"/>
-                <a:shade val="94000"/>
-                <a:lumMod val="88000"/>
-              </a:schemeClr>
-            </a:gs>
-          </a:gsLst>
-          <a:lin ang="5400000" scaled="0"/>
-        </a:gradFill>
-        <a:ln>
-          <a:noFill/>
-        </a:ln>
-        <a:effectLst>
-          <a:innerShdw blurRad="25400" dist="12700" dir="13500000">
-            <a:srgbClr val="000000">
-              <a:alpha val="45000"/>
-            </a:srgbClr>
-          </a:innerShdw>
-        </a:effectLst>
-      </dsp:spPr>
-      <dsp:style>
-        <a:lnRef idx="0">
-          <a:scrgbClr r="0" g="0" b="0"/>
-        </a:lnRef>
-        <a:fillRef idx="3">
-          <a:scrgbClr r="0" g="0" b="0"/>
-        </a:fillRef>
-        <a:effectRef idx="2">
-          <a:scrgbClr r="0" g="0" b="0"/>
-        </a:effectRef>
-        <a:fontRef idx="minor">
-          <a:schemeClr val="lt1"/>
-        </a:fontRef>
-      </dsp:style>
-      <dsp:txBody>
-        <a:bodyPr spcFirstLastPara="0" vert="horz" wrap="square" lIns="118110" tIns="118110" rIns="118110" bIns="118110" numCol="1" spcCol="1270" anchor="ctr" anchorCtr="0">
-          <a:noAutofit/>
-        </a:bodyPr>
-        <a:lstStyle/>
-        <a:p>
-          <a:pPr lvl="0" algn="ctr" defTabSz="1377950">
-            <a:lnSpc>
-              <a:spcPct val="90000"/>
-            </a:lnSpc>
-            <a:spcBef>
-              <a:spcPct val="0"/>
-            </a:spcBef>
-            <a:spcAft>
-              <a:spcPct val="35000"/>
-            </a:spcAft>
-          </a:pPr>
-          <a:r>
-            <a:rPr lang="zh-TW" sz="3100" kern="1200" dirty="0" smtClean="0"/>
-            <a:t>分析</a:t>
-          </a:r>
-          <a:endParaRPr lang="zh-TW" altLang="en-US" sz="3100" kern="1200" dirty="0"/>
-        </a:p>
-      </dsp:txBody>
-      <dsp:txXfrm>
-        <a:off x="3013023" y="108746"/>
-        <a:ext cx="2491098" cy="1111595"/>
-      </dsp:txXfrm>
-    </dsp:sp>
-    <dsp:sp modelId="{27415981-3C98-BA46-981D-AFAE9E6D5BCC}">
-      <dsp:nvSpPr>
-        <dsp:cNvPr id="0" name=""/>
-        <dsp:cNvSpPr/>
-      </dsp:nvSpPr>
-      <dsp:spPr>
-        <a:xfrm>
-          <a:off x="2181987" y="664543"/>
-          <a:ext cx="4153169" cy="4153169"/>
-        </a:xfrm>
-        <a:custGeom>
-          <a:avLst/>
-          <a:gdLst/>
-          <a:ahLst/>
-          <a:cxnLst/>
-          <a:rect l="0" t="0" r="0" b="0"/>
-          <a:pathLst>
-            <a:path>
-              <a:moveTo>
-                <a:pt x="3392370" y="470063"/>
-              </a:moveTo>
-              <a:arcTo wR="2076584" hR="2076584" stAng="18559106" swAng="2150045"/>
-            </a:path>
-          </a:pathLst>
-        </a:custGeom>
-        <a:noFill/>
-        <a:ln w="9525" cap="rnd" cmpd="sng" algn="ctr">
-          <a:solidFill>
-            <a:schemeClr val="accent1">
-              <a:hueOff val="0"/>
-              <a:satOff val="0"/>
-              <a:lumOff val="0"/>
-              <a:alphaOff val="0"/>
-            </a:schemeClr>
-          </a:solidFill>
-          <a:prstDash val="solid"/>
-        </a:ln>
-        <a:effectLst/>
-      </dsp:spPr>
-      <dsp:style>
-        <a:lnRef idx="1">
-          <a:scrgbClr r="0" g="0" b="0"/>
-        </a:lnRef>
-        <a:fillRef idx="0">
-          <a:scrgbClr r="0" g="0" b="0"/>
-        </a:fillRef>
-        <a:effectRef idx="0">
-          <a:scrgbClr r="0" g="0" b="0"/>
-        </a:effectRef>
-        <a:fontRef idx="minor"/>
-      </dsp:style>
-    </dsp:sp>
-    <dsp:sp modelId="{6BEB6DD6-03A0-D947-BCFC-1F2EDA5DCBC5}">
-      <dsp:nvSpPr>
-        <dsp:cNvPr id="0" name=""/>
-        <dsp:cNvSpPr/>
-      </dsp:nvSpPr>
-      <dsp:spPr>
-        <a:xfrm>
-          <a:off x="5175653" y="2221609"/>
-          <a:ext cx="2319007" cy="1039037"/>
-        </a:xfrm>
-        <a:prstGeom prst="roundRect">
-          <a:avLst/>
-        </a:prstGeom>
-        <a:gradFill rotWithShape="0">
-          <a:gsLst>
-            <a:gs pos="0">
-              <a:schemeClr val="accent1">
-                <a:hueOff val="0"/>
-                <a:satOff val="0"/>
-                <a:lumOff val="0"/>
-                <a:alphaOff val="0"/>
-                <a:tint val="98000"/>
-                <a:hueMod val="94000"/>
-                <a:satMod val="130000"/>
-                <a:lumMod val="128000"/>
-              </a:schemeClr>
-            </a:gs>
-            <a:gs pos="100000">
-              <a:schemeClr val="accent1">
-                <a:hueOff val="0"/>
-                <a:satOff val="0"/>
-                <a:lumOff val="0"/>
-                <a:alphaOff val="0"/>
-                <a:shade val="94000"/>
-                <a:lumMod val="88000"/>
-              </a:schemeClr>
-            </a:gs>
-          </a:gsLst>
-          <a:lin ang="5400000" scaled="0"/>
-        </a:gradFill>
-        <a:ln>
-          <a:noFill/>
-        </a:ln>
-        <a:effectLst>
-          <a:innerShdw blurRad="25400" dist="12700" dir="13500000">
-            <a:srgbClr val="000000">
-              <a:alpha val="45000"/>
-            </a:srgbClr>
-          </a:innerShdw>
-        </a:effectLst>
-      </dsp:spPr>
-      <dsp:style>
-        <a:lnRef idx="0">
-          <a:scrgbClr r="0" g="0" b="0"/>
-        </a:lnRef>
-        <a:fillRef idx="3">
-          <a:scrgbClr r="0" g="0" b="0"/>
-        </a:fillRef>
-        <a:effectRef idx="2">
-          <a:scrgbClr r="0" g="0" b="0"/>
-        </a:effectRef>
-        <a:fontRef idx="minor">
-          <a:schemeClr val="lt1"/>
-        </a:fontRef>
-      </dsp:style>
-      <dsp:txBody>
-        <a:bodyPr spcFirstLastPara="0" vert="horz" wrap="square" lIns="118110" tIns="118110" rIns="118110" bIns="118110" numCol="1" spcCol="1270" anchor="ctr" anchorCtr="0">
-          <a:noAutofit/>
-        </a:bodyPr>
-        <a:lstStyle/>
-        <a:p>
-          <a:pPr lvl="0" algn="ctr" defTabSz="1377950">
-            <a:lnSpc>
-              <a:spcPct val="90000"/>
-            </a:lnSpc>
-            <a:spcBef>
-              <a:spcPct val="0"/>
-            </a:spcBef>
-            <a:spcAft>
-              <a:spcPct val="35000"/>
-            </a:spcAft>
-          </a:pPr>
-          <a:r>
-            <a:rPr lang="zh-TW" sz="3100" kern="1200" dirty="0" smtClean="0"/>
-            <a:t>設計與發展</a:t>
-          </a:r>
-          <a:endParaRPr lang="zh-TW" altLang="en-US" sz="3100" kern="1200" dirty="0"/>
-        </a:p>
-      </dsp:txBody>
-      <dsp:txXfrm>
-        <a:off x="5226375" y="2272331"/>
-        <a:ext cx="2217563" cy="937593"/>
-      </dsp:txXfrm>
-    </dsp:sp>
-    <dsp:sp modelId="{96EB60A1-0BCF-DB4C-A9E6-DFF61B37CEB5}">
-      <dsp:nvSpPr>
-        <dsp:cNvPr id="0" name=""/>
-        <dsp:cNvSpPr/>
-      </dsp:nvSpPr>
-      <dsp:spPr>
-        <a:xfrm>
-          <a:off x="2181987" y="664543"/>
-          <a:ext cx="4153169" cy="4153169"/>
-        </a:xfrm>
-        <a:custGeom>
-          <a:avLst/>
-          <a:gdLst/>
-          <a:ahLst/>
-          <a:cxnLst/>
-          <a:rect l="0" t="0" r="0" b="0"/>
-          <a:pathLst>
-            <a:path>
-              <a:moveTo>
-                <a:pt x="4083864" y="2608594"/>
-              </a:moveTo>
-              <a:arcTo wR="2076584" hR="2076584" stAng="890662" swAng="2130717"/>
-            </a:path>
-          </a:pathLst>
-        </a:custGeom>
-        <a:noFill/>
-        <a:ln w="9525" cap="rnd" cmpd="sng" algn="ctr">
-          <a:solidFill>
-            <a:schemeClr val="accent1">
-              <a:hueOff val="0"/>
-              <a:satOff val="0"/>
-              <a:lumOff val="0"/>
-              <a:alphaOff val="0"/>
-            </a:schemeClr>
-          </a:solidFill>
-          <a:prstDash val="solid"/>
-        </a:ln>
-        <a:effectLst/>
-      </dsp:spPr>
-      <dsp:style>
-        <a:lnRef idx="1">
-          <a:scrgbClr r="0" g="0" b="0"/>
-        </a:lnRef>
-        <a:fillRef idx="0">
-          <a:scrgbClr r="0" g="0" b="0"/>
-        </a:fillRef>
-        <a:effectRef idx="0">
-          <a:scrgbClr r="0" g="0" b="0"/>
-        </a:effectRef>
-        <a:fontRef idx="minor"/>
-      </dsp:style>
-    </dsp:sp>
-    <dsp:sp modelId="{343B0280-3D0F-4748-A1B0-EEB031659290}">
-      <dsp:nvSpPr>
-        <dsp:cNvPr id="0" name=""/>
-        <dsp:cNvSpPr/>
-      </dsp:nvSpPr>
-      <dsp:spPr>
-        <a:xfrm>
-          <a:off x="2943655" y="4270206"/>
-          <a:ext cx="2629834" cy="1095013"/>
-        </a:xfrm>
-        <a:prstGeom prst="roundRect">
-          <a:avLst/>
-        </a:prstGeom>
-        <a:gradFill rotWithShape="0">
-          <a:gsLst>
-            <a:gs pos="0">
-              <a:schemeClr val="accent1">
-                <a:hueOff val="0"/>
-                <a:satOff val="0"/>
-                <a:lumOff val="0"/>
-                <a:alphaOff val="0"/>
-                <a:tint val="98000"/>
-                <a:hueMod val="94000"/>
-                <a:satMod val="130000"/>
-                <a:lumMod val="128000"/>
-              </a:schemeClr>
-            </a:gs>
-            <a:gs pos="100000">
-              <a:schemeClr val="accent1">
-                <a:hueOff val="0"/>
-                <a:satOff val="0"/>
-                <a:lumOff val="0"/>
-                <a:alphaOff val="0"/>
-                <a:shade val="94000"/>
-                <a:lumMod val="88000"/>
-              </a:schemeClr>
-            </a:gs>
-          </a:gsLst>
-          <a:lin ang="5400000" scaled="0"/>
-        </a:gradFill>
-        <a:ln>
-          <a:noFill/>
-        </a:ln>
-        <a:effectLst>
-          <a:innerShdw blurRad="25400" dist="12700" dir="13500000">
-            <a:srgbClr val="000000">
-              <a:alpha val="45000"/>
-            </a:srgbClr>
-          </a:innerShdw>
-        </a:effectLst>
-      </dsp:spPr>
-      <dsp:style>
-        <a:lnRef idx="0">
-          <a:scrgbClr r="0" g="0" b="0"/>
-        </a:lnRef>
-        <a:fillRef idx="3">
-          <a:scrgbClr r="0" g="0" b="0"/>
-        </a:fillRef>
-        <a:effectRef idx="2">
-          <a:scrgbClr r="0" g="0" b="0"/>
-        </a:effectRef>
-        <a:fontRef idx="minor">
-          <a:schemeClr val="lt1"/>
-        </a:fontRef>
-      </dsp:style>
-      <dsp:txBody>
-        <a:bodyPr spcFirstLastPara="0" vert="horz" wrap="square" lIns="118110" tIns="118110" rIns="118110" bIns="118110" numCol="1" spcCol="1270" anchor="ctr" anchorCtr="0">
-          <a:noAutofit/>
-        </a:bodyPr>
-        <a:lstStyle/>
-        <a:p>
-          <a:pPr lvl="0" algn="ctr" defTabSz="1377950">
-            <a:lnSpc>
-              <a:spcPct val="90000"/>
-            </a:lnSpc>
-            <a:spcBef>
-              <a:spcPct val="0"/>
-            </a:spcBef>
-            <a:spcAft>
-              <a:spcPct val="35000"/>
-            </a:spcAft>
-          </a:pPr>
-          <a:r>
-            <a:rPr lang="zh-TW" sz="3100" kern="1200" dirty="0" smtClean="0"/>
-            <a:t>執行</a:t>
-          </a:r>
-          <a:endParaRPr lang="zh-TW" altLang="en-US" sz="3100" kern="1200" dirty="0"/>
-        </a:p>
-      </dsp:txBody>
-      <dsp:txXfrm>
-        <a:off x="2997109" y="4323660"/>
-        <a:ext cx="2522926" cy="988105"/>
-      </dsp:txXfrm>
-    </dsp:sp>
-    <dsp:sp modelId="{797648D0-6BDB-A24F-A24E-B9E46E7047F3}">
-      <dsp:nvSpPr>
-        <dsp:cNvPr id="0" name=""/>
-        <dsp:cNvSpPr/>
-      </dsp:nvSpPr>
-      <dsp:spPr>
-        <a:xfrm>
-          <a:off x="2181987" y="664543"/>
-          <a:ext cx="4153169" cy="4153169"/>
-        </a:xfrm>
-        <a:custGeom>
-          <a:avLst/>
-          <a:gdLst/>
-          <a:ahLst/>
-          <a:cxnLst/>
-          <a:rect l="0" t="0" r="0" b="0"/>
-          <a:pathLst>
-            <a:path>
-              <a:moveTo>
-                <a:pt x="752076" y="3675923"/>
-              </a:moveTo>
-              <a:arcTo wR="2076584" hR="2076584" stAng="7777812" swAng="2047359"/>
-            </a:path>
-          </a:pathLst>
-        </a:custGeom>
-        <a:noFill/>
-        <a:ln w="9525" cap="rnd" cmpd="sng" algn="ctr">
-          <a:solidFill>
-            <a:schemeClr val="accent1">
-              <a:hueOff val="0"/>
-              <a:satOff val="0"/>
-              <a:lumOff val="0"/>
-              <a:alphaOff val="0"/>
-            </a:schemeClr>
-          </a:solidFill>
-          <a:prstDash val="solid"/>
-        </a:ln>
-        <a:effectLst/>
-      </dsp:spPr>
-      <dsp:style>
-        <a:lnRef idx="1">
-          <a:scrgbClr r="0" g="0" b="0"/>
-        </a:lnRef>
-        <a:fillRef idx="0">
-          <a:scrgbClr r="0" g="0" b="0"/>
-        </a:fillRef>
-        <a:effectRef idx="0">
-          <a:scrgbClr r="0" g="0" b="0"/>
-        </a:effectRef>
-        <a:fontRef idx="minor"/>
-      </dsp:style>
-    </dsp:sp>
-    <dsp:sp modelId="{7E7B5ED7-D342-914F-A892-873EFA9337E7}">
-      <dsp:nvSpPr>
-        <dsp:cNvPr id="0" name=""/>
-        <dsp:cNvSpPr/>
-      </dsp:nvSpPr>
-      <dsp:spPr>
-        <a:xfrm>
-          <a:off x="851053" y="2172075"/>
-          <a:ext cx="2661869" cy="1138105"/>
-        </a:xfrm>
-        <a:prstGeom prst="roundRect">
-          <a:avLst/>
-        </a:prstGeom>
-        <a:gradFill rotWithShape="0">
-          <a:gsLst>
-            <a:gs pos="0">
-              <a:schemeClr val="accent1">
-                <a:hueOff val="0"/>
-                <a:satOff val="0"/>
-                <a:lumOff val="0"/>
-                <a:alphaOff val="0"/>
-                <a:tint val="98000"/>
-                <a:hueMod val="94000"/>
-                <a:satMod val="130000"/>
-                <a:lumMod val="128000"/>
-              </a:schemeClr>
-            </a:gs>
-            <a:gs pos="100000">
-              <a:schemeClr val="accent1">
-                <a:hueOff val="0"/>
-                <a:satOff val="0"/>
-                <a:lumOff val="0"/>
-                <a:alphaOff val="0"/>
-                <a:shade val="94000"/>
-                <a:lumMod val="88000"/>
-              </a:schemeClr>
-            </a:gs>
-          </a:gsLst>
-          <a:lin ang="5400000" scaled="0"/>
-        </a:gradFill>
-        <a:ln>
-          <a:noFill/>
-        </a:ln>
-        <a:effectLst>
-          <a:innerShdw blurRad="25400" dist="12700" dir="13500000">
-            <a:srgbClr val="000000">
-              <a:alpha val="45000"/>
-            </a:srgbClr>
-          </a:innerShdw>
-        </a:effectLst>
-      </dsp:spPr>
-      <dsp:style>
-        <a:lnRef idx="0">
-          <a:scrgbClr r="0" g="0" b="0"/>
-        </a:lnRef>
-        <a:fillRef idx="3">
-          <a:scrgbClr r="0" g="0" b="0"/>
-        </a:fillRef>
-        <a:effectRef idx="2">
-          <a:scrgbClr r="0" g="0" b="0"/>
-        </a:effectRef>
-        <a:fontRef idx="minor">
-          <a:schemeClr val="lt1"/>
-        </a:fontRef>
-      </dsp:style>
-      <dsp:txBody>
-        <a:bodyPr spcFirstLastPara="0" vert="horz" wrap="square" lIns="118110" tIns="118110" rIns="118110" bIns="118110" numCol="1" spcCol="1270" anchor="ctr" anchorCtr="0">
-          <a:noAutofit/>
-        </a:bodyPr>
-        <a:lstStyle/>
-        <a:p>
-          <a:pPr lvl="0" algn="ctr" defTabSz="1377950">
-            <a:lnSpc>
-              <a:spcPct val="90000"/>
-            </a:lnSpc>
-            <a:spcBef>
-              <a:spcPct val="0"/>
-            </a:spcBef>
-            <a:spcAft>
-              <a:spcPct val="35000"/>
-            </a:spcAft>
-          </a:pPr>
-          <a:r>
-            <a:rPr lang="zh-TW" sz="3100" kern="1200" dirty="0" smtClean="0"/>
-            <a:t>評估</a:t>
-          </a:r>
-          <a:endParaRPr lang="zh-TW" altLang="en-US" sz="3100" kern="1200" dirty="0"/>
-        </a:p>
-      </dsp:txBody>
-      <dsp:txXfrm>
-        <a:off x="906611" y="2227633"/>
-        <a:ext cx="2550753" cy="1026989"/>
-      </dsp:txXfrm>
-    </dsp:sp>
-    <dsp:sp modelId="{94A2C048-DEE3-064F-AB88-8B359F3AFD49}">
-      <dsp:nvSpPr>
-        <dsp:cNvPr id="0" name=""/>
-        <dsp:cNvSpPr/>
-      </dsp:nvSpPr>
-      <dsp:spPr>
-        <a:xfrm>
-          <a:off x="2181987" y="664543"/>
-          <a:ext cx="4153169" cy="4153169"/>
-        </a:xfrm>
-        <a:custGeom>
-          <a:avLst/>
-          <a:gdLst/>
-          <a:ahLst/>
-          <a:cxnLst/>
-          <a:rect l="0" t="0" r="0" b="0"/>
-          <a:pathLst>
-            <a:path>
-              <a:moveTo>
-                <a:pt x="82962" y="1495486"/>
-              </a:moveTo>
-              <a:arcTo wR="2076584" hR="2076584" stAng="11775017" swAng="2066686"/>
-            </a:path>
-          </a:pathLst>
-        </a:custGeom>
-        <a:noFill/>
-        <a:ln w="9525" cap="rnd" cmpd="sng" algn="ctr">
-          <a:solidFill>
-            <a:schemeClr val="accent1">
-              <a:hueOff val="0"/>
-              <a:satOff val="0"/>
-              <a:lumOff val="0"/>
-              <a:alphaOff val="0"/>
-            </a:schemeClr>
-          </a:solidFill>
-          <a:prstDash val="solid"/>
-        </a:ln>
-        <a:effectLst/>
-      </dsp:spPr>
-      <dsp:style>
-        <a:lnRef idx="1">
-          <a:scrgbClr r="0" g="0" b="0"/>
-        </a:lnRef>
-        <a:fillRef idx="0">
-          <a:scrgbClr r="0" g="0" b="0"/>
-        </a:fillRef>
-        <a:effectRef idx="0">
-          <a:scrgbClr r="0" g="0" b="0"/>
-        </a:effectRef>
-        <a:fontRef idx="minor"/>
-      </dsp:style>
-    </dsp:sp>
   </dsp:spTree>
 </dsp:drawing>
 </file>
@@ -6969,7 +6385,7 @@
             <a:fld id="{B61BEF0D-F0BB-DE4B-95CE-6DB70DBA9567}" type="datetimeFigureOut">
               <a:rPr lang="en-US" dirty="0"/>
               <a:pPr/>
-              <a:t>6/21/16</a:t>
+              <a:t>6/22/2016</a:t>
             </a:fld>
             <a:endParaRPr lang="en-US" dirty="0"/>
           </a:p>
@@ -7402,7 +6818,7 @@
             <a:fld id="{B61BEF0D-F0BB-DE4B-95CE-6DB70DBA9567}" type="datetimeFigureOut">
               <a:rPr lang="en-US" dirty="0"/>
               <a:pPr/>
-              <a:t>6/21/16</a:t>
+              <a:t>6/22/2016</a:t>
             </a:fld>
             <a:endParaRPr lang="en-US" dirty="0"/>
           </a:p>
@@ -7649,7 +7065,7 @@
             <a:fld id="{B61BEF0D-F0BB-DE4B-95CE-6DB70DBA9567}" type="datetimeFigureOut">
               <a:rPr lang="en-US" dirty="0"/>
               <a:pPr/>
-              <a:t>6/21/16</a:t>
+              <a:t>6/22/2016</a:t>
             </a:fld>
             <a:endParaRPr lang="en-US" dirty="0"/>
           </a:p>
@@ -7954,7 +7370,7 @@
             <a:fld id="{B61BEF0D-F0BB-DE4B-95CE-6DB70DBA9567}" type="datetimeFigureOut">
               <a:rPr lang="en-US" dirty="0"/>
               <a:pPr/>
-              <a:t>6/21/16</a:t>
+              <a:t>6/22/2016</a:t>
             </a:fld>
             <a:endParaRPr lang="en-US" dirty="0"/>
           </a:p>
@@ -8269,7 +7685,7 @@
             <a:fld id="{B61BEF0D-F0BB-DE4B-95CE-6DB70DBA9567}" type="datetimeFigureOut">
               <a:rPr lang="en-US" dirty="0"/>
               <a:pPr/>
-              <a:t>6/21/16</a:t>
+              <a:t>6/22/2016</a:t>
             </a:fld>
             <a:endParaRPr lang="en-US" dirty="0"/>
           </a:p>
@@ -8568,7 +7984,7 @@
             <a:fld id="{B61BEF0D-F0BB-DE4B-95CE-6DB70DBA9567}" type="datetimeFigureOut">
               <a:rPr lang="en-US" dirty="0"/>
               <a:pPr/>
-              <a:t>6/21/16</a:t>
+              <a:t>6/22/2016</a:t>
             </a:fld>
             <a:endParaRPr lang="en-US" dirty="0"/>
           </a:p>
@@ -8932,7 +8348,7 @@
             <a:fld id="{B61BEF0D-F0BB-DE4B-95CE-6DB70DBA9567}" type="datetimeFigureOut">
               <a:rPr lang="en-US" dirty="0"/>
               <a:pPr/>
-              <a:t>6/21/16</a:t>
+              <a:t>6/22/2016</a:t>
             </a:fld>
             <a:endParaRPr lang="en-US" dirty="0"/>
           </a:p>
@@ -9103,7 +8519,7 @@
             <a:fld id="{B61BEF0D-F0BB-DE4B-95CE-6DB70DBA9567}" type="datetimeFigureOut">
               <a:rPr lang="en-US" dirty="0"/>
               <a:pPr/>
-              <a:t>6/21/16</a:t>
+              <a:t>6/22/2016</a:t>
             </a:fld>
             <a:endParaRPr lang="en-US" dirty="0"/>
           </a:p>
@@ -9280,7 +8696,7 @@
             <a:fld id="{B61BEF0D-F0BB-DE4B-95CE-6DB70DBA9567}" type="datetimeFigureOut">
               <a:rPr lang="en-US" dirty="0"/>
               <a:pPr/>
-              <a:t>6/21/16</a:t>
+              <a:t>6/22/2016</a:t>
             </a:fld>
             <a:endParaRPr lang="en-US" dirty="0"/>
           </a:p>
@@ -9447,7 +8863,7 @@
             <a:fld id="{B61BEF0D-F0BB-DE4B-95CE-6DB70DBA9567}" type="datetimeFigureOut">
               <a:rPr lang="en-US" dirty="0"/>
               <a:pPr/>
-              <a:t>6/21/16</a:t>
+              <a:t>6/22/2016</a:t>
             </a:fld>
             <a:endParaRPr lang="en-US" dirty="0"/>
           </a:p>
@@ -9694,7 +9110,7 @@
             <a:fld id="{B61BEF0D-F0BB-DE4B-95CE-6DB70DBA9567}" type="datetimeFigureOut">
               <a:rPr lang="en-US" dirty="0"/>
               <a:pPr/>
-              <a:t>6/21/16</a:t>
+              <a:t>6/22/2016</a:t>
             </a:fld>
             <a:endParaRPr lang="en-US" dirty="0"/>
           </a:p>
@@ -9927,7 +9343,7 @@
             <a:fld id="{B61BEF0D-F0BB-DE4B-95CE-6DB70DBA9567}" type="datetimeFigureOut">
               <a:rPr lang="en-US" dirty="0"/>
               <a:pPr/>
-              <a:t>6/21/16</a:t>
+              <a:t>6/22/2016</a:t>
             </a:fld>
             <a:endParaRPr lang="en-US" dirty="0"/>
           </a:p>
@@ -10306,7 +9722,7 @@
             <a:fld id="{B61BEF0D-F0BB-DE4B-95CE-6DB70DBA9567}" type="datetimeFigureOut">
               <a:rPr lang="en-US" dirty="0"/>
               <a:pPr/>
-              <a:t>6/21/16</a:t>
+              <a:t>6/22/2016</a:t>
             </a:fld>
             <a:endParaRPr lang="en-US" dirty="0"/>
           </a:p>
@@ -10421,7 +9837,7 @@
             <a:fld id="{B61BEF0D-F0BB-DE4B-95CE-6DB70DBA9567}" type="datetimeFigureOut">
               <a:rPr lang="en-US" dirty="0"/>
               <a:pPr/>
-              <a:t>6/21/16</a:t>
+              <a:t>6/22/2016</a:t>
             </a:fld>
             <a:endParaRPr lang="en-US" dirty="0"/>
           </a:p>
@@ -10513,7 +9929,7 @@
             <a:fld id="{B61BEF0D-F0BB-DE4B-95CE-6DB70DBA9567}" type="datetimeFigureOut">
               <a:rPr lang="en-US" dirty="0"/>
               <a:pPr/>
-              <a:t>6/21/16</a:t>
+              <a:t>6/22/2016</a:t>
             </a:fld>
             <a:endParaRPr lang="en-US" dirty="0"/>
           </a:p>
@@ -10765,7 +10181,7 @@
             <a:fld id="{B61BEF0D-F0BB-DE4B-95CE-6DB70DBA9567}" type="datetimeFigureOut">
               <a:rPr lang="en-US" dirty="0"/>
               <a:pPr/>
-              <a:t>6/21/16</a:t>
+              <a:t>6/22/2016</a:t>
             </a:fld>
             <a:endParaRPr lang="en-US" dirty="0"/>
           </a:p>
@@ -11045,7 +10461,7 @@
             <a:fld id="{B61BEF0D-F0BB-DE4B-95CE-6DB70DBA9567}" type="datetimeFigureOut">
               <a:rPr lang="en-US" dirty="0"/>
               <a:pPr/>
-              <a:t>6/21/16</a:t>
+              <a:t>6/22/2016</a:t>
             </a:fld>
             <a:endParaRPr lang="en-US" dirty="0"/>
           </a:p>
@@ -11448,7 +10864,7 @@
             <a:fld id="{B61BEF0D-F0BB-DE4B-95CE-6DB70DBA9567}" type="datetimeFigureOut">
               <a:rPr lang="en-US" dirty="0"/>
               <a:pPr/>
-              <a:t>6/21/16</a:t>
+              <a:t>6/22/2016</a:t>
             </a:fld>
             <a:endParaRPr lang="en-US" dirty="0"/>
           </a:p>
@@ -13747,8 +13163,8 @@
         </p:nvSpPr>
         <p:spPr>
           <a:xfrm>
-            <a:off x="2179858" y="1993160"/>
-            <a:ext cx="8260595" cy="369332"/>
+            <a:off x="1227358" y="1530696"/>
+            <a:ext cx="10562507" cy="369332"/>
           </a:xfrm>
           <a:prstGeom prst="rect">
             <a:avLst/>
@@ -13771,31 +13187,7 @@
                 </a:solidFill>
                 <a:hlinkClick r:id="rId8"/>
               </a:rPr>
-              <a:t>http://</a:t>
-            </a:r>
-            <a:r>
-              <a:rPr kumimoji="1" lang="en-US" altLang="zh-TW" dirty="0" err="1">
-                <a:solidFill>
-                  <a:schemeClr val="tx2">
-                    <a:lumMod val="20000"/>
-                    <a:lumOff val="80000"/>
-                  </a:schemeClr>
-                </a:solidFill>
-                <a:hlinkClick r:id="rId8"/>
-              </a:rPr>
-              <a:t>utcs.csie.org</a:t>
-            </a:r>
-            <a:r>
-              <a:rPr kumimoji="1" lang="en-US" altLang="zh-TW" dirty="0">
-                <a:solidFill>
-                  <a:schemeClr val="tx2">
-                    <a:lumMod val="20000"/>
-                    <a:lumOff val="80000"/>
-                  </a:schemeClr>
-                </a:solidFill>
-                <a:hlinkClick r:id="rId8"/>
-              </a:rPr>
-              <a:t>/~u10416001/2016-Introduction_to_E-Learning/plants/</a:t>
+              <a:t>http://utcs.csie.org/~u10416001/2016-Introduction_to_E-Learning/plantswebpage/plantsinfo/</a:t>
             </a:r>
             <a:endParaRPr kumimoji="1" lang="zh-TW" altLang="en-US" dirty="0">
               <a:solidFill>
@@ -16050,7 +15442,7 @@
     </a:clrScheme>
     <a:fontScheme name="Slice">
       <a:majorFont>
-        <a:latin typeface="Century Gothic" panose="020B0502020202020204"/>
+        <a:latin typeface="Century Gothic"/>
         <a:ea typeface=""/>
         <a:cs typeface=""/>
         <a:font script="Jpan" typeface="メイリオ"/>
@@ -16085,7 +15477,7 @@
         <a:font script="Geor" typeface="Sylfaen"/>
       </a:majorFont>
       <a:minorFont>
-        <a:latin typeface="Century Gothic" panose="020B0502020202020204"/>
+        <a:latin typeface="Century Gothic"/>
         <a:ea typeface=""/>
         <a:cs typeface=""/>
         <a:font script="Jpan" typeface="メイリオ"/>
@@ -16275,7 +15667,7 @@
   <a:extraClrSchemeLst/>
   <a:extLst>
     <a:ext uri="{05A4C25C-085E-4340-85A3-A5531E510DB2}">
-      <thm15:themeFamily xmlns:thm15="http://schemas.microsoft.com/office/thememl/2012/main" name="Slice" id="{0507925B-6AC9-4358-8E18-C330545D08F8}" vid="{13FEC7C6-62A9-40C4-99D2-581AACACAA2F}"/>
+      <thm15:themeFamily xmlns:thm15="http://schemas.microsoft.com/office/thememl/2012/main" xmlns="" name="Slice" id="{0507925B-6AC9-4358-8E18-C330545D08F8}" vid="{13FEC7C6-62A9-40C4-99D2-581AACACAA2F}"/>
     </a:ext>
   </a:extLst>
 </a:theme>
